--- a/LAPR3 - Sprint Status Report.pptx
+++ b/LAPR3 - Sprint Status Report.pptx
@@ -5,21 +5,22 @@
     <p:sldMasterId id="2147483648" r:id="rId4"/>
   </p:sldMasterIdLst>
   <p:notesMasterIdLst>
-    <p:notesMasterId r:id="rId17"/>
+    <p:notesMasterId r:id="rId18"/>
   </p:notesMasterIdLst>
   <p:sldIdLst>
     <p:sldId id="295" r:id="rId5"/>
     <p:sldId id="409" r:id="rId6"/>
     <p:sldId id="404" r:id="rId7"/>
-    <p:sldId id="397" r:id="rId8"/>
-    <p:sldId id="406" r:id="rId9"/>
-    <p:sldId id="407" r:id="rId10"/>
-    <p:sldId id="408" r:id="rId11"/>
-    <p:sldId id="396" r:id="rId12"/>
-    <p:sldId id="398" r:id="rId13"/>
-    <p:sldId id="405" r:id="rId14"/>
-    <p:sldId id="402" r:id="rId15"/>
-    <p:sldId id="387" r:id="rId16"/>
+    <p:sldId id="410" r:id="rId8"/>
+    <p:sldId id="397" r:id="rId9"/>
+    <p:sldId id="406" r:id="rId10"/>
+    <p:sldId id="407" r:id="rId11"/>
+    <p:sldId id="408" r:id="rId12"/>
+    <p:sldId id="396" r:id="rId13"/>
+    <p:sldId id="398" r:id="rId14"/>
+    <p:sldId id="405" r:id="rId15"/>
+    <p:sldId id="402" r:id="rId16"/>
+    <p:sldId id="387" r:id="rId17"/>
   </p:sldIdLst>
   <p:sldSz cx="9906000" cy="6858000" type="A4"/>
   <p:notesSz cx="6858000" cy="9144000"/>
@@ -2099,15 +2100,15 @@
       <cdr:y>0</cdr:y>
     </cdr:from>
     <cdr:to>
-      <cdr:x>1</cdr:x>
-      <cdr:y>0.95206</cdr:y>
+      <cdr:x>0.93212</cdr:x>
+      <cdr:y>0.97802</cdr:y>
     </cdr:to>
     <cdr:pic>
       <cdr:nvPicPr>
-        <cdr:cNvPr id="2" name="chart">
+        <cdr:cNvPr id="3" name="chart">
           <a:extLst xmlns:a="http://schemas.openxmlformats.org/drawingml/2006/main">
             <a:ext uri="{FF2B5EF4-FFF2-40B4-BE49-F238E27FC236}">
-              <a16:creationId xmlns:a16="http://schemas.microsoft.com/office/drawing/2014/main" id="{DEBA4FCA-328E-4A7B-B832-94656C004C64}"/>
+              <a16:creationId xmlns:a16="http://schemas.microsoft.com/office/drawing/2014/main" id="{9644A7DE-C8A0-44F2-B195-705F9D46AA36}"/>
             </a:ext>
           </a:extLst>
         </cdr:cNvPr>
@@ -2124,7 +2125,7 @@
       <cdr:spPr>
         <a:xfrm xmlns:a="http://schemas.openxmlformats.org/drawingml/2006/main">
           <a:off x="0" y="0"/>
-          <a:ext cx="7697274" cy="4191585"/>
+          <a:ext cx="6963747" cy="4305901"/>
         </a:xfrm>
         <a:prstGeom xmlns:a="http://schemas.openxmlformats.org/drawingml/2006/main" prst="rect">
           <a:avLst/>
@@ -2218,7 +2219,7 @@
             <a:fld id="{5D8AA918-AAAF-A948-AD9D-7282A6CA6554}" type="datetimeFigureOut">
               <a:rPr lang="en-US" smtClean="0"/>
               <a:pPr/>
-              <a:t>12/5/2021</a:t>
+              <a:t>1/3/2022</a:t>
             </a:fld>
             <a:endParaRPr lang="pt-PT"/>
           </a:p>
@@ -2570,7 +2571,7 @@
             <a:fld id="{44B11A7A-C2E1-40A3-A304-BADFC0305F97}" type="datetimeFigureOut">
               <a:rPr lang="pt-PT" smtClean="0"/>
               <a:pPr/>
-              <a:t>05/12/2021</a:t>
+              <a:t>03/01/2022</a:t>
             </a:fld>
             <a:endParaRPr lang="pt-PT"/>
           </a:p>
@@ -2836,7 +2837,7 @@
             <a:fld id="{44B11A7A-C2E1-40A3-A304-BADFC0305F97}" type="datetimeFigureOut">
               <a:rPr lang="pt-PT" smtClean="0"/>
               <a:pPr/>
-              <a:t>05/12/2021</a:t>
+              <a:t>03/01/2022</a:t>
             </a:fld>
             <a:endParaRPr lang="pt-PT"/>
           </a:p>
@@ -3010,7 +3011,7 @@
             <a:fld id="{44B11A7A-C2E1-40A3-A304-BADFC0305F97}" type="datetimeFigureOut">
               <a:rPr lang="pt-PT" smtClean="0"/>
               <a:pPr/>
-              <a:t>05/12/2021</a:t>
+              <a:t>03/01/2022</a:t>
             </a:fld>
             <a:endParaRPr lang="pt-PT"/>
           </a:p>
@@ -3220,7 +3221,7 @@
             <a:fld id="{44B11A7A-C2E1-40A3-A304-BADFC0305F97}" type="datetimeFigureOut">
               <a:rPr lang="pt-PT" smtClean="0"/>
               <a:pPr/>
-              <a:t>05/12/2021</a:t>
+              <a:t>03/01/2022</a:t>
             </a:fld>
             <a:endParaRPr lang="pt-PT"/>
           </a:p>
@@ -3571,7 +3572,7 @@
             <a:fld id="{44B11A7A-C2E1-40A3-A304-BADFC0305F97}" type="datetimeFigureOut">
               <a:rPr lang="pt-PT" smtClean="0"/>
               <a:pPr/>
-              <a:t>05/12/2021</a:t>
+              <a:t>03/01/2022</a:t>
             </a:fld>
             <a:endParaRPr lang="pt-PT"/>
           </a:p>
@@ -3666,7 +3667,7 @@
             <a:fld id="{44B11A7A-C2E1-40A3-A304-BADFC0305F97}" type="datetimeFigureOut">
               <a:rPr lang="pt-PT" smtClean="0"/>
               <a:pPr/>
-              <a:t>05/12/2021</a:t>
+              <a:t>03/01/2022</a:t>
             </a:fld>
             <a:endParaRPr lang="pt-PT"/>
           </a:p>
@@ -4032,7 +4033,7 @@
             <a:fld id="{44B11A7A-C2E1-40A3-A304-BADFC0305F97}" type="datetimeFigureOut">
               <a:rPr lang="pt-PT" smtClean="0"/>
               <a:pPr/>
-              <a:t>05/12/2021</a:t>
+              <a:t>03/01/2022</a:t>
             </a:fld>
             <a:endParaRPr lang="pt-PT"/>
           </a:p>
@@ -4157,7 +4158,7 @@
             <a:fld id="{44B11A7A-C2E1-40A3-A304-BADFC0305F97}" type="datetimeFigureOut">
               <a:rPr lang="pt-PT" smtClean="0"/>
               <a:pPr/>
-              <a:t>05/12/2021</a:t>
+              <a:t>03/01/2022</a:t>
             </a:fld>
             <a:endParaRPr lang="pt-PT"/>
           </a:p>
@@ -4241,7 +4242,7 @@
             <a:fld id="{44B11A7A-C2E1-40A3-A304-BADFC0305F97}" type="datetimeFigureOut">
               <a:rPr lang="pt-PT" smtClean="0"/>
               <a:pPr/>
-              <a:t>05/12/2021</a:t>
+              <a:t>03/01/2022</a:t>
             </a:fld>
             <a:endParaRPr lang="pt-PT"/>
           </a:p>
@@ -5039,6 +5040,364 @@
               <a:buNone/>
             </a:pPr>
             <a:r>
+              <a:rPr lang="en-US">
+                <a:solidFill>
+                  <a:schemeClr val="tx1"/>
+                </a:solidFill>
+              </a:rPr>
+              <a:t>Date: </a:t>
+            </a:r>
+          </a:p>
+        </p:txBody>
+      </p:sp>
+      <p:sp>
+        <p:nvSpPr>
+          <p:cNvPr id="3" name="Rectangle 2">
+            <a:extLst>
+              <a:ext uri="{FF2B5EF4-FFF2-40B4-BE49-F238E27FC236}">
+                <a16:creationId xmlns:a16="http://schemas.microsoft.com/office/drawing/2014/main" id="{0B46F64C-4411-4F59-B546-FCD8654F7B3C}"/>
+              </a:ext>
+            </a:extLst>
+          </p:cNvPr>
+          <p:cNvSpPr/>
+          <p:nvPr/>
+        </p:nvSpPr>
+        <p:spPr>
+          <a:xfrm>
+            <a:off x="250869" y="2528901"/>
+            <a:ext cx="2970330" cy="3685577"/>
+          </a:xfrm>
+          <a:prstGeom prst="rect">
+            <a:avLst/>
+          </a:prstGeom>
+          <a:solidFill>
+            <a:schemeClr val="accent6">
+              <a:lumMod val="20000"/>
+              <a:lumOff val="80000"/>
+            </a:schemeClr>
+          </a:solidFill>
+          <a:ln>
+            <a:noFill/>
+          </a:ln>
+        </p:spPr>
+        <p:style>
+          <a:lnRef idx="2">
+            <a:schemeClr val="accent1">
+              <a:shade val="50000"/>
+            </a:schemeClr>
+          </a:lnRef>
+          <a:fillRef idx="1">
+            <a:schemeClr val="accent1"/>
+          </a:fillRef>
+          <a:effectRef idx="0">
+            <a:schemeClr val="accent1"/>
+          </a:effectRef>
+          <a:fontRef idx="minor">
+            <a:schemeClr val="lt1"/>
+          </a:fontRef>
+        </p:style>
+        <p:txBody>
+          <a:bodyPr rtlCol="0" anchor="t"/>
+          <a:lstStyle/>
+          <a:p>
+            <a:r>
+              <a:rPr lang="en-US" u="sng" dirty="0">
+                <a:solidFill>
+                  <a:schemeClr val="tx1"/>
+                </a:solidFill>
+              </a:rPr>
+              <a:t>What went well?</a:t>
+            </a:r>
+          </a:p>
+          <a:p>
+            <a:pPr marL="285750" indent="-285750">
+              <a:buFont typeface="Arial" panose="020B0604020202020204" pitchFamily="34" charset="0"/>
+              <a:buChar char="•"/>
+            </a:pPr>
+            <a:r>
+              <a:rPr lang="en-US" sz="1400" dirty="0">
+                <a:solidFill>
+                  <a:schemeClr val="tx1"/>
+                </a:solidFill>
+              </a:rPr>
+              <a:t>Work distribution</a:t>
+            </a:r>
+          </a:p>
+          <a:p>
+            <a:pPr marL="285750" indent="-285750">
+              <a:buFont typeface="Arial" panose="020B0604020202020204" pitchFamily="34" charset="0"/>
+              <a:buChar char="•"/>
+            </a:pPr>
+            <a:endParaRPr lang="en-US" sz="1400" dirty="0">
+              <a:solidFill>
+                <a:schemeClr val="tx1"/>
+              </a:solidFill>
+            </a:endParaRPr>
+          </a:p>
+        </p:txBody>
+      </p:sp>
+      <p:sp>
+        <p:nvSpPr>
+          <p:cNvPr id="7" name="Rectangle 6">
+            <a:extLst>
+              <a:ext uri="{FF2B5EF4-FFF2-40B4-BE49-F238E27FC236}">
+                <a16:creationId xmlns:a16="http://schemas.microsoft.com/office/drawing/2014/main" id="{73B9FD58-6876-4E87-998E-ACA36985B86E}"/>
+              </a:ext>
+            </a:extLst>
+          </p:cNvPr>
+          <p:cNvSpPr/>
+          <p:nvPr/>
+        </p:nvSpPr>
+        <p:spPr>
+          <a:xfrm>
+            <a:off x="3480763" y="2528901"/>
+            <a:ext cx="2970330" cy="3685577"/>
+          </a:xfrm>
+          <a:prstGeom prst="rect">
+            <a:avLst/>
+          </a:prstGeom>
+          <a:solidFill>
+            <a:schemeClr val="accent6">
+              <a:lumMod val="20000"/>
+              <a:lumOff val="80000"/>
+            </a:schemeClr>
+          </a:solidFill>
+          <a:ln>
+            <a:noFill/>
+          </a:ln>
+        </p:spPr>
+        <p:style>
+          <a:lnRef idx="2">
+            <a:schemeClr val="accent1">
+              <a:shade val="50000"/>
+            </a:schemeClr>
+          </a:lnRef>
+          <a:fillRef idx="1">
+            <a:schemeClr val="accent1"/>
+          </a:fillRef>
+          <a:effectRef idx="0">
+            <a:schemeClr val="accent1"/>
+          </a:effectRef>
+          <a:fontRef idx="minor">
+            <a:schemeClr val="lt1"/>
+          </a:fontRef>
+        </p:style>
+        <p:txBody>
+          <a:bodyPr rtlCol="0" anchor="t"/>
+          <a:lstStyle/>
+          <a:p>
+            <a:r>
+              <a:rPr lang="en-US" u="sng" dirty="0">
+                <a:solidFill>
+                  <a:schemeClr val="tx1"/>
+                </a:solidFill>
+              </a:rPr>
+              <a:t>What went wrong?</a:t>
+            </a:r>
+          </a:p>
+          <a:p>
+            <a:pPr marL="285750" indent="-285750">
+              <a:buFont typeface="Arial" panose="020B0604020202020204" pitchFamily="34" charset="0"/>
+              <a:buChar char="•"/>
+            </a:pPr>
+            <a:r>
+              <a:rPr lang="en-US" sz="1400" dirty="0">
+                <a:solidFill>
+                  <a:schemeClr val="tx1"/>
+                </a:solidFill>
+              </a:rPr>
+              <a:t>We started really late			</a:t>
+            </a:r>
+          </a:p>
+          <a:p>
+            <a:pPr marL="285750" indent="-285750">
+              <a:buFont typeface="Arial" panose="020B0604020202020204" pitchFamily="34" charset="0"/>
+              <a:buChar char="•"/>
+            </a:pPr>
+            <a:endParaRPr lang="en-US" sz="1400" dirty="0">
+              <a:solidFill>
+                <a:schemeClr val="tx1"/>
+              </a:solidFill>
+            </a:endParaRPr>
+          </a:p>
+        </p:txBody>
+      </p:sp>
+      <p:sp>
+        <p:nvSpPr>
+          <p:cNvPr id="8" name="Rectangle 7">
+            <a:extLst>
+              <a:ext uri="{FF2B5EF4-FFF2-40B4-BE49-F238E27FC236}">
+                <a16:creationId xmlns:a16="http://schemas.microsoft.com/office/drawing/2014/main" id="{39B8E455-F8DD-4DEF-9E49-A26421870FC1}"/>
+              </a:ext>
+            </a:extLst>
+          </p:cNvPr>
+          <p:cNvSpPr/>
+          <p:nvPr/>
+        </p:nvSpPr>
+        <p:spPr>
+          <a:xfrm>
+            <a:off x="6708195" y="2528900"/>
+            <a:ext cx="2970330" cy="3685577"/>
+          </a:xfrm>
+          <a:prstGeom prst="rect">
+            <a:avLst/>
+          </a:prstGeom>
+          <a:solidFill>
+            <a:schemeClr val="accent6">
+              <a:lumMod val="20000"/>
+              <a:lumOff val="80000"/>
+            </a:schemeClr>
+          </a:solidFill>
+          <a:ln>
+            <a:noFill/>
+          </a:ln>
+        </p:spPr>
+        <p:style>
+          <a:lnRef idx="2">
+            <a:schemeClr val="accent1">
+              <a:shade val="50000"/>
+            </a:schemeClr>
+          </a:lnRef>
+          <a:fillRef idx="1">
+            <a:schemeClr val="accent1"/>
+          </a:fillRef>
+          <a:effectRef idx="0">
+            <a:schemeClr val="accent1"/>
+          </a:effectRef>
+          <a:fontRef idx="minor">
+            <a:schemeClr val="lt1"/>
+          </a:fontRef>
+        </p:style>
+        <p:txBody>
+          <a:bodyPr rtlCol="0" anchor="t"/>
+          <a:lstStyle/>
+          <a:p>
+            <a:r>
+              <a:rPr lang="en-US" u="sng" dirty="0">
+                <a:solidFill>
+                  <a:schemeClr val="tx1"/>
+                </a:solidFill>
+              </a:rPr>
+              <a:t>What we’ve learned?</a:t>
+            </a:r>
+          </a:p>
+          <a:p>
+            <a:pPr marL="285750" indent="-285750">
+              <a:buFont typeface="Arial" panose="020B0604020202020204" pitchFamily="34" charset="0"/>
+              <a:buChar char="•"/>
+            </a:pPr>
+            <a:endParaRPr lang="en-US" sz="1400" dirty="0">
+              <a:solidFill>
+                <a:schemeClr val="tx1"/>
+              </a:solidFill>
+            </a:endParaRPr>
+          </a:p>
+          <a:p>
+            <a:pPr marL="285750" indent="-285750">
+              <a:buFont typeface="Arial" panose="020B0604020202020204" pitchFamily="34" charset="0"/>
+              <a:buChar char="•"/>
+            </a:pPr>
+            <a:r>
+              <a:rPr lang="en-US" sz="1400" dirty="0">
+                <a:solidFill>
+                  <a:schemeClr val="tx1"/>
+                </a:solidFill>
+              </a:rPr>
+              <a:t>We need to start earlier because we have no time if something goes wrong</a:t>
+            </a:r>
+          </a:p>
+        </p:txBody>
+      </p:sp>
+    </p:spTree>
+    <p:extLst>
+      <p:ext uri="{BB962C8B-B14F-4D97-AF65-F5344CB8AC3E}">
+        <p14:creationId xmlns:p14="http://schemas.microsoft.com/office/powerpoint/2010/main" val="3250254882"/>
+      </p:ext>
+    </p:extLst>
+  </p:cSld>
+  <p:clrMapOvr>
+    <a:masterClrMapping/>
+  </p:clrMapOvr>
+  <p:transition spd="med">
+    <p:fade/>
+  </p:transition>
+</p:sld>
+</file>
+
+<file path=ppt/slides/slide11.xml><?xml version="1.0" encoding="utf-8"?>
+<p:sld xmlns:a="http://schemas.openxmlformats.org/drawingml/2006/main" xmlns:r="http://schemas.openxmlformats.org/officeDocument/2006/relationships" xmlns:p="http://schemas.openxmlformats.org/presentationml/2006/main">
+  <p:cSld>
+    <p:spTree>
+      <p:nvGrpSpPr>
+        <p:cNvPr id="1" name=""/>
+        <p:cNvGrpSpPr/>
+        <p:nvPr/>
+      </p:nvGrpSpPr>
+      <p:grpSpPr>
+        <a:xfrm>
+          <a:off x="0" y="0"/>
+          <a:ext cx="0" cy="0"/>
+          <a:chOff x="0" y="0"/>
+          <a:chExt cx="0" cy="0"/>
+        </a:xfrm>
+      </p:grpSpPr>
+      <p:sp>
+        <p:nvSpPr>
+          <p:cNvPr id="5" name="Título 4">
+            <a:extLst>
+              <a:ext uri="{FF2B5EF4-FFF2-40B4-BE49-F238E27FC236}">
+                <a16:creationId xmlns:a16="http://schemas.microsoft.com/office/drawing/2014/main" id="{E87CCFBD-63B6-4340-92B3-5E03879F60E8}"/>
+              </a:ext>
+            </a:extLst>
+          </p:cNvPr>
+          <p:cNvSpPr>
+            <a:spLocks noGrp="1"/>
+          </p:cNvSpPr>
+          <p:nvPr>
+            <p:ph type="title"/>
+          </p:nvPr>
+        </p:nvSpPr>
+        <p:spPr/>
+        <p:txBody>
+          <a:bodyPr/>
+          <a:lstStyle/>
+          <a:p>
+            <a:r>
+              <a:rPr lang="en-US" sz="3200" cap="none">
+                <a:solidFill>
+                  <a:schemeClr val="tx1"/>
+                </a:solidFill>
+              </a:rPr>
+              <a:t>Sprint Retrospective</a:t>
+            </a:r>
+          </a:p>
+        </p:txBody>
+      </p:sp>
+      <p:sp>
+        <p:nvSpPr>
+          <p:cNvPr id="6" name="Marcador de Posição de Conteúdo 5">
+            <a:extLst>
+              <a:ext uri="{FF2B5EF4-FFF2-40B4-BE49-F238E27FC236}">
+                <a16:creationId xmlns:a16="http://schemas.microsoft.com/office/drawing/2014/main" id="{D06360EC-9833-4654-B8AD-2795D9E72058}"/>
+              </a:ext>
+            </a:extLst>
+          </p:cNvPr>
+          <p:cNvSpPr>
+            <a:spLocks noGrp="1"/>
+          </p:cNvSpPr>
+          <p:nvPr>
+            <p:ph idx="1"/>
+          </p:nvPr>
+        </p:nvSpPr>
+        <p:spPr/>
+        <p:txBody>
+          <a:bodyPr/>
+          <a:lstStyle/>
+          <a:p>
+            <a:pPr marL="0" indent="0">
+              <a:buNone/>
+            </a:pPr>
+            <a:r>
               <a:rPr lang="en-US" dirty="0">
                 <a:solidFill>
                   <a:schemeClr val="tx1"/>
@@ -5152,7 +5511,7 @@
                   <a:schemeClr val="tx1"/>
                 </a:solidFill>
               </a:rPr>
-              <a:t>What went wrong:</a:t>
+              <a:t>What went wrong: </a:t>
             </a:r>
             <a:r>
               <a:rPr lang="en-US" dirty="0">
@@ -5160,7 +5519,7 @@
                   <a:schemeClr val="tx1"/>
                 </a:solidFill>
               </a:rPr>
-              <a:t> Daily meetings aren´t logged properly. Estimate times.</a:t>
+              <a:t>Sprint start</a:t>
             </a:r>
           </a:p>
           <a:p>
@@ -5185,7 +5544,7 @@
                   <a:schemeClr val="tx1"/>
                 </a:solidFill>
               </a:rPr>
-              <a:t> Estimate better the user stories. Log the meeting and our work better.</a:t>
+              <a:t> Start earlier</a:t>
             </a:r>
           </a:p>
           <a:p>
@@ -5235,7 +5594,7 @@
 </p:sld>
 </file>
 
-<file path=ppt/slides/slide11.xml><?xml version="1.0" encoding="utf-8"?>
+<file path=ppt/slides/slide12.xml><?xml version="1.0" encoding="utf-8"?>
 <p:sld xmlns:a="http://schemas.openxmlformats.org/drawingml/2006/main" xmlns:r="http://schemas.openxmlformats.org/officeDocument/2006/relationships" xmlns:p="http://schemas.openxmlformats.org/presentationml/2006/main">
   <p:cSld>
     <p:spTree>
@@ -5312,10 +5671,10 @@
       </p:sp>
       <p:pic>
         <p:nvPicPr>
-          <p:cNvPr id="9" name="Imagem 8">
+          <p:cNvPr id="4" name="Imagem 3">
             <a:extLst>
               <a:ext uri="{FF2B5EF4-FFF2-40B4-BE49-F238E27FC236}">
-                <a16:creationId xmlns:a16="http://schemas.microsoft.com/office/drawing/2014/main" id="{9FB0E73E-1D88-45A0-B801-DDDC634E1E6F}"/>
+                <a16:creationId xmlns:a16="http://schemas.microsoft.com/office/drawing/2014/main" id="{8A76C6F3-6FA2-47AD-83AA-91B65929E062}"/>
               </a:ext>
             </a:extLst>
           </p:cNvPr>
@@ -5332,8 +5691,8 @@
         </p:blipFill>
         <p:spPr>
           <a:xfrm>
-            <a:off x="0" y="1788808"/>
-            <a:ext cx="9906000" cy="3280383"/>
+            <a:off x="0" y="1789477"/>
+            <a:ext cx="9906000" cy="3279045"/>
           </a:xfrm>
           <a:prstGeom prst="rect">
             <a:avLst/>
@@ -5356,7 +5715,7 @@
 </p:sld>
 </file>
 
-<file path=ppt/slides/slide12.xml><?xml version="1.0" encoding="utf-8"?>
+<file path=ppt/slides/slide13.xml><?xml version="1.0" encoding="utf-8"?>
 <p:sld xmlns:a="http://schemas.openxmlformats.org/drawingml/2006/main" xmlns:r="http://schemas.openxmlformats.org/officeDocument/2006/relationships" xmlns:p="http://schemas.openxmlformats.org/presentationml/2006/main">
   <p:cSld>
     <p:spTree>
@@ -5448,7 +5807,7 @@
           <p:nvPr>
             <p:extLst>
               <p:ext uri="{D42A27DB-BD31-4B8C-83A1-F6EECF244321}">
-                <p14:modId xmlns:p14="http://schemas.microsoft.com/office/powerpoint/2010/main" val="3131922514"/>
+                <p14:modId xmlns:p14="http://schemas.microsoft.com/office/powerpoint/2010/main" val="2546535244"/>
               </p:ext>
             </p:extLst>
           </p:nvPr>
@@ -5530,7 +5889,7 @@
                     <a:p>
                       <a:r>
                         <a:rPr lang="en-US" noProof="0" dirty="0"/>
-                        <a:t>12</a:t>
+                        <a:t>20</a:t>
                       </a:r>
                     </a:p>
                   </a:txBody>
@@ -5602,7 +5961,7 @@
                       </a:pPr>
                       <a:r>
                         <a:rPr lang="en-US" noProof="0" dirty="0"/>
-                        <a:t>4</a:t>
+                        <a:t>5</a:t>
                       </a:r>
                     </a:p>
                   </a:txBody>
@@ -5641,7 +6000,7 @@
                       </a:pPr>
                       <a:r>
                         <a:rPr lang="en-US" noProof="0" dirty="0"/>
-                        <a:t>1</a:t>
+                        <a:t>3</a:t>
                       </a:r>
                     </a:p>
                   </a:txBody>
@@ -5719,7 +6078,7 @@
                       </a:pPr>
                       <a:r>
                         <a:rPr lang="en-US" noProof="0" dirty="0"/>
-                        <a:t>Planned hours: 120</a:t>
+                        <a:t>Planned hours: 56</a:t>
                       </a:r>
                     </a:p>
                     <a:p>
@@ -6030,7 +6389,7 @@
           <a:lstStyle/>
           <a:p>
             <a:r>
-              <a:rPr lang="en-US" sz="3200" cap="none">
+              <a:rPr lang="en-US" sz="3200" cap="none" dirty="0">
                 <a:solidFill>
                   <a:schemeClr val="tx1"/>
                 </a:solidFill>
@@ -6055,14 +6414,14 @@
           <p:nvPr>
             <p:extLst>
               <p:ext uri="{D42A27DB-BD31-4B8C-83A1-F6EECF244321}">
-                <p14:modId xmlns:p14="http://schemas.microsoft.com/office/powerpoint/2010/main" val="3204659790"/>
+                <p14:modId xmlns:p14="http://schemas.microsoft.com/office/powerpoint/2010/main" val="3735452321"/>
               </p:ext>
             </p:extLst>
           </p:nvPr>
         </p:nvGraphicFramePr>
         <p:xfrm>
-          <a:off x="448800" y="1891728"/>
-          <a:ext cx="9008401" cy="4450065"/>
+          <a:off x="448799" y="1570264"/>
+          <a:ext cx="9008401" cy="4754880"/>
         </p:xfrm>
         <a:graphic>
           <a:graphicData uri="http://schemas.openxmlformats.org/drawingml/2006/table">
@@ -6121,7 +6480,7 @@
                   </a:extLst>
                 </a:gridCol>
               </a:tblGrid>
-              <a:tr h="370840">
+              <a:tr h="336847">
                 <a:tc>
                   <a:txBody>
                     <a:bodyPr/>
@@ -6484,7 +6843,7 @@
                   </a:ext>
                 </a:extLst>
               </a:tr>
-              <a:tr h="370840">
+              <a:tr h="336847">
                 <a:tc>
                   <a:txBody>
                     <a:bodyPr/>
@@ -6492,7 +6851,7 @@
                     <a:p>
                       <a:r>
                         <a:rPr lang="pt-PT" dirty="0"/>
-                        <a:t>US 201</a:t>
+                        <a:t>US 301</a:t>
                       </a:r>
                     </a:p>
                   </a:txBody>
@@ -6831,7 +7190,7 @@
                   </a:ext>
                 </a:extLst>
               </a:tr>
-              <a:tr h="370840">
+              <a:tr h="336847">
                 <a:tc>
                   <a:txBody>
                     <a:bodyPr/>
@@ -6839,7 +7198,7 @@
                     <a:p>
                       <a:r>
                         <a:rPr lang="pt-PT" dirty="0"/>
-                        <a:t>US 202</a:t>
+                        <a:t>US 302</a:t>
                       </a:r>
                     </a:p>
                   </a:txBody>
@@ -7178,7 +7537,7 @@
                   </a:ext>
                 </a:extLst>
               </a:tr>
-              <a:tr h="370839">
+              <a:tr h="336847">
                 <a:tc>
                   <a:txBody>
                     <a:bodyPr/>
@@ -7189,7 +7548,7 @@
                       </a:pPr>
                       <a:r>
                         <a:rPr lang="pt-PT" dirty="0"/>
-                        <a:t>US 203</a:t>
+                        <a:t>US 303</a:t>
                       </a:r>
                     </a:p>
                   </a:txBody>
@@ -7544,7 +7903,7 @@
                   </a:ext>
                 </a:extLst>
               </a:tr>
-              <a:tr h="370839">
+              <a:tr h="336847">
                 <a:tc>
                   <a:txBody>
                     <a:bodyPr/>
@@ -7555,7 +7914,7 @@
                       </a:pPr>
                       <a:r>
                         <a:rPr lang="pt-PT" dirty="0"/>
-                        <a:t>US 204</a:t>
+                        <a:t>US 304</a:t>
                       </a:r>
                     </a:p>
                   </a:txBody>
@@ -7910,7 +8269,7 @@
                   </a:ext>
                 </a:extLst>
               </a:tr>
-              <a:tr h="370839">
+              <a:tr h="336847">
                 <a:tc>
                   <a:txBody>
                     <a:bodyPr/>
@@ -7921,7 +8280,7 @@
                       </a:pPr>
                       <a:r>
                         <a:rPr lang="pt-PT" dirty="0"/>
-                        <a:t>US 205</a:t>
+                        <a:t>US 305</a:t>
                       </a:r>
                     </a:p>
                   </a:txBody>
@@ -8276,7 +8635,7 @@
                   </a:ext>
                 </a:extLst>
               </a:tr>
-              <a:tr h="370838">
+              <a:tr h="336847">
                 <a:tc>
                   <a:txBody>
                     <a:bodyPr/>
@@ -8287,7 +8646,7 @@
                       </a:pPr>
                       <a:r>
                         <a:rPr lang="pt-PT" dirty="0"/>
-                        <a:t>US 206</a:t>
+                        <a:t>US 306</a:t>
                       </a:r>
                     </a:p>
                   </a:txBody>
@@ -8642,7 +9001,7 @@
                   </a:ext>
                 </a:extLst>
               </a:tr>
-              <a:tr h="370838">
+              <a:tr h="336847">
                 <a:tc>
                   <a:txBody>
                     <a:bodyPr/>
@@ -8653,7 +9012,7 @@
                       </a:pPr>
                       <a:r>
                         <a:rPr lang="pt-PT" dirty="0"/>
-                        <a:t>US 207</a:t>
+                        <a:t>US 307</a:t>
                       </a:r>
                     </a:p>
                   </a:txBody>
@@ -9008,7 +9367,7 @@
                   </a:ext>
                 </a:extLst>
               </a:tr>
-              <a:tr h="370838">
+              <a:tr h="336847">
                 <a:tc>
                   <a:txBody>
                     <a:bodyPr/>
@@ -9019,7 +9378,7 @@
                       </a:pPr>
                       <a:r>
                         <a:rPr lang="pt-PT" dirty="0"/>
-                        <a:t>US 208</a:t>
+                        <a:t>US 308</a:t>
                       </a:r>
                     </a:p>
                   </a:txBody>
@@ -9374,7 +9733,7 @@
                   </a:ext>
                 </a:extLst>
               </a:tr>
-              <a:tr h="370838">
+              <a:tr h="336847">
                 <a:tc>
                   <a:txBody>
                     <a:bodyPr/>
@@ -9385,7 +9744,7 @@
                       </a:pPr>
                       <a:r>
                         <a:rPr lang="pt-PT" dirty="0"/>
-                        <a:t>US 209</a:t>
+                        <a:t>US 309</a:t>
                       </a:r>
                     </a:p>
                   </a:txBody>
@@ -9740,7 +10099,7 @@
                   </a:ext>
                 </a:extLst>
               </a:tr>
-              <a:tr h="370838">
+              <a:tr h="336847">
                 <a:tc>
                   <a:txBody>
                     <a:bodyPr/>
@@ -9751,7 +10110,7 @@
                       </a:pPr>
                       <a:r>
                         <a:rPr lang="pt-PT" dirty="0"/>
-                        <a:t>US 210</a:t>
+                        <a:t>US 310</a:t>
                       </a:r>
                     </a:p>
                   </a:txBody>
@@ -9804,7 +10163,7 @@
                       </a:pPr>
                       <a:r>
                         <a:rPr lang="pt-PT" dirty="0"/>
-                        <a:t>NO</a:t>
+                        <a:t>YES</a:t>
                       </a:r>
                     </a:p>
                   </a:txBody>
@@ -10055,10 +10414,7 @@
                       <a:pPr lvl="0" algn="ctr">
                         <a:buNone/>
                       </a:pPr>
-                      <a:r>
-                        <a:rPr lang="pt-PT" dirty="0"/>
-                        <a:t>X</a:t>
-                      </a:r>
+                      <a:endParaRPr lang="pt-PT" dirty="0"/>
                     </a:p>
                   </a:txBody>
                   <a:tcPr>
@@ -10106,7 +10462,7 @@
                   </a:ext>
                 </a:extLst>
               </a:tr>
-              <a:tr h="370838">
+              <a:tr h="336847">
                 <a:tc>
                   <a:txBody>
                     <a:bodyPr/>
@@ -10115,7 +10471,10 @@
                       <a:pPr lvl="0">
                         <a:buNone/>
                       </a:pPr>
-                      <a:endParaRPr lang="pt-PT" dirty="0"/>
+                      <a:r>
+                        <a:rPr lang="pt-PT" dirty="0"/>
+                        <a:t>US 311</a:t>
+                      </a:r>
                     </a:p>
                   </a:txBody>
                   <a:tcPr>
@@ -10165,7 +10524,10 @@
                       <a:pPr lvl="0" algn="ctr">
                         <a:buNone/>
                       </a:pPr>
-                      <a:endParaRPr lang="pt-PT" dirty="0"/>
+                      <a:r>
+                        <a:rPr lang="pt-PT" dirty="0"/>
+                        <a:t>NO</a:t>
+                      </a:r>
                     </a:p>
                   </a:txBody>
                   <a:tcPr>
@@ -10460,6 +10822,366 @@
                 <a:extLst>
                   <a:ext uri="{0D108BD9-81ED-4DB2-BD59-A6C34878D82A}">
                     <a16:rowId xmlns:a16="http://schemas.microsoft.com/office/drawing/2014/main" val="429282771"/>
+                  </a:ext>
+                </a:extLst>
+              </a:tr>
+              <a:tr h="336847">
+                <a:tc>
+                  <a:txBody>
+                    <a:bodyPr/>
+                    <a:lstStyle/>
+                    <a:p>
+                      <a:pPr lvl="0">
+                        <a:buNone/>
+                      </a:pPr>
+                      <a:r>
+                        <a:rPr lang="pt-PT" dirty="0"/>
+                        <a:t>US312</a:t>
+                      </a:r>
+                    </a:p>
+                  </a:txBody>
+                  <a:tcPr>
+                    <a:lnL w="12700" cap="flat" cmpd="sng" algn="ctr">
+                      <a:solidFill>
+                        <a:schemeClr val="tx1"/>
+                      </a:solidFill>
+                      <a:prstDash val="solid"/>
+                      <a:round/>
+                      <a:headEnd type="none" w="med" len="med"/>
+                      <a:tailEnd type="none" w="med" len="med"/>
+                    </a:lnL>
+                    <a:lnR w="12700" cap="flat" cmpd="sng" algn="ctr">
+                      <a:solidFill>
+                        <a:schemeClr val="tx1"/>
+                      </a:solidFill>
+                      <a:prstDash val="solid"/>
+                      <a:round/>
+                      <a:headEnd type="none" w="med" len="med"/>
+                      <a:tailEnd type="none" w="med" len="med"/>
+                    </a:lnR>
+                    <a:lnT w="12700" cap="flat" cmpd="sng" algn="ctr">
+                      <a:solidFill>
+                        <a:schemeClr val="tx1"/>
+                      </a:solidFill>
+                      <a:prstDash val="solid"/>
+                      <a:round/>
+                      <a:headEnd type="none" w="med" len="med"/>
+                      <a:tailEnd type="none" w="med" len="med"/>
+                    </a:lnT>
+                    <a:lnB w="12700" cap="flat" cmpd="sng" algn="ctr">
+                      <a:solidFill>
+                        <a:schemeClr val="tx1"/>
+                      </a:solidFill>
+                      <a:prstDash val="solid"/>
+                      <a:round/>
+                      <a:headEnd type="none" w="med" len="med"/>
+                      <a:tailEnd type="none" w="med" len="med"/>
+                    </a:lnB>
+                  </a:tcPr>
+                </a:tc>
+                <a:tc>
+                  <a:txBody>
+                    <a:bodyPr/>
+                    <a:lstStyle/>
+                    <a:p>
+                      <a:pPr lvl="0" algn="ctr">
+                        <a:buNone/>
+                      </a:pPr>
+                      <a:endParaRPr lang="pt-PT" dirty="0"/>
+                    </a:p>
+                  </a:txBody>
+                  <a:tcPr>
+                    <a:lnL w="12700" cap="flat" cmpd="sng" algn="ctr">
+                      <a:solidFill>
+                        <a:schemeClr val="tx1"/>
+                      </a:solidFill>
+                      <a:prstDash val="solid"/>
+                      <a:round/>
+                      <a:headEnd type="none" w="med" len="med"/>
+                      <a:tailEnd type="none" w="med" len="med"/>
+                    </a:lnL>
+                    <a:lnR w="12700" cap="flat" cmpd="sng" algn="ctr">
+                      <a:solidFill>
+                        <a:schemeClr val="tx1"/>
+                      </a:solidFill>
+                      <a:prstDash val="solid"/>
+                      <a:round/>
+                      <a:headEnd type="none" w="med" len="med"/>
+                      <a:tailEnd type="none" w="med" len="med"/>
+                    </a:lnR>
+                    <a:lnT w="12700" cap="flat" cmpd="sng" algn="ctr">
+                      <a:solidFill>
+                        <a:schemeClr val="tx1"/>
+                      </a:solidFill>
+                      <a:prstDash val="solid"/>
+                      <a:round/>
+                      <a:headEnd type="none" w="med" len="med"/>
+                      <a:tailEnd type="none" w="med" len="med"/>
+                    </a:lnT>
+                    <a:lnB w="12700" cap="flat" cmpd="sng" algn="ctr">
+                      <a:solidFill>
+                        <a:schemeClr val="tx1"/>
+                      </a:solidFill>
+                      <a:prstDash val="solid"/>
+                      <a:round/>
+                      <a:headEnd type="none" w="med" len="med"/>
+                      <a:tailEnd type="none" w="med" len="med"/>
+                    </a:lnB>
+                  </a:tcPr>
+                </a:tc>
+                <a:tc>
+                  <a:txBody>
+                    <a:bodyPr/>
+                    <a:lstStyle/>
+                    <a:p>
+                      <a:pPr lvl="0" algn="ctr">
+                        <a:buNone/>
+                      </a:pPr>
+                      <a:endParaRPr lang="pt-PT" dirty="0"/>
+                    </a:p>
+                  </a:txBody>
+                  <a:tcPr>
+                    <a:lnL w="12700" cap="flat" cmpd="sng" algn="ctr">
+                      <a:solidFill>
+                        <a:schemeClr val="tx1"/>
+                      </a:solidFill>
+                      <a:prstDash val="solid"/>
+                      <a:round/>
+                      <a:headEnd type="none" w="med" len="med"/>
+                      <a:tailEnd type="none" w="med" len="med"/>
+                    </a:lnL>
+                    <a:lnR w="12700" cap="flat" cmpd="sng" algn="ctr">
+                      <a:solidFill>
+                        <a:schemeClr val="tx1"/>
+                      </a:solidFill>
+                      <a:prstDash val="solid"/>
+                      <a:round/>
+                      <a:headEnd type="none" w="med" len="med"/>
+                      <a:tailEnd type="none" w="med" len="med"/>
+                    </a:lnR>
+                    <a:lnT w="12700" cap="flat" cmpd="sng" algn="ctr">
+                      <a:solidFill>
+                        <a:schemeClr val="tx1"/>
+                      </a:solidFill>
+                      <a:prstDash val="solid"/>
+                      <a:round/>
+                      <a:headEnd type="none" w="med" len="med"/>
+                      <a:tailEnd type="none" w="med" len="med"/>
+                    </a:lnT>
+                    <a:lnB w="12700" cap="flat" cmpd="sng" algn="ctr">
+                      <a:solidFill>
+                        <a:schemeClr val="tx1"/>
+                      </a:solidFill>
+                      <a:prstDash val="solid"/>
+                      <a:round/>
+                      <a:headEnd type="none" w="med" len="med"/>
+                      <a:tailEnd type="none" w="med" len="med"/>
+                    </a:lnB>
+                  </a:tcPr>
+                </a:tc>
+                <a:tc>
+                  <a:txBody>
+                    <a:bodyPr/>
+                    <a:lstStyle/>
+                    <a:p>
+                      <a:pPr lvl="0" algn="ctr">
+                        <a:buNone/>
+                      </a:pPr>
+                      <a:endParaRPr lang="pt-PT" dirty="0"/>
+                    </a:p>
+                  </a:txBody>
+                  <a:tcPr>
+                    <a:lnL w="12700" cap="flat" cmpd="sng" algn="ctr">
+                      <a:solidFill>
+                        <a:schemeClr val="tx1"/>
+                      </a:solidFill>
+                      <a:prstDash val="solid"/>
+                      <a:round/>
+                      <a:headEnd type="none" w="med" len="med"/>
+                      <a:tailEnd type="none" w="med" len="med"/>
+                    </a:lnL>
+                    <a:lnR w="12700" cap="flat" cmpd="sng" algn="ctr">
+                      <a:solidFill>
+                        <a:schemeClr val="tx1"/>
+                      </a:solidFill>
+                      <a:prstDash val="solid"/>
+                      <a:round/>
+                      <a:headEnd type="none" w="med" len="med"/>
+                      <a:tailEnd type="none" w="med" len="med"/>
+                    </a:lnR>
+                    <a:lnT w="12700" cap="flat" cmpd="sng" algn="ctr">
+                      <a:solidFill>
+                        <a:schemeClr val="tx1"/>
+                      </a:solidFill>
+                      <a:prstDash val="solid"/>
+                      <a:round/>
+                      <a:headEnd type="none" w="med" len="med"/>
+                      <a:tailEnd type="none" w="med" len="med"/>
+                    </a:lnT>
+                    <a:lnB w="12700" cap="flat" cmpd="sng" algn="ctr">
+                      <a:solidFill>
+                        <a:schemeClr val="tx1"/>
+                      </a:solidFill>
+                      <a:prstDash val="solid"/>
+                      <a:round/>
+                      <a:headEnd type="none" w="med" len="med"/>
+                      <a:tailEnd type="none" w="med" len="med"/>
+                    </a:lnB>
+                  </a:tcPr>
+                </a:tc>
+                <a:tc>
+                  <a:txBody>
+                    <a:bodyPr/>
+                    <a:lstStyle/>
+                    <a:p>
+                      <a:pPr lvl="0" algn="ctr">
+                        <a:buNone/>
+                      </a:pPr>
+                      <a:endParaRPr lang="pt-PT" dirty="0"/>
+                    </a:p>
+                  </a:txBody>
+                  <a:tcPr>
+                    <a:lnL w="12700" cap="flat" cmpd="sng" algn="ctr">
+                      <a:solidFill>
+                        <a:schemeClr val="tx1"/>
+                      </a:solidFill>
+                      <a:prstDash val="solid"/>
+                      <a:round/>
+                      <a:headEnd type="none" w="med" len="med"/>
+                      <a:tailEnd type="none" w="med" len="med"/>
+                    </a:lnL>
+                    <a:lnR w="12700" cap="flat" cmpd="sng" algn="ctr">
+                      <a:solidFill>
+                        <a:schemeClr val="tx1"/>
+                      </a:solidFill>
+                      <a:prstDash val="solid"/>
+                      <a:round/>
+                      <a:headEnd type="none" w="med" len="med"/>
+                      <a:tailEnd type="none" w="med" len="med"/>
+                    </a:lnR>
+                    <a:lnT w="12700" cap="flat" cmpd="sng" algn="ctr">
+                      <a:solidFill>
+                        <a:schemeClr val="tx1"/>
+                      </a:solidFill>
+                      <a:prstDash val="solid"/>
+                      <a:round/>
+                      <a:headEnd type="none" w="med" len="med"/>
+                      <a:tailEnd type="none" w="med" len="med"/>
+                    </a:lnT>
+                    <a:lnB w="12700" cap="flat" cmpd="sng" algn="ctr">
+                      <a:solidFill>
+                        <a:schemeClr val="tx1"/>
+                      </a:solidFill>
+                      <a:prstDash val="solid"/>
+                      <a:round/>
+                      <a:headEnd type="none" w="med" len="med"/>
+                      <a:tailEnd type="none" w="med" len="med"/>
+                    </a:lnB>
+                  </a:tcPr>
+                </a:tc>
+                <a:tc>
+                  <a:txBody>
+                    <a:bodyPr/>
+                    <a:lstStyle/>
+                    <a:p>
+                      <a:pPr lvl="0" algn="ctr">
+                        <a:buNone/>
+                      </a:pPr>
+                      <a:endParaRPr lang="pt-PT" dirty="0"/>
+                    </a:p>
+                  </a:txBody>
+                  <a:tcPr>
+                    <a:lnL w="12700" cap="flat" cmpd="sng" algn="ctr">
+                      <a:solidFill>
+                        <a:schemeClr val="tx1"/>
+                      </a:solidFill>
+                      <a:prstDash val="solid"/>
+                      <a:round/>
+                      <a:headEnd type="none" w="med" len="med"/>
+                      <a:tailEnd type="none" w="med" len="med"/>
+                    </a:lnL>
+                    <a:lnR w="12700" cap="flat" cmpd="sng" algn="ctr">
+                      <a:solidFill>
+                        <a:schemeClr val="tx1"/>
+                      </a:solidFill>
+                      <a:prstDash val="solid"/>
+                      <a:round/>
+                      <a:headEnd type="none" w="med" len="med"/>
+                      <a:tailEnd type="none" w="med" len="med"/>
+                    </a:lnR>
+                    <a:lnT w="12700" cap="flat" cmpd="sng" algn="ctr">
+                      <a:solidFill>
+                        <a:schemeClr val="tx1"/>
+                      </a:solidFill>
+                      <a:prstDash val="solid"/>
+                      <a:round/>
+                      <a:headEnd type="none" w="med" len="med"/>
+                      <a:tailEnd type="none" w="med" len="med"/>
+                    </a:lnT>
+                    <a:lnB w="12700" cap="flat" cmpd="sng" algn="ctr">
+                      <a:solidFill>
+                        <a:schemeClr val="tx1"/>
+                      </a:solidFill>
+                      <a:prstDash val="solid"/>
+                      <a:round/>
+                      <a:headEnd type="none" w="med" len="med"/>
+                      <a:tailEnd type="none" w="med" len="med"/>
+                    </a:lnB>
+                  </a:tcPr>
+                </a:tc>
+                <a:tc>
+                  <a:txBody>
+                    <a:bodyPr/>
+                    <a:lstStyle/>
+                    <a:p>
+                      <a:pPr lvl="0" algn="ctr">
+                        <a:buNone/>
+                      </a:pPr>
+                      <a:endParaRPr lang="pt-PT" dirty="0"/>
+                    </a:p>
+                  </a:txBody>
+                  <a:tcPr>
+                    <a:lnL w="12700" cap="flat" cmpd="sng" algn="ctr">
+                      <a:solidFill>
+                        <a:schemeClr val="tx1"/>
+                      </a:solidFill>
+                      <a:prstDash val="solid"/>
+                      <a:round/>
+                      <a:headEnd type="none" w="med" len="med"/>
+                      <a:tailEnd type="none" w="med" len="med"/>
+                    </a:lnL>
+                    <a:lnR w="12700" cap="flat" cmpd="sng" algn="ctr">
+                      <a:solidFill>
+                        <a:schemeClr val="tx1"/>
+                      </a:solidFill>
+                      <a:prstDash val="solid"/>
+                      <a:round/>
+                      <a:headEnd type="none" w="med" len="med"/>
+                      <a:tailEnd type="none" w="med" len="med"/>
+                    </a:lnR>
+                    <a:lnT w="12700" cap="flat" cmpd="sng" algn="ctr">
+                      <a:solidFill>
+                        <a:schemeClr val="tx1"/>
+                      </a:solidFill>
+                      <a:prstDash val="solid"/>
+                      <a:round/>
+                      <a:headEnd type="none" w="med" len="med"/>
+                      <a:tailEnd type="none" w="med" len="med"/>
+                    </a:lnT>
+                    <a:lnB w="12700" cap="flat" cmpd="sng" algn="ctr">
+                      <a:solidFill>
+                        <a:schemeClr val="tx1"/>
+                      </a:solidFill>
+                      <a:prstDash val="solid"/>
+                      <a:round/>
+                      <a:headEnd type="none" w="med" len="med"/>
+                      <a:tailEnd type="none" w="med" len="med"/>
+                    </a:lnB>
+                  </a:tcPr>
+                </a:tc>
+                <a:extLst>
+                  <a:ext uri="{0D108BD9-81ED-4DB2-BD59-A6C34878D82A}">
+                    <a16:rowId xmlns:a16="http://schemas.microsoft.com/office/drawing/2014/main" val="3269183248"/>
                   </a:ext>
                 </a:extLst>
               </a:tr>
@@ -10484,6 +11206,4845 @@
 </file>
 
 <file path=ppt/slides/slide4.xml><?xml version="1.0" encoding="utf-8"?>
+<p:sld xmlns:a="http://schemas.openxmlformats.org/drawingml/2006/main" xmlns:r="http://schemas.openxmlformats.org/officeDocument/2006/relationships" xmlns:p="http://schemas.openxmlformats.org/presentationml/2006/main">
+  <p:cSld>
+    <p:spTree>
+      <p:nvGrpSpPr>
+        <p:cNvPr id="1" name=""/>
+        <p:cNvGrpSpPr/>
+        <p:nvPr/>
+      </p:nvGrpSpPr>
+      <p:grpSpPr>
+        <a:xfrm>
+          <a:off x="0" y="0"/>
+          <a:ext cx="0" cy="0"/>
+          <a:chOff x="0" y="0"/>
+          <a:chExt cx="0" cy="0"/>
+        </a:xfrm>
+      </p:grpSpPr>
+      <p:sp>
+        <p:nvSpPr>
+          <p:cNvPr id="5" name="Título 4">
+            <a:extLst>
+              <a:ext uri="{FF2B5EF4-FFF2-40B4-BE49-F238E27FC236}">
+                <a16:creationId xmlns:a16="http://schemas.microsoft.com/office/drawing/2014/main" id="{E87CCFBD-63B6-4340-92B3-5E03879F60E8}"/>
+              </a:ext>
+            </a:extLst>
+          </p:cNvPr>
+          <p:cNvSpPr>
+            <a:spLocks noGrp="1"/>
+          </p:cNvSpPr>
+          <p:nvPr>
+            <p:ph type="title"/>
+          </p:nvPr>
+        </p:nvSpPr>
+        <p:spPr>
+          <a:xfrm>
+            <a:off x="414000" y="1000108"/>
+            <a:ext cx="9219520" cy="571504"/>
+          </a:xfrm>
+        </p:spPr>
+        <p:txBody>
+          <a:bodyPr/>
+          <a:lstStyle/>
+          <a:p>
+            <a:r>
+              <a:rPr lang="en-US" sz="3200" cap="none" dirty="0">
+                <a:solidFill>
+                  <a:schemeClr val="tx1"/>
+                </a:solidFill>
+              </a:rPr>
+              <a:t>Sprint planning</a:t>
+            </a:r>
+          </a:p>
+        </p:txBody>
+      </p:sp>
+      <p:graphicFrame>
+        <p:nvGraphicFramePr>
+          <p:cNvPr id="2" name="Tabela 2">
+            <a:extLst>
+              <a:ext uri="{FF2B5EF4-FFF2-40B4-BE49-F238E27FC236}">
+                <a16:creationId xmlns:a16="http://schemas.microsoft.com/office/drawing/2014/main" id="{CE9589D4-96FD-42EC-88BF-AABA0DB75B49}"/>
+              </a:ext>
+            </a:extLst>
+          </p:cNvPr>
+          <p:cNvGraphicFramePr>
+            <a:graphicFrameLocks noGrp="1"/>
+          </p:cNvGraphicFramePr>
+          <p:nvPr>
+            <p:extLst>
+              <p:ext uri="{D42A27DB-BD31-4B8C-83A1-F6EECF244321}">
+                <p14:modId xmlns:p14="http://schemas.microsoft.com/office/powerpoint/2010/main" val="4103367126"/>
+              </p:ext>
+            </p:extLst>
+          </p:nvPr>
+        </p:nvGraphicFramePr>
+        <p:xfrm>
+          <a:off x="448799" y="1570264"/>
+          <a:ext cx="9008401" cy="4754880"/>
+        </p:xfrm>
+        <a:graphic>
+          <a:graphicData uri="http://schemas.openxmlformats.org/drawingml/2006/table">
+            <a:tbl>
+              <a:tblPr firstRow="1" bandRow="1">
+                <a:tableStyleId>{912C8C85-51F0-491E-9774-3900AFEF0FD7}</a:tableStyleId>
+              </a:tblPr>
+              <a:tblGrid>
+                <a:gridCol w="1715886">
+                  <a:extLst>
+                    <a:ext uri="{9D8B030D-6E8A-4147-A177-3AD203B41FA5}">
+                      <a16:colId xmlns:a16="http://schemas.microsoft.com/office/drawing/2014/main" val="3798560086"/>
+                    </a:ext>
+                  </a:extLst>
+                </a:gridCol>
+                <a:gridCol w="1382241">
+                  <a:extLst>
+                    <a:ext uri="{9D8B030D-6E8A-4147-A177-3AD203B41FA5}">
+                      <a16:colId xmlns:a16="http://schemas.microsoft.com/office/drawing/2014/main" val="477562216"/>
+                    </a:ext>
+                  </a:extLst>
+                </a:gridCol>
+                <a:gridCol w="792931">
+                  <a:extLst>
+                    <a:ext uri="{9D8B030D-6E8A-4147-A177-3AD203B41FA5}">
+                      <a16:colId xmlns:a16="http://schemas.microsoft.com/office/drawing/2014/main" val="1777303491"/>
+                    </a:ext>
+                  </a:extLst>
+                </a:gridCol>
+                <a:gridCol w="1194399">
+                  <a:extLst>
+                    <a:ext uri="{9D8B030D-6E8A-4147-A177-3AD203B41FA5}">
+                      <a16:colId xmlns:a16="http://schemas.microsoft.com/office/drawing/2014/main" val="2634392098"/>
+                    </a:ext>
+                  </a:extLst>
+                </a:gridCol>
+                <a:gridCol w="1405178">
+                  <a:extLst>
+                    <a:ext uri="{9D8B030D-6E8A-4147-A177-3AD203B41FA5}">
+                      <a16:colId xmlns:a16="http://schemas.microsoft.com/office/drawing/2014/main" val="4052991344"/>
+                    </a:ext>
+                  </a:extLst>
+                </a:gridCol>
+                <a:gridCol w="1258883">
+                  <a:extLst>
+                    <a:ext uri="{9D8B030D-6E8A-4147-A177-3AD203B41FA5}">
+                      <a16:colId xmlns:a16="http://schemas.microsoft.com/office/drawing/2014/main" val="3578044204"/>
+                    </a:ext>
+                  </a:extLst>
+                </a:gridCol>
+                <a:gridCol w="1258883">
+                  <a:extLst>
+                    <a:ext uri="{9D8B030D-6E8A-4147-A177-3AD203B41FA5}">
+                      <a16:colId xmlns:a16="http://schemas.microsoft.com/office/drawing/2014/main" val="3147570245"/>
+                    </a:ext>
+                  </a:extLst>
+                </a:gridCol>
+              </a:tblGrid>
+              <a:tr h="336847">
+                <a:tc>
+                  <a:txBody>
+                    <a:bodyPr/>
+                    <a:lstStyle/>
+                    <a:p>
+                      <a:r>
+                        <a:rPr lang="en-US" noProof="0" dirty="0"/>
+                        <a:t>Assignment US</a:t>
+                      </a:r>
+                    </a:p>
+                  </a:txBody>
+                  <a:tcPr>
+                    <a:lnL w="12700" cap="flat" cmpd="sng" algn="ctr">
+                      <a:solidFill>
+                        <a:schemeClr val="tx1"/>
+                      </a:solidFill>
+                      <a:prstDash val="solid"/>
+                      <a:round/>
+                      <a:headEnd type="none" w="med" len="med"/>
+                      <a:tailEnd type="none" w="med" len="med"/>
+                    </a:lnL>
+                    <a:lnR w="12700" cap="flat" cmpd="sng" algn="ctr">
+                      <a:solidFill>
+                        <a:schemeClr val="tx1"/>
+                      </a:solidFill>
+                      <a:prstDash val="solid"/>
+                      <a:round/>
+                      <a:headEnd type="none" w="med" len="med"/>
+                      <a:tailEnd type="none" w="med" len="med"/>
+                    </a:lnR>
+                    <a:lnT w="12700" cap="flat" cmpd="sng" algn="ctr">
+                      <a:solidFill>
+                        <a:schemeClr val="tx1"/>
+                      </a:solidFill>
+                      <a:prstDash val="solid"/>
+                      <a:round/>
+                      <a:headEnd type="none" w="med" len="med"/>
+                      <a:tailEnd type="none" w="med" len="med"/>
+                    </a:lnT>
+                    <a:lnB w="12700" cap="flat" cmpd="sng" algn="ctr">
+                      <a:solidFill>
+                        <a:schemeClr val="tx1"/>
+                      </a:solidFill>
+                      <a:prstDash val="solid"/>
+                      <a:round/>
+                      <a:headEnd type="none" w="med" len="med"/>
+                      <a:tailEnd type="none" w="med" len="med"/>
+                    </a:lnB>
+                  </a:tcPr>
+                </a:tc>
+                <a:tc>
+                  <a:txBody>
+                    <a:bodyPr/>
+                    <a:lstStyle/>
+                    <a:p>
+                      <a:pPr algn="ctr"/>
+                      <a:r>
+                        <a:rPr lang="en-US" noProof="0"/>
+                        <a:t>Commited?</a:t>
+                      </a:r>
+                    </a:p>
+                  </a:txBody>
+                  <a:tcPr>
+                    <a:lnL w="12700" cap="flat" cmpd="sng" algn="ctr">
+                      <a:solidFill>
+                        <a:schemeClr val="tx1"/>
+                      </a:solidFill>
+                      <a:prstDash val="solid"/>
+                      <a:round/>
+                      <a:headEnd type="none" w="med" len="med"/>
+                      <a:tailEnd type="none" w="med" len="med"/>
+                    </a:lnL>
+                    <a:lnR w="12700" cap="flat" cmpd="sng" algn="ctr">
+                      <a:solidFill>
+                        <a:schemeClr val="tx1"/>
+                      </a:solidFill>
+                      <a:prstDash val="solid"/>
+                      <a:round/>
+                      <a:headEnd type="none" w="med" len="med"/>
+                      <a:tailEnd type="none" w="med" len="med"/>
+                    </a:lnR>
+                    <a:lnT w="12700" cap="flat" cmpd="sng" algn="ctr">
+                      <a:solidFill>
+                        <a:schemeClr val="tx1"/>
+                      </a:solidFill>
+                      <a:prstDash val="solid"/>
+                      <a:round/>
+                      <a:headEnd type="none" w="med" len="med"/>
+                      <a:tailEnd type="none" w="med" len="med"/>
+                    </a:lnT>
+                    <a:lnB w="12700" cap="flat" cmpd="sng" algn="ctr">
+                      <a:solidFill>
+                        <a:schemeClr val="tx1"/>
+                      </a:solidFill>
+                      <a:prstDash val="solid"/>
+                      <a:round/>
+                      <a:headEnd type="none" w="med" len="med"/>
+                      <a:tailEnd type="none" w="med" len="med"/>
+                    </a:lnB>
+                  </a:tcPr>
+                </a:tc>
+                <a:tc>
+                  <a:txBody>
+                    <a:bodyPr/>
+                    <a:lstStyle/>
+                    <a:p>
+                      <a:pPr algn="ctr"/>
+                      <a:r>
+                        <a:rPr lang="en-US" noProof="0"/>
+                        <a:t>Todo</a:t>
+                      </a:r>
+                    </a:p>
+                  </a:txBody>
+                  <a:tcPr>
+                    <a:lnL w="12700" cap="flat" cmpd="sng" algn="ctr">
+                      <a:solidFill>
+                        <a:schemeClr val="tx1"/>
+                      </a:solidFill>
+                      <a:prstDash val="solid"/>
+                      <a:round/>
+                      <a:headEnd type="none" w="med" len="med"/>
+                      <a:tailEnd type="none" w="med" len="med"/>
+                    </a:lnL>
+                    <a:lnR w="12700" cap="flat" cmpd="sng" algn="ctr">
+                      <a:solidFill>
+                        <a:schemeClr val="tx1"/>
+                      </a:solidFill>
+                      <a:prstDash val="solid"/>
+                      <a:round/>
+                      <a:headEnd type="none" w="med" len="med"/>
+                      <a:tailEnd type="none" w="med" len="med"/>
+                    </a:lnR>
+                    <a:lnT w="12700" cap="flat" cmpd="sng" algn="ctr">
+                      <a:solidFill>
+                        <a:schemeClr val="tx1"/>
+                      </a:solidFill>
+                      <a:prstDash val="solid"/>
+                      <a:round/>
+                      <a:headEnd type="none" w="med" len="med"/>
+                      <a:tailEnd type="none" w="med" len="med"/>
+                    </a:lnT>
+                    <a:lnB w="12700" cap="flat" cmpd="sng" algn="ctr">
+                      <a:solidFill>
+                        <a:schemeClr val="tx1"/>
+                      </a:solidFill>
+                      <a:prstDash val="solid"/>
+                      <a:round/>
+                      <a:headEnd type="none" w="med" len="med"/>
+                      <a:tailEnd type="none" w="med" len="med"/>
+                    </a:lnB>
+                  </a:tcPr>
+                </a:tc>
+                <a:tc>
+                  <a:txBody>
+                    <a:bodyPr/>
+                    <a:lstStyle/>
+                    <a:p>
+                      <a:pPr algn="ctr"/>
+                      <a:r>
+                        <a:rPr lang="en-US" noProof="0"/>
+                        <a:t>Doing</a:t>
+                      </a:r>
+                    </a:p>
+                  </a:txBody>
+                  <a:tcPr>
+                    <a:lnL w="12700" cap="flat" cmpd="sng" algn="ctr">
+                      <a:solidFill>
+                        <a:schemeClr val="tx1"/>
+                      </a:solidFill>
+                      <a:prstDash val="solid"/>
+                      <a:round/>
+                      <a:headEnd type="none" w="med" len="med"/>
+                      <a:tailEnd type="none" w="med" len="med"/>
+                    </a:lnL>
+                    <a:lnR w="12700" cap="flat" cmpd="sng" algn="ctr">
+                      <a:solidFill>
+                        <a:schemeClr val="tx1"/>
+                      </a:solidFill>
+                      <a:prstDash val="solid"/>
+                      <a:round/>
+                      <a:headEnd type="none" w="med" len="med"/>
+                      <a:tailEnd type="none" w="med" len="med"/>
+                    </a:lnR>
+                    <a:lnT w="12700" cap="flat" cmpd="sng" algn="ctr">
+                      <a:solidFill>
+                        <a:schemeClr val="tx1"/>
+                      </a:solidFill>
+                      <a:prstDash val="solid"/>
+                      <a:round/>
+                      <a:headEnd type="none" w="med" len="med"/>
+                      <a:tailEnd type="none" w="med" len="med"/>
+                    </a:lnT>
+                    <a:lnB w="12700" cap="flat" cmpd="sng" algn="ctr">
+                      <a:solidFill>
+                        <a:schemeClr val="tx1"/>
+                      </a:solidFill>
+                      <a:prstDash val="solid"/>
+                      <a:round/>
+                      <a:headEnd type="none" w="med" len="med"/>
+                      <a:tailEnd type="none" w="med" len="med"/>
+                    </a:lnB>
+                  </a:tcPr>
+                </a:tc>
+                <a:tc>
+                  <a:txBody>
+                    <a:bodyPr/>
+                    <a:lstStyle/>
+                    <a:p>
+                      <a:pPr algn="ctr"/>
+                      <a:r>
+                        <a:rPr lang="en-US" noProof="0"/>
+                        <a:t>Testing</a:t>
+                      </a:r>
+                    </a:p>
+                  </a:txBody>
+                  <a:tcPr>
+                    <a:lnL w="12700" cap="flat" cmpd="sng" algn="ctr">
+                      <a:solidFill>
+                        <a:schemeClr val="tx1"/>
+                      </a:solidFill>
+                      <a:prstDash val="solid"/>
+                      <a:round/>
+                      <a:headEnd type="none" w="med" len="med"/>
+                      <a:tailEnd type="none" w="med" len="med"/>
+                    </a:lnL>
+                    <a:lnR w="12700" cap="flat" cmpd="sng" algn="ctr">
+                      <a:solidFill>
+                        <a:schemeClr val="tx1"/>
+                      </a:solidFill>
+                      <a:prstDash val="solid"/>
+                      <a:round/>
+                      <a:headEnd type="none" w="med" len="med"/>
+                      <a:tailEnd type="none" w="med" len="med"/>
+                    </a:lnR>
+                    <a:lnT w="12700" cap="flat" cmpd="sng" algn="ctr">
+                      <a:solidFill>
+                        <a:schemeClr val="tx1"/>
+                      </a:solidFill>
+                      <a:prstDash val="solid"/>
+                      <a:round/>
+                      <a:headEnd type="none" w="med" len="med"/>
+                      <a:tailEnd type="none" w="med" len="med"/>
+                    </a:lnT>
+                    <a:lnB w="12700" cap="flat" cmpd="sng" algn="ctr">
+                      <a:solidFill>
+                        <a:schemeClr val="tx1"/>
+                      </a:solidFill>
+                      <a:prstDash val="solid"/>
+                      <a:round/>
+                      <a:headEnd type="none" w="med" len="med"/>
+                      <a:tailEnd type="none" w="med" len="med"/>
+                    </a:lnB>
+                  </a:tcPr>
+                </a:tc>
+                <a:tc>
+                  <a:txBody>
+                    <a:bodyPr/>
+                    <a:lstStyle/>
+                    <a:p>
+                      <a:pPr algn="ctr"/>
+                      <a:r>
+                        <a:rPr lang="en-US" noProof="0"/>
+                        <a:t>Done</a:t>
+                      </a:r>
+                    </a:p>
+                  </a:txBody>
+                  <a:tcPr>
+                    <a:lnL w="12700" cap="flat" cmpd="sng" algn="ctr">
+                      <a:solidFill>
+                        <a:schemeClr val="tx1"/>
+                      </a:solidFill>
+                      <a:prstDash val="solid"/>
+                      <a:round/>
+                      <a:headEnd type="none" w="med" len="med"/>
+                      <a:tailEnd type="none" w="med" len="med"/>
+                    </a:lnL>
+                    <a:lnR w="12700" cap="flat" cmpd="sng" algn="ctr">
+                      <a:solidFill>
+                        <a:schemeClr val="tx1"/>
+                      </a:solidFill>
+                      <a:prstDash val="solid"/>
+                      <a:round/>
+                      <a:headEnd type="none" w="med" len="med"/>
+                      <a:tailEnd type="none" w="med" len="med"/>
+                    </a:lnR>
+                    <a:lnT w="12700" cap="flat" cmpd="sng" algn="ctr">
+                      <a:solidFill>
+                        <a:schemeClr val="tx1"/>
+                      </a:solidFill>
+                      <a:prstDash val="solid"/>
+                      <a:round/>
+                      <a:headEnd type="none" w="med" len="med"/>
+                      <a:tailEnd type="none" w="med" len="med"/>
+                    </a:lnT>
+                    <a:lnB w="12700" cap="flat" cmpd="sng" algn="ctr">
+                      <a:solidFill>
+                        <a:schemeClr val="tx1"/>
+                      </a:solidFill>
+                      <a:prstDash val="solid"/>
+                      <a:round/>
+                      <a:headEnd type="none" w="med" len="med"/>
+                      <a:tailEnd type="none" w="med" len="med"/>
+                    </a:lnB>
+                  </a:tcPr>
+                </a:tc>
+                <a:tc>
+                  <a:txBody>
+                    <a:bodyPr/>
+                    <a:lstStyle/>
+                    <a:p>
+                      <a:pPr algn="ctr"/>
+                      <a:r>
+                        <a:rPr lang="en-US" noProof="0" dirty="0"/>
+                        <a:t>Blocked</a:t>
+                      </a:r>
+                    </a:p>
+                  </a:txBody>
+                  <a:tcPr>
+                    <a:lnL w="12700" cap="flat" cmpd="sng" algn="ctr">
+                      <a:solidFill>
+                        <a:schemeClr val="tx1"/>
+                      </a:solidFill>
+                      <a:prstDash val="solid"/>
+                      <a:round/>
+                      <a:headEnd type="none" w="med" len="med"/>
+                      <a:tailEnd type="none" w="med" len="med"/>
+                    </a:lnL>
+                    <a:lnR w="12700" cap="flat" cmpd="sng" algn="ctr">
+                      <a:solidFill>
+                        <a:schemeClr val="tx1"/>
+                      </a:solidFill>
+                      <a:prstDash val="solid"/>
+                      <a:round/>
+                      <a:headEnd type="none" w="med" len="med"/>
+                      <a:tailEnd type="none" w="med" len="med"/>
+                    </a:lnR>
+                    <a:lnT w="12700" cap="flat" cmpd="sng" algn="ctr">
+                      <a:solidFill>
+                        <a:schemeClr val="tx1"/>
+                      </a:solidFill>
+                      <a:prstDash val="solid"/>
+                      <a:round/>
+                      <a:headEnd type="none" w="med" len="med"/>
+                      <a:tailEnd type="none" w="med" len="med"/>
+                    </a:lnT>
+                    <a:lnB w="12700" cap="flat" cmpd="sng" algn="ctr">
+                      <a:solidFill>
+                        <a:schemeClr val="tx1"/>
+                      </a:solidFill>
+                      <a:prstDash val="solid"/>
+                      <a:round/>
+                      <a:headEnd type="none" w="med" len="med"/>
+                      <a:tailEnd type="none" w="med" len="med"/>
+                    </a:lnB>
+                  </a:tcPr>
+                </a:tc>
+                <a:extLst>
+                  <a:ext uri="{0D108BD9-81ED-4DB2-BD59-A6C34878D82A}">
+                    <a16:rowId xmlns:a16="http://schemas.microsoft.com/office/drawing/2014/main" val="3623111211"/>
+                  </a:ext>
+                </a:extLst>
+              </a:tr>
+              <a:tr h="336847">
+                <a:tc>
+                  <a:txBody>
+                    <a:bodyPr/>
+                    <a:lstStyle/>
+                    <a:p>
+                      <a:r>
+                        <a:rPr lang="pt-PT" dirty="0"/>
+                        <a:t>US 313</a:t>
+                      </a:r>
+                    </a:p>
+                  </a:txBody>
+                  <a:tcPr>
+                    <a:lnL w="12700" cap="flat" cmpd="sng" algn="ctr">
+                      <a:solidFill>
+                        <a:schemeClr val="tx1"/>
+                      </a:solidFill>
+                      <a:prstDash val="solid"/>
+                      <a:round/>
+                      <a:headEnd type="none" w="med" len="med"/>
+                      <a:tailEnd type="none" w="med" len="med"/>
+                    </a:lnL>
+                    <a:lnR w="12700" cap="flat" cmpd="sng" algn="ctr">
+                      <a:solidFill>
+                        <a:schemeClr val="tx1"/>
+                      </a:solidFill>
+                      <a:prstDash val="solid"/>
+                      <a:round/>
+                      <a:headEnd type="none" w="med" len="med"/>
+                      <a:tailEnd type="none" w="med" len="med"/>
+                    </a:lnR>
+                    <a:lnT w="12700" cap="flat" cmpd="sng" algn="ctr">
+                      <a:solidFill>
+                        <a:schemeClr val="tx1"/>
+                      </a:solidFill>
+                      <a:prstDash val="solid"/>
+                      <a:round/>
+                      <a:headEnd type="none" w="med" len="med"/>
+                      <a:tailEnd type="none" w="med" len="med"/>
+                    </a:lnT>
+                    <a:lnB w="12700" cap="flat" cmpd="sng" algn="ctr">
+                      <a:solidFill>
+                        <a:schemeClr val="tx1"/>
+                      </a:solidFill>
+                      <a:prstDash val="solid"/>
+                      <a:round/>
+                      <a:headEnd type="none" w="med" len="med"/>
+                      <a:tailEnd type="none" w="med" len="med"/>
+                    </a:lnB>
+                  </a:tcPr>
+                </a:tc>
+                <a:tc>
+                  <a:txBody>
+                    <a:bodyPr/>
+                    <a:lstStyle/>
+                    <a:p>
+                      <a:pPr algn="ctr"/>
+                      <a:r>
+                        <a:rPr lang="pt-PT" dirty="0"/>
+                        <a:t>YES</a:t>
+                      </a:r>
+                    </a:p>
+                  </a:txBody>
+                  <a:tcPr>
+                    <a:lnL w="12700" cap="flat" cmpd="sng" algn="ctr">
+                      <a:solidFill>
+                        <a:schemeClr val="tx1"/>
+                      </a:solidFill>
+                      <a:prstDash val="solid"/>
+                      <a:round/>
+                      <a:headEnd type="none" w="med" len="med"/>
+                      <a:tailEnd type="none" w="med" len="med"/>
+                    </a:lnL>
+                    <a:lnR w="12700" cap="flat" cmpd="sng" algn="ctr">
+                      <a:solidFill>
+                        <a:schemeClr val="tx1"/>
+                      </a:solidFill>
+                      <a:prstDash val="solid"/>
+                      <a:round/>
+                      <a:headEnd type="none" w="med" len="med"/>
+                      <a:tailEnd type="none" w="med" len="med"/>
+                    </a:lnR>
+                    <a:lnT w="12700" cap="flat" cmpd="sng" algn="ctr">
+                      <a:solidFill>
+                        <a:schemeClr val="tx1"/>
+                      </a:solidFill>
+                      <a:prstDash val="solid"/>
+                      <a:round/>
+                      <a:headEnd type="none" w="med" len="med"/>
+                      <a:tailEnd type="none" w="med" len="med"/>
+                    </a:lnT>
+                    <a:lnB w="12700" cap="flat" cmpd="sng" algn="ctr">
+                      <a:solidFill>
+                        <a:schemeClr val="tx1"/>
+                      </a:solidFill>
+                      <a:prstDash val="solid"/>
+                      <a:round/>
+                      <a:headEnd type="none" w="med" len="med"/>
+                      <a:tailEnd type="none" w="med" len="med"/>
+                    </a:lnB>
+                  </a:tcPr>
+                </a:tc>
+                <a:tc>
+                  <a:txBody>
+                    <a:bodyPr/>
+                    <a:lstStyle/>
+                    <a:p>
+                      <a:endParaRPr lang="pt-PT" dirty="0"/>
+                    </a:p>
+                  </a:txBody>
+                  <a:tcPr>
+                    <a:lnL w="12700" cap="flat" cmpd="sng" algn="ctr">
+                      <a:solidFill>
+                        <a:schemeClr val="tx1"/>
+                      </a:solidFill>
+                      <a:prstDash val="solid"/>
+                      <a:round/>
+                      <a:headEnd type="none" w="med" len="med"/>
+                      <a:tailEnd type="none" w="med" len="med"/>
+                    </a:lnL>
+                    <a:lnR w="12700" cap="flat" cmpd="sng" algn="ctr">
+                      <a:solidFill>
+                        <a:schemeClr val="tx1"/>
+                      </a:solidFill>
+                      <a:prstDash val="solid"/>
+                      <a:round/>
+                      <a:headEnd type="none" w="med" len="med"/>
+                      <a:tailEnd type="none" w="med" len="med"/>
+                    </a:lnR>
+                    <a:lnT w="12700" cap="flat" cmpd="sng" algn="ctr">
+                      <a:solidFill>
+                        <a:schemeClr val="tx1"/>
+                      </a:solidFill>
+                      <a:prstDash val="solid"/>
+                      <a:round/>
+                      <a:headEnd type="none" w="med" len="med"/>
+                      <a:tailEnd type="none" w="med" len="med"/>
+                    </a:lnT>
+                    <a:lnB w="12700" cap="flat" cmpd="sng" algn="ctr">
+                      <a:solidFill>
+                        <a:schemeClr val="tx1"/>
+                      </a:solidFill>
+                      <a:prstDash val="solid"/>
+                      <a:round/>
+                      <a:headEnd type="none" w="med" len="med"/>
+                      <a:tailEnd type="none" w="med" len="med"/>
+                    </a:lnB>
+                  </a:tcPr>
+                </a:tc>
+                <a:tc>
+                  <a:txBody>
+                    <a:bodyPr/>
+                    <a:lstStyle/>
+                    <a:p>
+                      <a:endParaRPr lang="pt-PT"/>
+                    </a:p>
+                  </a:txBody>
+                  <a:tcPr>
+                    <a:lnL w="12700" cap="flat" cmpd="sng" algn="ctr">
+                      <a:solidFill>
+                        <a:schemeClr val="tx1"/>
+                      </a:solidFill>
+                      <a:prstDash val="solid"/>
+                      <a:round/>
+                      <a:headEnd type="none" w="med" len="med"/>
+                      <a:tailEnd type="none" w="med" len="med"/>
+                    </a:lnL>
+                    <a:lnR w="12700" cap="flat" cmpd="sng" algn="ctr">
+                      <a:solidFill>
+                        <a:schemeClr val="tx1"/>
+                      </a:solidFill>
+                      <a:prstDash val="solid"/>
+                      <a:round/>
+                      <a:headEnd type="none" w="med" len="med"/>
+                      <a:tailEnd type="none" w="med" len="med"/>
+                    </a:lnR>
+                    <a:lnT w="12700" cap="flat" cmpd="sng" algn="ctr">
+                      <a:solidFill>
+                        <a:schemeClr val="tx1"/>
+                      </a:solidFill>
+                      <a:prstDash val="solid"/>
+                      <a:round/>
+                      <a:headEnd type="none" w="med" len="med"/>
+                      <a:tailEnd type="none" w="med" len="med"/>
+                    </a:lnT>
+                    <a:lnB w="12700" cap="flat" cmpd="sng" algn="ctr">
+                      <a:solidFill>
+                        <a:schemeClr val="tx1"/>
+                      </a:solidFill>
+                      <a:prstDash val="solid"/>
+                      <a:round/>
+                      <a:headEnd type="none" w="med" len="med"/>
+                      <a:tailEnd type="none" w="med" len="med"/>
+                    </a:lnB>
+                  </a:tcPr>
+                </a:tc>
+                <a:tc>
+                  <a:txBody>
+                    <a:bodyPr/>
+                    <a:lstStyle/>
+                    <a:p>
+                      <a:endParaRPr lang="pt-PT"/>
+                    </a:p>
+                  </a:txBody>
+                  <a:tcPr>
+                    <a:lnL w="12700" cap="flat" cmpd="sng" algn="ctr">
+                      <a:solidFill>
+                        <a:schemeClr val="tx1"/>
+                      </a:solidFill>
+                      <a:prstDash val="solid"/>
+                      <a:round/>
+                      <a:headEnd type="none" w="med" len="med"/>
+                      <a:tailEnd type="none" w="med" len="med"/>
+                    </a:lnL>
+                    <a:lnR w="12700" cap="flat" cmpd="sng" algn="ctr">
+                      <a:solidFill>
+                        <a:schemeClr val="tx1"/>
+                      </a:solidFill>
+                      <a:prstDash val="solid"/>
+                      <a:round/>
+                      <a:headEnd type="none" w="med" len="med"/>
+                      <a:tailEnd type="none" w="med" len="med"/>
+                    </a:lnR>
+                    <a:lnT w="12700" cap="flat" cmpd="sng" algn="ctr">
+                      <a:solidFill>
+                        <a:schemeClr val="tx1"/>
+                      </a:solidFill>
+                      <a:prstDash val="solid"/>
+                      <a:round/>
+                      <a:headEnd type="none" w="med" len="med"/>
+                      <a:tailEnd type="none" w="med" len="med"/>
+                    </a:lnT>
+                    <a:lnB w="12700" cap="flat" cmpd="sng" algn="ctr">
+                      <a:solidFill>
+                        <a:schemeClr val="tx1"/>
+                      </a:solidFill>
+                      <a:prstDash val="solid"/>
+                      <a:round/>
+                      <a:headEnd type="none" w="med" len="med"/>
+                      <a:tailEnd type="none" w="med" len="med"/>
+                    </a:lnB>
+                  </a:tcPr>
+                </a:tc>
+                <a:tc>
+                  <a:txBody>
+                    <a:bodyPr/>
+                    <a:lstStyle/>
+                    <a:p>
+                      <a:pPr algn="ctr"/>
+                      <a:r>
+                        <a:rPr lang="pt-PT" dirty="0"/>
+                        <a:t>X</a:t>
+                      </a:r>
+                    </a:p>
+                  </a:txBody>
+                  <a:tcPr>
+                    <a:lnL w="12700" cap="flat" cmpd="sng" algn="ctr">
+                      <a:solidFill>
+                        <a:schemeClr val="tx1"/>
+                      </a:solidFill>
+                      <a:prstDash val="solid"/>
+                      <a:round/>
+                      <a:headEnd type="none" w="med" len="med"/>
+                      <a:tailEnd type="none" w="med" len="med"/>
+                    </a:lnL>
+                    <a:lnR w="12700" cap="flat" cmpd="sng" algn="ctr">
+                      <a:solidFill>
+                        <a:schemeClr val="tx1"/>
+                      </a:solidFill>
+                      <a:prstDash val="solid"/>
+                      <a:round/>
+                      <a:headEnd type="none" w="med" len="med"/>
+                      <a:tailEnd type="none" w="med" len="med"/>
+                    </a:lnR>
+                    <a:lnT w="12700" cap="flat" cmpd="sng" algn="ctr">
+                      <a:solidFill>
+                        <a:schemeClr val="tx1"/>
+                      </a:solidFill>
+                      <a:prstDash val="solid"/>
+                      <a:round/>
+                      <a:headEnd type="none" w="med" len="med"/>
+                      <a:tailEnd type="none" w="med" len="med"/>
+                    </a:lnT>
+                    <a:lnB w="12700" cap="flat" cmpd="sng" algn="ctr">
+                      <a:solidFill>
+                        <a:schemeClr val="tx1"/>
+                      </a:solidFill>
+                      <a:prstDash val="solid"/>
+                      <a:round/>
+                      <a:headEnd type="none" w="med" len="med"/>
+                      <a:tailEnd type="none" w="med" len="med"/>
+                    </a:lnB>
+                  </a:tcPr>
+                </a:tc>
+                <a:tc>
+                  <a:txBody>
+                    <a:bodyPr/>
+                    <a:lstStyle/>
+                    <a:p>
+                      <a:endParaRPr lang="pt-PT"/>
+                    </a:p>
+                  </a:txBody>
+                  <a:tcPr>
+                    <a:lnL w="12700" cap="flat" cmpd="sng" algn="ctr">
+                      <a:solidFill>
+                        <a:schemeClr val="tx1"/>
+                      </a:solidFill>
+                      <a:prstDash val="solid"/>
+                      <a:round/>
+                      <a:headEnd type="none" w="med" len="med"/>
+                      <a:tailEnd type="none" w="med" len="med"/>
+                    </a:lnL>
+                    <a:lnR w="12700" cap="flat" cmpd="sng" algn="ctr">
+                      <a:solidFill>
+                        <a:schemeClr val="tx1"/>
+                      </a:solidFill>
+                      <a:prstDash val="solid"/>
+                      <a:round/>
+                      <a:headEnd type="none" w="med" len="med"/>
+                      <a:tailEnd type="none" w="med" len="med"/>
+                    </a:lnR>
+                    <a:lnT w="12700" cap="flat" cmpd="sng" algn="ctr">
+                      <a:solidFill>
+                        <a:schemeClr val="tx1"/>
+                      </a:solidFill>
+                      <a:prstDash val="solid"/>
+                      <a:round/>
+                      <a:headEnd type="none" w="med" len="med"/>
+                      <a:tailEnd type="none" w="med" len="med"/>
+                    </a:lnT>
+                    <a:lnB w="12700" cap="flat" cmpd="sng" algn="ctr">
+                      <a:solidFill>
+                        <a:schemeClr val="tx1"/>
+                      </a:solidFill>
+                      <a:prstDash val="solid"/>
+                      <a:round/>
+                      <a:headEnd type="none" w="med" len="med"/>
+                      <a:tailEnd type="none" w="med" len="med"/>
+                    </a:lnB>
+                  </a:tcPr>
+                </a:tc>
+                <a:extLst>
+                  <a:ext uri="{0D108BD9-81ED-4DB2-BD59-A6C34878D82A}">
+                    <a16:rowId xmlns:a16="http://schemas.microsoft.com/office/drawing/2014/main" val="883314903"/>
+                  </a:ext>
+                </a:extLst>
+              </a:tr>
+              <a:tr h="336847">
+                <a:tc>
+                  <a:txBody>
+                    <a:bodyPr/>
+                    <a:lstStyle/>
+                    <a:p>
+                      <a:r>
+                        <a:rPr lang="pt-PT" dirty="0"/>
+                        <a:t>US 314</a:t>
+                      </a:r>
+                    </a:p>
+                  </a:txBody>
+                  <a:tcPr>
+                    <a:lnL w="12700" cap="flat" cmpd="sng" algn="ctr">
+                      <a:solidFill>
+                        <a:schemeClr val="tx1"/>
+                      </a:solidFill>
+                      <a:prstDash val="solid"/>
+                      <a:round/>
+                      <a:headEnd type="none" w="med" len="med"/>
+                      <a:tailEnd type="none" w="med" len="med"/>
+                    </a:lnL>
+                    <a:lnR w="12700" cap="flat" cmpd="sng" algn="ctr">
+                      <a:solidFill>
+                        <a:schemeClr val="tx1"/>
+                      </a:solidFill>
+                      <a:prstDash val="solid"/>
+                      <a:round/>
+                      <a:headEnd type="none" w="med" len="med"/>
+                      <a:tailEnd type="none" w="med" len="med"/>
+                    </a:lnR>
+                    <a:lnT w="12700" cap="flat" cmpd="sng" algn="ctr">
+                      <a:solidFill>
+                        <a:schemeClr val="tx1"/>
+                      </a:solidFill>
+                      <a:prstDash val="solid"/>
+                      <a:round/>
+                      <a:headEnd type="none" w="med" len="med"/>
+                      <a:tailEnd type="none" w="med" len="med"/>
+                    </a:lnT>
+                    <a:lnB w="12700" cap="flat" cmpd="sng" algn="ctr">
+                      <a:solidFill>
+                        <a:schemeClr val="tx1"/>
+                      </a:solidFill>
+                      <a:prstDash val="solid"/>
+                      <a:round/>
+                      <a:headEnd type="none" w="med" len="med"/>
+                      <a:tailEnd type="none" w="med" len="med"/>
+                    </a:lnB>
+                  </a:tcPr>
+                </a:tc>
+                <a:tc>
+                  <a:txBody>
+                    <a:bodyPr/>
+                    <a:lstStyle/>
+                    <a:p>
+                      <a:pPr algn="ctr"/>
+                      <a:r>
+                        <a:rPr lang="pt-PT" dirty="0"/>
+                        <a:t>YES</a:t>
+                      </a:r>
+                    </a:p>
+                  </a:txBody>
+                  <a:tcPr>
+                    <a:lnL w="12700" cap="flat" cmpd="sng" algn="ctr">
+                      <a:solidFill>
+                        <a:schemeClr val="tx1"/>
+                      </a:solidFill>
+                      <a:prstDash val="solid"/>
+                      <a:round/>
+                      <a:headEnd type="none" w="med" len="med"/>
+                      <a:tailEnd type="none" w="med" len="med"/>
+                    </a:lnL>
+                    <a:lnR w="12700" cap="flat" cmpd="sng" algn="ctr">
+                      <a:solidFill>
+                        <a:schemeClr val="tx1"/>
+                      </a:solidFill>
+                      <a:prstDash val="solid"/>
+                      <a:round/>
+                      <a:headEnd type="none" w="med" len="med"/>
+                      <a:tailEnd type="none" w="med" len="med"/>
+                    </a:lnR>
+                    <a:lnT w="12700" cap="flat" cmpd="sng" algn="ctr">
+                      <a:solidFill>
+                        <a:schemeClr val="tx1"/>
+                      </a:solidFill>
+                      <a:prstDash val="solid"/>
+                      <a:round/>
+                      <a:headEnd type="none" w="med" len="med"/>
+                      <a:tailEnd type="none" w="med" len="med"/>
+                    </a:lnT>
+                    <a:lnB w="12700" cap="flat" cmpd="sng" algn="ctr">
+                      <a:solidFill>
+                        <a:schemeClr val="tx1"/>
+                      </a:solidFill>
+                      <a:prstDash val="solid"/>
+                      <a:round/>
+                      <a:headEnd type="none" w="med" len="med"/>
+                      <a:tailEnd type="none" w="med" len="med"/>
+                    </a:lnB>
+                  </a:tcPr>
+                </a:tc>
+                <a:tc>
+                  <a:txBody>
+                    <a:bodyPr/>
+                    <a:lstStyle/>
+                    <a:p>
+                      <a:endParaRPr lang="pt-PT"/>
+                    </a:p>
+                  </a:txBody>
+                  <a:tcPr>
+                    <a:lnL w="12700" cap="flat" cmpd="sng" algn="ctr">
+                      <a:solidFill>
+                        <a:schemeClr val="tx1"/>
+                      </a:solidFill>
+                      <a:prstDash val="solid"/>
+                      <a:round/>
+                      <a:headEnd type="none" w="med" len="med"/>
+                      <a:tailEnd type="none" w="med" len="med"/>
+                    </a:lnL>
+                    <a:lnR w="12700" cap="flat" cmpd="sng" algn="ctr">
+                      <a:solidFill>
+                        <a:schemeClr val="tx1"/>
+                      </a:solidFill>
+                      <a:prstDash val="solid"/>
+                      <a:round/>
+                      <a:headEnd type="none" w="med" len="med"/>
+                      <a:tailEnd type="none" w="med" len="med"/>
+                    </a:lnR>
+                    <a:lnT w="12700" cap="flat" cmpd="sng" algn="ctr">
+                      <a:solidFill>
+                        <a:schemeClr val="tx1"/>
+                      </a:solidFill>
+                      <a:prstDash val="solid"/>
+                      <a:round/>
+                      <a:headEnd type="none" w="med" len="med"/>
+                      <a:tailEnd type="none" w="med" len="med"/>
+                    </a:lnT>
+                    <a:lnB w="12700" cap="flat" cmpd="sng" algn="ctr">
+                      <a:solidFill>
+                        <a:schemeClr val="tx1"/>
+                      </a:solidFill>
+                      <a:prstDash val="solid"/>
+                      <a:round/>
+                      <a:headEnd type="none" w="med" len="med"/>
+                      <a:tailEnd type="none" w="med" len="med"/>
+                    </a:lnB>
+                  </a:tcPr>
+                </a:tc>
+                <a:tc>
+                  <a:txBody>
+                    <a:bodyPr/>
+                    <a:lstStyle/>
+                    <a:p>
+                      <a:endParaRPr lang="pt-PT" dirty="0"/>
+                    </a:p>
+                  </a:txBody>
+                  <a:tcPr>
+                    <a:lnL w="12700" cap="flat" cmpd="sng" algn="ctr">
+                      <a:solidFill>
+                        <a:schemeClr val="tx1"/>
+                      </a:solidFill>
+                      <a:prstDash val="solid"/>
+                      <a:round/>
+                      <a:headEnd type="none" w="med" len="med"/>
+                      <a:tailEnd type="none" w="med" len="med"/>
+                    </a:lnL>
+                    <a:lnR w="12700" cap="flat" cmpd="sng" algn="ctr">
+                      <a:solidFill>
+                        <a:schemeClr val="tx1"/>
+                      </a:solidFill>
+                      <a:prstDash val="solid"/>
+                      <a:round/>
+                      <a:headEnd type="none" w="med" len="med"/>
+                      <a:tailEnd type="none" w="med" len="med"/>
+                    </a:lnR>
+                    <a:lnT w="12700" cap="flat" cmpd="sng" algn="ctr">
+                      <a:solidFill>
+                        <a:schemeClr val="tx1"/>
+                      </a:solidFill>
+                      <a:prstDash val="solid"/>
+                      <a:round/>
+                      <a:headEnd type="none" w="med" len="med"/>
+                      <a:tailEnd type="none" w="med" len="med"/>
+                    </a:lnT>
+                    <a:lnB w="12700" cap="flat" cmpd="sng" algn="ctr">
+                      <a:solidFill>
+                        <a:schemeClr val="tx1"/>
+                      </a:solidFill>
+                      <a:prstDash val="solid"/>
+                      <a:round/>
+                      <a:headEnd type="none" w="med" len="med"/>
+                      <a:tailEnd type="none" w="med" len="med"/>
+                    </a:lnB>
+                  </a:tcPr>
+                </a:tc>
+                <a:tc>
+                  <a:txBody>
+                    <a:bodyPr/>
+                    <a:lstStyle/>
+                    <a:p>
+                      <a:endParaRPr lang="pt-PT"/>
+                    </a:p>
+                  </a:txBody>
+                  <a:tcPr>
+                    <a:lnL w="12700" cap="flat" cmpd="sng" algn="ctr">
+                      <a:solidFill>
+                        <a:schemeClr val="tx1"/>
+                      </a:solidFill>
+                      <a:prstDash val="solid"/>
+                      <a:round/>
+                      <a:headEnd type="none" w="med" len="med"/>
+                      <a:tailEnd type="none" w="med" len="med"/>
+                    </a:lnL>
+                    <a:lnR w="12700" cap="flat" cmpd="sng" algn="ctr">
+                      <a:solidFill>
+                        <a:schemeClr val="tx1"/>
+                      </a:solidFill>
+                      <a:prstDash val="solid"/>
+                      <a:round/>
+                      <a:headEnd type="none" w="med" len="med"/>
+                      <a:tailEnd type="none" w="med" len="med"/>
+                    </a:lnR>
+                    <a:lnT w="12700" cap="flat" cmpd="sng" algn="ctr">
+                      <a:solidFill>
+                        <a:schemeClr val="tx1"/>
+                      </a:solidFill>
+                      <a:prstDash val="solid"/>
+                      <a:round/>
+                      <a:headEnd type="none" w="med" len="med"/>
+                      <a:tailEnd type="none" w="med" len="med"/>
+                    </a:lnT>
+                    <a:lnB w="12700" cap="flat" cmpd="sng" algn="ctr">
+                      <a:solidFill>
+                        <a:schemeClr val="tx1"/>
+                      </a:solidFill>
+                      <a:prstDash val="solid"/>
+                      <a:round/>
+                      <a:headEnd type="none" w="med" len="med"/>
+                      <a:tailEnd type="none" w="med" len="med"/>
+                    </a:lnB>
+                  </a:tcPr>
+                </a:tc>
+                <a:tc>
+                  <a:txBody>
+                    <a:bodyPr/>
+                    <a:lstStyle/>
+                    <a:p>
+                      <a:pPr algn="ctr"/>
+                      <a:r>
+                        <a:rPr lang="pt-PT" dirty="0"/>
+                        <a:t>X</a:t>
+                      </a:r>
+                    </a:p>
+                  </a:txBody>
+                  <a:tcPr>
+                    <a:lnL w="12700" cap="flat" cmpd="sng" algn="ctr">
+                      <a:solidFill>
+                        <a:schemeClr val="tx1"/>
+                      </a:solidFill>
+                      <a:prstDash val="solid"/>
+                      <a:round/>
+                      <a:headEnd type="none" w="med" len="med"/>
+                      <a:tailEnd type="none" w="med" len="med"/>
+                    </a:lnL>
+                    <a:lnR w="12700" cap="flat" cmpd="sng" algn="ctr">
+                      <a:solidFill>
+                        <a:schemeClr val="tx1"/>
+                      </a:solidFill>
+                      <a:prstDash val="solid"/>
+                      <a:round/>
+                      <a:headEnd type="none" w="med" len="med"/>
+                      <a:tailEnd type="none" w="med" len="med"/>
+                    </a:lnR>
+                    <a:lnT w="12700" cap="flat" cmpd="sng" algn="ctr">
+                      <a:solidFill>
+                        <a:schemeClr val="tx1"/>
+                      </a:solidFill>
+                      <a:prstDash val="solid"/>
+                      <a:round/>
+                      <a:headEnd type="none" w="med" len="med"/>
+                      <a:tailEnd type="none" w="med" len="med"/>
+                    </a:lnT>
+                    <a:lnB w="12700" cap="flat" cmpd="sng" algn="ctr">
+                      <a:solidFill>
+                        <a:schemeClr val="tx1"/>
+                      </a:solidFill>
+                      <a:prstDash val="solid"/>
+                      <a:round/>
+                      <a:headEnd type="none" w="med" len="med"/>
+                      <a:tailEnd type="none" w="med" len="med"/>
+                    </a:lnB>
+                  </a:tcPr>
+                </a:tc>
+                <a:tc>
+                  <a:txBody>
+                    <a:bodyPr/>
+                    <a:lstStyle/>
+                    <a:p>
+                      <a:endParaRPr lang="pt-PT" dirty="0"/>
+                    </a:p>
+                  </a:txBody>
+                  <a:tcPr>
+                    <a:lnL w="12700" cap="flat" cmpd="sng" algn="ctr">
+                      <a:solidFill>
+                        <a:schemeClr val="tx1"/>
+                      </a:solidFill>
+                      <a:prstDash val="solid"/>
+                      <a:round/>
+                      <a:headEnd type="none" w="med" len="med"/>
+                      <a:tailEnd type="none" w="med" len="med"/>
+                    </a:lnL>
+                    <a:lnR w="12700" cap="flat" cmpd="sng" algn="ctr">
+                      <a:solidFill>
+                        <a:schemeClr val="tx1"/>
+                      </a:solidFill>
+                      <a:prstDash val="solid"/>
+                      <a:round/>
+                      <a:headEnd type="none" w="med" len="med"/>
+                      <a:tailEnd type="none" w="med" len="med"/>
+                    </a:lnR>
+                    <a:lnT w="12700" cap="flat" cmpd="sng" algn="ctr">
+                      <a:solidFill>
+                        <a:schemeClr val="tx1"/>
+                      </a:solidFill>
+                      <a:prstDash val="solid"/>
+                      <a:round/>
+                      <a:headEnd type="none" w="med" len="med"/>
+                      <a:tailEnd type="none" w="med" len="med"/>
+                    </a:lnT>
+                    <a:lnB w="12700" cap="flat" cmpd="sng" algn="ctr">
+                      <a:solidFill>
+                        <a:schemeClr val="tx1"/>
+                      </a:solidFill>
+                      <a:prstDash val="solid"/>
+                      <a:round/>
+                      <a:headEnd type="none" w="med" len="med"/>
+                      <a:tailEnd type="none" w="med" len="med"/>
+                    </a:lnB>
+                  </a:tcPr>
+                </a:tc>
+                <a:extLst>
+                  <a:ext uri="{0D108BD9-81ED-4DB2-BD59-A6C34878D82A}">
+                    <a16:rowId xmlns:a16="http://schemas.microsoft.com/office/drawing/2014/main" val="428254498"/>
+                  </a:ext>
+                </a:extLst>
+              </a:tr>
+              <a:tr h="336847">
+                <a:tc>
+                  <a:txBody>
+                    <a:bodyPr/>
+                    <a:lstStyle/>
+                    <a:p>
+                      <a:pPr lvl="0">
+                        <a:buNone/>
+                      </a:pPr>
+                      <a:r>
+                        <a:rPr lang="pt-PT" dirty="0"/>
+                        <a:t>US 315</a:t>
+                      </a:r>
+                    </a:p>
+                  </a:txBody>
+                  <a:tcPr>
+                    <a:lnL w="12700" cap="flat" cmpd="sng" algn="ctr">
+                      <a:solidFill>
+                        <a:schemeClr val="tx1"/>
+                      </a:solidFill>
+                      <a:prstDash val="solid"/>
+                      <a:round/>
+                      <a:headEnd type="none" w="med" len="med"/>
+                      <a:tailEnd type="none" w="med" len="med"/>
+                    </a:lnL>
+                    <a:lnR w="12700" cap="flat" cmpd="sng" algn="ctr">
+                      <a:solidFill>
+                        <a:schemeClr val="tx1"/>
+                      </a:solidFill>
+                      <a:prstDash val="solid"/>
+                      <a:round/>
+                      <a:headEnd type="none" w="med" len="med"/>
+                      <a:tailEnd type="none" w="med" len="med"/>
+                    </a:lnR>
+                    <a:lnT w="12700" cap="flat" cmpd="sng" algn="ctr">
+                      <a:solidFill>
+                        <a:schemeClr val="tx1"/>
+                      </a:solidFill>
+                      <a:prstDash val="solid"/>
+                      <a:round/>
+                      <a:headEnd type="none" w="med" len="med"/>
+                      <a:tailEnd type="none" w="med" len="med"/>
+                    </a:lnT>
+                    <a:lnB w="12700" cap="flat" cmpd="sng" algn="ctr">
+                      <a:solidFill>
+                        <a:schemeClr val="tx1"/>
+                      </a:solidFill>
+                      <a:prstDash val="solid"/>
+                      <a:round/>
+                      <a:headEnd type="none" w="med" len="med"/>
+                      <a:tailEnd type="none" w="med" len="med"/>
+                    </a:lnB>
+                  </a:tcPr>
+                </a:tc>
+                <a:tc>
+                  <a:txBody>
+                    <a:bodyPr/>
+                    <a:lstStyle/>
+                    <a:p>
+                      <a:pPr lvl="0" algn="ctr">
+                        <a:buNone/>
+                      </a:pPr>
+                      <a:r>
+                        <a:rPr lang="pt-PT" dirty="0"/>
+                        <a:t>YES</a:t>
+                      </a:r>
+                    </a:p>
+                  </a:txBody>
+                  <a:tcPr>
+                    <a:lnL w="12700" cap="flat" cmpd="sng" algn="ctr">
+                      <a:solidFill>
+                        <a:schemeClr val="tx1"/>
+                      </a:solidFill>
+                      <a:prstDash val="solid"/>
+                      <a:round/>
+                      <a:headEnd type="none" w="med" len="med"/>
+                      <a:tailEnd type="none" w="med" len="med"/>
+                    </a:lnL>
+                    <a:lnR w="12700" cap="flat" cmpd="sng" algn="ctr">
+                      <a:solidFill>
+                        <a:schemeClr val="tx1"/>
+                      </a:solidFill>
+                      <a:prstDash val="solid"/>
+                      <a:round/>
+                      <a:headEnd type="none" w="med" len="med"/>
+                      <a:tailEnd type="none" w="med" len="med"/>
+                    </a:lnR>
+                    <a:lnT w="12700" cap="flat" cmpd="sng" algn="ctr">
+                      <a:solidFill>
+                        <a:schemeClr val="tx1"/>
+                      </a:solidFill>
+                      <a:prstDash val="solid"/>
+                      <a:round/>
+                      <a:headEnd type="none" w="med" len="med"/>
+                      <a:tailEnd type="none" w="med" len="med"/>
+                    </a:lnT>
+                    <a:lnB w="12700" cap="flat" cmpd="sng" algn="ctr">
+                      <a:solidFill>
+                        <a:schemeClr val="tx1"/>
+                      </a:solidFill>
+                      <a:prstDash val="solid"/>
+                      <a:round/>
+                      <a:headEnd type="none" w="med" len="med"/>
+                      <a:tailEnd type="none" w="med" len="med"/>
+                    </a:lnB>
+                  </a:tcPr>
+                </a:tc>
+                <a:tc>
+                  <a:txBody>
+                    <a:bodyPr/>
+                    <a:lstStyle/>
+                    <a:p>
+                      <a:pPr lvl="0">
+                        <a:buNone/>
+                      </a:pPr>
+                      <a:endParaRPr lang="pt-PT" dirty="0"/>
+                    </a:p>
+                  </a:txBody>
+                  <a:tcPr>
+                    <a:lnL w="12700" cap="flat" cmpd="sng" algn="ctr">
+                      <a:solidFill>
+                        <a:schemeClr val="tx1"/>
+                      </a:solidFill>
+                      <a:prstDash val="solid"/>
+                      <a:round/>
+                      <a:headEnd type="none" w="med" len="med"/>
+                      <a:tailEnd type="none" w="med" len="med"/>
+                    </a:lnL>
+                    <a:lnR w="12700" cap="flat" cmpd="sng" algn="ctr">
+                      <a:solidFill>
+                        <a:schemeClr val="tx1"/>
+                      </a:solidFill>
+                      <a:prstDash val="solid"/>
+                      <a:round/>
+                      <a:headEnd type="none" w="med" len="med"/>
+                      <a:tailEnd type="none" w="med" len="med"/>
+                    </a:lnR>
+                    <a:lnT w="12700" cap="flat" cmpd="sng" algn="ctr">
+                      <a:solidFill>
+                        <a:schemeClr val="tx1"/>
+                      </a:solidFill>
+                      <a:prstDash val="solid"/>
+                      <a:round/>
+                      <a:headEnd type="none" w="med" len="med"/>
+                      <a:tailEnd type="none" w="med" len="med"/>
+                    </a:lnT>
+                    <a:lnB w="12700" cap="flat" cmpd="sng" algn="ctr">
+                      <a:solidFill>
+                        <a:schemeClr val="tx1"/>
+                      </a:solidFill>
+                      <a:prstDash val="solid"/>
+                      <a:round/>
+                      <a:headEnd type="none" w="med" len="med"/>
+                      <a:tailEnd type="none" w="med" len="med"/>
+                    </a:lnB>
+                  </a:tcPr>
+                </a:tc>
+                <a:tc>
+                  <a:txBody>
+                    <a:bodyPr/>
+                    <a:lstStyle/>
+                    <a:p>
+                      <a:pPr lvl="0">
+                        <a:buNone/>
+                      </a:pPr>
+                      <a:endParaRPr lang="pt-PT" dirty="0"/>
+                    </a:p>
+                  </a:txBody>
+                  <a:tcPr>
+                    <a:lnL w="12700" cap="flat" cmpd="sng" algn="ctr">
+                      <a:solidFill>
+                        <a:schemeClr val="tx1"/>
+                      </a:solidFill>
+                      <a:prstDash val="solid"/>
+                      <a:round/>
+                      <a:headEnd type="none" w="med" len="med"/>
+                      <a:tailEnd type="none" w="med" len="med"/>
+                    </a:lnL>
+                    <a:lnR w="12700" cap="flat" cmpd="sng" algn="ctr">
+                      <a:solidFill>
+                        <a:schemeClr val="tx1"/>
+                      </a:solidFill>
+                      <a:prstDash val="solid"/>
+                      <a:round/>
+                      <a:headEnd type="none" w="med" len="med"/>
+                      <a:tailEnd type="none" w="med" len="med"/>
+                    </a:lnR>
+                    <a:lnT w="12700" cap="flat" cmpd="sng" algn="ctr">
+                      <a:solidFill>
+                        <a:schemeClr val="tx1"/>
+                      </a:solidFill>
+                      <a:prstDash val="solid"/>
+                      <a:round/>
+                      <a:headEnd type="none" w="med" len="med"/>
+                      <a:tailEnd type="none" w="med" len="med"/>
+                    </a:lnT>
+                    <a:lnB w="12700" cap="flat" cmpd="sng" algn="ctr">
+                      <a:solidFill>
+                        <a:schemeClr val="tx1"/>
+                      </a:solidFill>
+                      <a:prstDash val="solid"/>
+                      <a:round/>
+                      <a:headEnd type="none" w="med" len="med"/>
+                      <a:tailEnd type="none" w="med" len="med"/>
+                    </a:lnB>
+                  </a:tcPr>
+                </a:tc>
+                <a:tc>
+                  <a:txBody>
+                    <a:bodyPr/>
+                    <a:lstStyle/>
+                    <a:p>
+                      <a:pPr lvl="0">
+                        <a:buNone/>
+                      </a:pPr>
+                      <a:endParaRPr lang="pt-PT" dirty="0"/>
+                    </a:p>
+                  </a:txBody>
+                  <a:tcPr>
+                    <a:lnL w="12700" cap="flat" cmpd="sng" algn="ctr">
+                      <a:solidFill>
+                        <a:schemeClr val="tx1"/>
+                      </a:solidFill>
+                      <a:prstDash val="solid"/>
+                      <a:round/>
+                      <a:headEnd type="none" w="med" len="med"/>
+                      <a:tailEnd type="none" w="med" len="med"/>
+                    </a:lnL>
+                    <a:lnR w="12700" cap="flat" cmpd="sng" algn="ctr">
+                      <a:solidFill>
+                        <a:schemeClr val="tx1"/>
+                      </a:solidFill>
+                      <a:prstDash val="solid"/>
+                      <a:round/>
+                      <a:headEnd type="none" w="med" len="med"/>
+                      <a:tailEnd type="none" w="med" len="med"/>
+                    </a:lnR>
+                    <a:lnT w="12700" cap="flat" cmpd="sng" algn="ctr">
+                      <a:solidFill>
+                        <a:schemeClr val="tx1"/>
+                      </a:solidFill>
+                      <a:prstDash val="solid"/>
+                      <a:round/>
+                      <a:headEnd type="none" w="med" len="med"/>
+                      <a:tailEnd type="none" w="med" len="med"/>
+                    </a:lnT>
+                    <a:lnB w="12700" cap="flat" cmpd="sng" algn="ctr">
+                      <a:solidFill>
+                        <a:schemeClr val="tx1"/>
+                      </a:solidFill>
+                      <a:prstDash val="solid"/>
+                      <a:round/>
+                      <a:headEnd type="none" w="med" len="med"/>
+                      <a:tailEnd type="none" w="med" len="med"/>
+                    </a:lnB>
+                  </a:tcPr>
+                </a:tc>
+                <a:tc>
+                  <a:txBody>
+                    <a:bodyPr/>
+                    <a:lstStyle/>
+                    <a:p>
+                      <a:pPr lvl="0" algn="ctr">
+                        <a:buNone/>
+                      </a:pPr>
+                      <a:r>
+                        <a:rPr lang="pt-PT" dirty="0"/>
+                        <a:t>X</a:t>
+                      </a:r>
+                    </a:p>
+                  </a:txBody>
+                  <a:tcPr>
+                    <a:lnL w="12700" cap="flat" cmpd="sng" algn="ctr">
+                      <a:solidFill>
+                        <a:schemeClr val="tx1"/>
+                      </a:solidFill>
+                      <a:prstDash val="solid"/>
+                      <a:round/>
+                      <a:headEnd type="none" w="med" len="med"/>
+                      <a:tailEnd type="none" w="med" len="med"/>
+                    </a:lnL>
+                    <a:lnR w="12700" cap="flat" cmpd="sng" algn="ctr">
+                      <a:solidFill>
+                        <a:schemeClr val="tx1"/>
+                      </a:solidFill>
+                      <a:prstDash val="solid"/>
+                      <a:round/>
+                      <a:headEnd type="none" w="med" len="med"/>
+                      <a:tailEnd type="none" w="med" len="med"/>
+                    </a:lnR>
+                    <a:lnT w="12700" cap="flat" cmpd="sng" algn="ctr">
+                      <a:solidFill>
+                        <a:schemeClr val="tx1"/>
+                      </a:solidFill>
+                      <a:prstDash val="solid"/>
+                      <a:round/>
+                      <a:headEnd type="none" w="med" len="med"/>
+                      <a:tailEnd type="none" w="med" len="med"/>
+                    </a:lnT>
+                    <a:lnB w="12700" cap="flat" cmpd="sng" algn="ctr">
+                      <a:solidFill>
+                        <a:schemeClr val="tx1"/>
+                      </a:solidFill>
+                      <a:prstDash val="solid"/>
+                      <a:round/>
+                      <a:headEnd type="none" w="med" len="med"/>
+                      <a:tailEnd type="none" w="med" len="med"/>
+                    </a:lnB>
+                  </a:tcPr>
+                </a:tc>
+                <a:tc>
+                  <a:txBody>
+                    <a:bodyPr/>
+                    <a:lstStyle/>
+                    <a:p>
+                      <a:pPr lvl="0">
+                        <a:buNone/>
+                      </a:pPr>
+                      <a:endParaRPr lang="pt-PT" dirty="0"/>
+                    </a:p>
+                  </a:txBody>
+                  <a:tcPr>
+                    <a:lnL w="12700" cap="flat" cmpd="sng" algn="ctr">
+                      <a:solidFill>
+                        <a:schemeClr val="tx1"/>
+                      </a:solidFill>
+                      <a:prstDash val="solid"/>
+                      <a:round/>
+                      <a:headEnd type="none" w="med" len="med"/>
+                      <a:tailEnd type="none" w="med" len="med"/>
+                    </a:lnL>
+                    <a:lnR w="12700" cap="flat" cmpd="sng" algn="ctr">
+                      <a:solidFill>
+                        <a:schemeClr val="tx1"/>
+                      </a:solidFill>
+                      <a:prstDash val="solid"/>
+                      <a:round/>
+                      <a:headEnd type="none" w="med" len="med"/>
+                      <a:tailEnd type="none" w="med" len="med"/>
+                    </a:lnR>
+                    <a:lnT w="12700" cap="flat" cmpd="sng" algn="ctr">
+                      <a:solidFill>
+                        <a:schemeClr val="tx1"/>
+                      </a:solidFill>
+                      <a:prstDash val="solid"/>
+                      <a:round/>
+                      <a:headEnd type="none" w="med" len="med"/>
+                      <a:tailEnd type="none" w="med" len="med"/>
+                    </a:lnT>
+                    <a:lnB w="12700" cap="flat" cmpd="sng" algn="ctr">
+                      <a:solidFill>
+                        <a:schemeClr val="tx1"/>
+                      </a:solidFill>
+                      <a:prstDash val="solid"/>
+                      <a:round/>
+                      <a:headEnd type="none" w="med" len="med"/>
+                      <a:tailEnd type="none" w="med" len="med"/>
+                    </a:lnB>
+                  </a:tcPr>
+                </a:tc>
+                <a:extLst>
+                  <a:ext uri="{0D108BD9-81ED-4DB2-BD59-A6C34878D82A}">
+                    <a16:rowId xmlns:a16="http://schemas.microsoft.com/office/drawing/2014/main" val="4185709446"/>
+                  </a:ext>
+                </a:extLst>
+              </a:tr>
+              <a:tr h="336847">
+                <a:tc>
+                  <a:txBody>
+                    <a:bodyPr/>
+                    <a:lstStyle/>
+                    <a:p>
+                      <a:pPr lvl="0">
+                        <a:buNone/>
+                      </a:pPr>
+                      <a:r>
+                        <a:rPr lang="pt-PT" dirty="0"/>
+                        <a:t>US 316</a:t>
+                      </a:r>
+                    </a:p>
+                  </a:txBody>
+                  <a:tcPr>
+                    <a:lnL w="12700" cap="flat" cmpd="sng" algn="ctr">
+                      <a:solidFill>
+                        <a:schemeClr val="tx1"/>
+                      </a:solidFill>
+                      <a:prstDash val="solid"/>
+                      <a:round/>
+                      <a:headEnd type="none" w="med" len="med"/>
+                      <a:tailEnd type="none" w="med" len="med"/>
+                    </a:lnL>
+                    <a:lnR w="12700" cap="flat" cmpd="sng" algn="ctr">
+                      <a:solidFill>
+                        <a:schemeClr val="tx1"/>
+                      </a:solidFill>
+                      <a:prstDash val="solid"/>
+                      <a:round/>
+                      <a:headEnd type="none" w="med" len="med"/>
+                      <a:tailEnd type="none" w="med" len="med"/>
+                    </a:lnR>
+                    <a:lnT w="12700" cap="flat" cmpd="sng" algn="ctr">
+                      <a:solidFill>
+                        <a:schemeClr val="tx1"/>
+                      </a:solidFill>
+                      <a:prstDash val="solid"/>
+                      <a:round/>
+                      <a:headEnd type="none" w="med" len="med"/>
+                      <a:tailEnd type="none" w="med" len="med"/>
+                    </a:lnT>
+                    <a:lnB w="12700" cap="flat" cmpd="sng" algn="ctr">
+                      <a:solidFill>
+                        <a:schemeClr val="tx1"/>
+                      </a:solidFill>
+                      <a:prstDash val="solid"/>
+                      <a:round/>
+                      <a:headEnd type="none" w="med" len="med"/>
+                      <a:tailEnd type="none" w="med" len="med"/>
+                    </a:lnB>
+                  </a:tcPr>
+                </a:tc>
+                <a:tc>
+                  <a:txBody>
+                    <a:bodyPr/>
+                    <a:lstStyle/>
+                    <a:p>
+                      <a:pPr lvl="0" algn="ctr">
+                        <a:buNone/>
+                      </a:pPr>
+                      <a:r>
+                        <a:rPr lang="pt-PT" dirty="0"/>
+                        <a:t>YES</a:t>
+                      </a:r>
+                    </a:p>
+                  </a:txBody>
+                  <a:tcPr>
+                    <a:lnL w="12700" cap="flat" cmpd="sng" algn="ctr">
+                      <a:solidFill>
+                        <a:schemeClr val="tx1"/>
+                      </a:solidFill>
+                      <a:prstDash val="solid"/>
+                      <a:round/>
+                      <a:headEnd type="none" w="med" len="med"/>
+                      <a:tailEnd type="none" w="med" len="med"/>
+                    </a:lnL>
+                    <a:lnR w="12700" cap="flat" cmpd="sng" algn="ctr">
+                      <a:solidFill>
+                        <a:schemeClr val="tx1"/>
+                      </a:solidFill>
+                      <a:prstDash val="solid"/>
+                      <a:round/>
+                      <a:headEnd type="none" w="med" len="med"/>
+                      <a:tailEnd type="none" w="med" len="med"/>
+                    </a:lnR>
+                    <a:lnT w="12700" cap="flat" cmpd="sng" algn="ctr">
+                      <a:solidFill>
+                        <a:schemeClr val="tx1"/>
+                      </a:solidFill>
+                      <a:prstDash val="solid"/>
+                      <a:round/>
+                      <a:headEnd type="none" w="med" len="med"/>
+                      <a:tailEnd type="none" w="med" len="med"/>
+                    </a:lnT>
+                    <a:lnB w="12700" cap="flat" cmpd="sng" algn="ctr">
+                      <a:solidFill>
+                        <a:schemeClr val="tx1"/>
+                      </a:solidFill>
+                      <a:prstDash val="solid"/>
+                      <a:round/>
+                      <a:headEnd type="none" w="med" len="med"/>
+                      <a:tailEnd type="none" w="med" len="med"/>
+                    </a:lnB>
+                  </a:tcPr>
+                </a:tc>
+                <a:tc>
+                  <a:txBody>
+                    <a:bodyPr/>
+                    <a:lstStyle/>
+                    <a:p>
+                      <a:pPr lvl="0">
+                        <a:buNone/>
+                      </a:pPr>
+                      <a:endParaRPr lang="pt-PT" dirty="0"/>
+                    </a:p>
+                  </a:txBody>
+                  <a:tcPr>
+                    <a:lnL w="12700" cap="flat" cmpd="sng" algn="ctr">
+                      <a:solidFill>
+                        <a:schemeClr val="tx1"/>
+                      </a:solidFill>
+                      <a:prstDash val="solid"/>
+                      <a:round/>
+                      <a:headEnd type="none" w="med" len="med"/>
+                      <a:tailEnd type="none" w="med" len="med"/>
+                    </a:lnL>
+                    <a:lnR w="12700" cap="flat" cmpd="sng" algn="ctr">
+                      <a:solidFill>
+                        <a:schemeClr val="tx1"/>
+                      </a:solidFill>
+                      <a:prstDash val="solid"/>
+                      <a:round/>
+                      <a:headEnd type="none" w="med" len="med"/>
+                      <a:tailEnd type="none" w="med" len="med"/>
+                    </a:lnR>
+                    <a:lnT w="12700" cap="flat" cmpd="sng" algn="ctr">
+                      <a:solidFill>
+                        <a:schemeClr val="tx1"/>
+                      </a:solidFill>
+                      <a:prstDash val="solid"/>
+                      <a:round/>
+                      <a:headEnd type="none" w="med" len="med"/>
+                      <a:tailEnd type="none" w="med" len="med"/>
+                    </a:lnT>
+                    <a:lnB w="12700" cap="flat" cmpd="sng" algn="ctr">
+                      <a:solidFill>
+                        <a:schemeClr val="tx1"/>
+                      </a:solidFill>
+                      <a:prstDash val="solid"/>
+                      <a:round/>
+                      <a:headEnd type="none" w="med" len="med"/>
+                      <a:tailEnd type="none" w="med" len="med"/>
+                    </a:lnB>
+                  </a:tcPr>
+                </a:tc>
+                <a:tc>
+                  <a:txBody>
+                    <a:bodyPr/>
+                    <a:lstStyle/>
+                    <a:p>
+                      <a:pPr lvl="0">
+                        <a:buNone/>
+                      </a:pPr>
+                      <a:endParaRPr lang="pt-PT" dirty="0"/>
+                    </a:p>
+                  </a:txBody>
+                  <a:tcPr>
+                    <a:lnL w="12700" cap="flat" cmpd="sng" algn="ctr">
+                      <a:solidFill>
+                        <a:schemeClr val="tx1"/>
+                      </a:solidFill>
+                      <a:prstDash val="solid"/>
+                      <a:round/>
+                      <a:headEnd type="none" w="med" len="med"/>
+                      <a:tailEnd type="none" w="med" len="med"/>
+                    </a:lnL>
+                    <a:lnR w="12700" cap="flat" cmpd="sng" algn="ctr">
+                      <a:solidFill>
+                        <a:schemeClr val="tx1"/>
+                      </a:solidFill>
+                      <a:prstDash val="solid"/>
+                      <a:round/>
+                      <a:headEnd type="none" w="med" len="med"/>
+                      <a:tailEnd type="none" w="med" len="med"/>
+                    </a:lnR>
+                    <a:lnT w="12700" cap="flat" cmpd="sng" algn="ctr">
+                      <a:solidFill>
+                        <a:schemeClr val="tx1"/>
+                      </a:solidFill>
+                      <a:prstDash val="solid"/>
+                      <a:round/>
+                      <a:headEnd type="none" w="med" len="med"/>
+                      <a:tailEnd type="none" w="med" len="med"/>
+                    </a:lnT>
+                    <a:lnB w="12700" cap="flat" cmpd="sng" algn="ctr">
+                      <a:solidFill>
+                        <a:schemeClr val="tx1"/>
+                      </a:solidFill>
+                      <a:prstDash val="solid"/>
+                      <a:round/>
+                      <a:headEnd type="none" w="med" len="med"/>
+                      <a:tailEnd type="none" w="med" len="med"/>
+                    </a:lnB>
+                  </a:tcPr>
+                </a:tc>
+                <a:tc>
+                  <a:txBody>
+                    <a:bodyPr/>
+                    <a:lstStyle/>
+                    <a:p>
+                      <a:pPr lvl="0">
+                        <a:buNone/>
+                      </a:pPr>
+                      <a:endParaRPr lang="pt-PT" dirty="0"/>
+                    </a:p>
+                  </a:txBody>
+                  <a:tcPr>
+                    <a:lnL w="12700" cap="flat" cmpd="sng" algn="ctr">
+                      <a:solidFill>
+                        <a:schemeClr val="tx1"/>
+                      </a:solidFill>
+                      <a:prstDash val="solid"/>
+                      <a:round/>
+                      <a:headEnd type="none" w="med" len="med"/>
+                      <a:tailEnd type="none" w="med" len="med"/>
+                    </a:lnL>
+                    <a:lnR w="12700" cap="flat" cmpd="sng" algn="ctr">
+                      <a:solidFill>
+                        <a:schemeClr val="tx1"/>
+                      </a:solidFill>
+                      <a:prstDash val="solid"/>
+                      <a:round/>
+                      <a:headEnd type="none" w="med" len="med"/>
+                      <a:tailEnd type="none" w="med" len="med"/>
+                    </a:lnR>
+                    <a:lnT w="12700" cap="flat" cmpd="sng" algn="ctr">
+                      <a:solidFill>
+                        <a:schemeClr val="tx1"/>
+                      </a:solidFill>
+                      <a:prstDash val="solid"/>
+                      <a:round/>
+                      <a:headEnd type="none" w="med" len="med"/>
+                      <a:tailEnd type="none" w="med" len="med"/>
+                    </a:lnT>
+                    <a:lnB w="12700" cap="flat" cmpd="sng" algn="ctr">
+                      <a:solidFill>
+                        <a:schemeClr val="tx1"/>
+                      </a:solidFill>
+                      <a:prstDash val="solid"/>
+                      <a:round/>
+                      <a:headEnd type="none" w="med" len="med"/>
+                      <a:tailEnd type="none" w="med" len="med"/>
+                    </a:lnB>
+                  </a:tcPr>
+                </a:tc>
+                <a:tc>
+                  <a:txBody>
+                    <a:bodyPr/>
+                    <a:lstStyle/>
+                    <a:p>
+                      <a:pPr lvl="0" algn="ctr">
+                        <a:buNone/>
+                      </a:pPr>
+                      <a:r>
+                        <a:rPr lang="pt-PT" dirty="0"/>
+                        <a:t>X</a:t>
+                      </a:r>
+                    </a:p>
+                  </a:txBody>
+                  <a:tcPr>
+                    <a:lnL w="12700" cap="flat" cmpd="sng" algn="ctr">
+                      <a:solidFill>
+                        <a:schemeClr val="tx1"/>
+                      </a:solidFill>
+                      <a:prstDash val="solid"/>
+                      <a:round/>
+                      <a:headEnd type="none" w="med" len="med"/>
+                      <a:tailEnd type="none" w="med" len="med"/>
+                    </a:lnL>
+                    <a:lnR w="12700" cap="flat" cmpd="sng" algn="ctr">
+                      <a:solidFill>
+                        <a:schemeClr val="tx1"/>
+                      </a:solidFill>
+                      <a:prstDash val="solid"/>
+                      <a:round/>
+                      <a:headEnd type="none" w="med" len="med"/>
+                      <a:tailEnd type="none" w="med" len="med"/>
+                    </a:lnR>
+                    <a:lnT w="12700" cap="flat" cmpd="sng" algn="ctr">
+                      <a:solidFill>
+                        <a:schemeClr val="tx1"/>
+                      </a:solidFill>
+                      <a:prstDash val="solid"/>
+                      <a:round/>
+                      <a:headEnd type="none" w="med" len="med"/>
+                      <a:tailEnd type="none" w="med" len="med"/>
+                    </a:lnT>
+                    <a:lnB w="12700" cap="flat" cmpd="sng" algn="ctr">
+                      <a:solidFill>
+                        <a:schemeClr val="tx1"/>
+                      </a:solidFill>
+                      <a:prstDash val="solid"/>
+                      <a:round/>
+                      <a:headEnd type="none" w="med" len="med"/>
+                      <a:tailEnd type="none" w="med" len="med"/>
+                    </a:lnB>
+                  </a:tcPr>
+                </a:tc>
+                <a:tc>
+                  <a:txBody>
+                    <a:bodyPr/>
+                    <a:lstStyle/>
+                    <a:p>
+                      <a:pPr lvl="0">
+                        <a:buNone/>
+                      </a:pPr>
+                      <a:endParaRPr lang="pt-PT" dirty="0"/>
+                    </a:p>
+                  </a:txBody>
+                  <a:tcPr>
+                    <a:lnL w="12700" cap="flat" cmpd="sng" algn="ctr">
+                      <a:solidFill>
+                        <a:schemeClr val="tx1"/>
+                      </a:solidFill>
+                      <a:prstDash val="solid"/>
+                      <a:round/>
+                      <a:headEnd type="none" w="med" len="med"/>
+                      <a:tailEnd type="none" w="med" len="med"/>
+                    </a:lnL>
+                    <a:lnR w="12700" cap="flat" cmpd="sng" algn="ctr">
+                      <a:solidFill>
+                        <a:schemeClr val="tx1"/>
+                      </a:solidFill>
+                      <a:prstDash val="solid"/>
+                      <a:round/>
+                      <a:headEnd type="none" w="med" len="med"/>
+                      <a:tailEnd type="none" w="med" len="med"/>
+                    </a:lnR>
+                    <a:lnT w="12700" cap="flat" cmpd="sng" algn="ctr">
+                      <a:solidFill>
+                        <a:schemeClr val="tx1"/>
+                      </a:solidFill>
+                      <a:prstDash val="solid"/>
+                      <a:round/>
+                      <a:headEnd type="none" w="med" len="med"/>
+                      <a:tailEnd type="none" w="med" len="med"/>
+                    </a:lnT>
+                    <a:lnB w="12700" cap="flat" cmpd="sng" algn="ctr">
+                      <a:solidFill>
+                        <a:schemeClr val="tx1"/>
+                      </a:solidFill>
+                      <a:prstDash val="solid"/>
+                      <a:round/>
+                      <a:headEnd type="none" w="med" len="med"/>
+                      <a:tailEnd type="none" w="med" len="med"/>
+                    </a:lnB>
+                  </a:tcPr>
+                </a:tc>
+                <a:extLst>
+                  <a:ext uri="{0D108BD9-81ED-4DB2-BD59-A6C34878D82A}">
+                    <a16:rowId xmlns:a16="http://schemas.microsoft.com/office/drawing/2014/main" val="563517871"/>
+                  </a:ext>
+                </a:extLst>
+              </a:tr>
+              <a:tr h="336847">
+                <a:tc>
+                  <a:txBody>
+                    <a:bodyPr/>
+                    <a:lstStyle/>
+                    <a:p>
+                      <a:pPr lvl="0">
+                        <a:buNone/>
+                      </a:pPr>
+                      <a:r>
+                        <a:rPr lang="pt-PT" dirty="0"/>
+                        <a:t>US 317</a:t>
+                      </a:r>
+                    </a:p>
+                  </a:txBody>
+                  <a:tcPr>
+                    <a:lnL w="12700" cap="flat" cmpd="sng" algn="ctr">
+                      <a:solidFill>
+                        <a:schemeClr val="tx1"/>
+                      </a:solidFill>
+                      <a:prstDash val="solid"/>
+                      <a:round/>
+                      <a:headEnd type="none" w="med" len="med"/>
+                      <a:tailEnd type="none" w="med" len="med"/>
+                    </a:lnL>
+                    <a:lnR w="12700" cap="flat" cmpd="sng" algn="ctr">
+                      <a:solidFill>
+                        <a:schemeClr val="tx1"/>
+                      </a:solidFill>
+                      <a:prstDash val="solid"/>
+                      <a:round/>
+                      <a:headEnd type="none" w="med" len="med"/>
+                      <a:tailEnd type="none" w="med" len="med"/>
+                    </a:lnR>
+                    <a:lnT w="12700" cap="flat" cmpd="sng" algn="ctr">
+                      <a:solidFill>
+                        <a:schemeClr val="tx1"/>
+                      </a:solidFill>
+                      <a:prstDash val="solid"/>
+                      <a:round/>
+                      <a:headEnd type="none" w="med" len="med"/>
+                      <a:tailEnd type="none" w="med" len="med"/>
+                    </a:lnT>
+                    <a:lnB w="12700" cap="flat" cmpd="sng" algn="ctr">
+                      <a:solidFill>
+                        <a:schemeClr val="tx1"/>
+                      </a:solidFill>
+                      <a:prstDash val="solid"/>
+                      <a:round/>
+                      <a:headEnd type="none" w="med" len="med"/>
+                      <a:tailEnd type="none" w="med" len="med"/>
+                    </a:lnB>
+                  </a:tcPr>
+                </a:tc>
+                <a:tc>
+                  <a:txBody>
+                    <a:bodyPr/>
+                    <a:lstStyle/>
+                    <a:p>
+                      <a:pPr lvl="0" algn="ctr">
+                        <a:buNone/>
+                      </a:pPr>
+                      <a:r>
+                        <a:rPr lang="pt-PT" dirty="0"/>
+                        <a:t>YES</a:t>
+                      </a:r>
+                    </a:p>
+                  </a:txBody>
+                  <a:tcPr>
+                    <a:lnL w="12700" cap="flat" cmpd="sng" algn="ctr">
+                      <a:solidFill>
+                        <a:schemeClr val="tx1"/>
+                      </a:solidFill>
+                      <a:prstDash val="solid"/>
+                      <a:round/>
+                      <a:headEnd type="none" w="med" len="med"/>
+                      <a:tailEnd type="none" w="med" len="med"/>
+                    </a:lnL>
+                    <a:lnR w="12700" cap="flat" cmpd="sng" algn="ctr">
+                      <a:solidFill>
+                        <a:schemeClr val="tx1"/>
+                      </a:solidFill>
+                      <a:prstDash val="solid"/>
+                      <a:round/>
+                      <a:headEnd type="none" w="med" len="med"/>
+                      <a:tailEnd type="none" w="med" len="med"/>
+                    </a:lnR>
+                    <a:lnT w="12700" cap="flat" cmpd="sng" algn="ctr">
+                      <a:solidFill>
+                        <a:schemeClr val="tx1"/>
+                      </a:solidFill>
+                      <a:prstDash val="solid"/>
+                      <a:round/>
+                      <a:headEnd type="none" w="med" len="med"/>
+                      <a:tailEnd type="none" w="med" len="med"/>
+                    </a:lnT>
+                    <a:lnB w="12700" cap="flat" cmpd="sng" algn="ctr">
+                      <a:solidFill>
+                        <a:schemeClr val="tx1"/>
+                      </a:solidFill>
+                      <a:prstDash val="solid"/>
+                      <a:round/>
+                      <a:headEnd type="none" w="med" len="med"/>
+                      <a:tailEnd type="none" w="med" len="med"/>
+                    </a:lnB>
+                  </a:tcPr>
+                </a:tc>
+                <a:tc>
+                  <a:txBody>
+                    <a:bodyPr/>
+                    <a:lstStyle/>
+                    <a:p>
+                      <a:pPr lvl="0" algn="ctr">
+                        <a:buNone/>
+                      </a:pPr>
+                      <a:endParaRPr lang="pt-PT" dirty="0"/>
+                    </a:p>
+                  </a:txBody>
+                  <a:tcPr>
+                    <a:lnL w="12700" cap="flat" cmpd="sng" algn="ctr">
+                      <a:solidFill>
+                        <a:schemeClr val="tx1"/>
+                      </a:solidFill>
+                      <a:prstDash val="solid"/>
+                      <a:round/>
+                      <a:headEnd type="none" w="med" len="med"/>
+                      <a:tailEnd type="none" w="med" len="med"/>
+                    </a:lnL>
+                    <a:lnR w="12700" cap="flat" cmpd="sng" algn="ctr">
+                      <a:solidFill>
+                        <a:schemeClr val="tx1"/>
+                      </a:solidFill>
+                      <a:prstDash val="solid"/>
+                      <a:round/>
+                      <a:headEnd type="none" w="med" len="med"/>
+                      <a:tailEnd type="none" w="med" len="med"/>
+                    </a:lnR>
+                    <a:lnT w="12700" cap="flat" cmpd="sng" algn="ctr">
+                      <a:solidFill>
+                        <a:schemeClr val="tx1"/>
+                      </a:solidFill>
+                      <a:prstDash val="solid"/>
+                      <a:round/>
+                      <a:headEnd type="none" w="med" len="med"/>
+                      <a:tailEnd type="none" w="med" len="med"/>
+                    </a:lnT>
+                    <a:lnB w="12700" cap="flat" cmpd="sng" algn="ctr">
+                      <a:solidFill>
+                        <a:schemeClr val="tx1"/>
+                      </a:solidFill>
+                      <a:prstDash val="solid"/>
+                      <a:round/>
+                      <a:headEnd type="none" w="med" len="med"/>
+                      <a:tailEnd type="none" w="med" len="med"/>
+                    </a:lnB>
+                  </a:tcPr>
+                </a:tc>
+                <a:tc>
+                  <a:txBody>
+                    <a:bodyPr/>
+                    <a:lstStyle/>
+                    <a:p>
+                      <a:pPr lvl="0" algn="ctr">
+                        <a:buNone/>
+                      </a:pPr>
+                      <a:endParaRPr lang="pt-PT" dirty="0"/>
+                    </a:p>
+                  </a:txBody>
+                  <a:tcPr>
+                    <a:lnL w="12700" cap="flat" cmpd="sng" algn="ctr">
+                      <a:solidFill>
+                        <a:schemeClr val="tx1"/>
+                      </a:solidFill>
+                      <a:prstDash val="solid"/>
+                      <a:round/>
+                      <a:headEnd type="none" w="med" len="med"/>
+                      <a:tailEnd type="none" w="med" len="med"/>
+                    </a:lnL>
+                    <a:lnR w="12700" cap="flat" cmpd="sng" algn="ctr">
+                      <a:solidFill>
+                        <a:schemeClr val="tx1"/>
+                      </a:solidFill>
+                      <a:prstDash val="solid"/>
+                      <a:round/>
+                      <a:headEnd type="none" w="med" len="med"/>
+                      <a:tailEnd type="none" w="med" len="med"/>
+                    </a:lnR>
+                    <a:lnT w="12700" cap="flat" cmpd="sng" algn="ctr">
+                      <a:solidFill>
+                        <a:schemeClr val="tx1"/>
+                      </a:solidFill>
+                      <a:prstDash val="solid"/>
+                      <a:round/>
+                      <a:headEnd type="none" w="med" len="med"/>
+                      <a:tailEnd type="none" w="med" len="med"/>
+                    </a:lnT>
+                    <a:lnB w="12700" cap="flat" cmpd="sng" algn="ctr">
+                      <a:solidFill>
+                        <a:schemeClr val="tx1"/>
+                      </a:solidFill>
+                      <a:prstDash val="solid"/>
+                      <a:round/>
+                      <a:headEnd type="none" w="med" len="med"/>
+                      <a:tailEnd type="none" w="med" len="med"/>
+                    </a:lnB>
+                  </a:tcPr>
+                </a:tc>
+                <a:tc>
+                  <a:txBody>
+                    <a:bodyPr/>
+                    <a:lstStyle/>
+                    <a:p>
+                      <a:pPr lvl="0" algn="ctr">
+                        <a:buNone/>
+                      </a:pPr>
+                      <a:endParaRPr lang="pt-PT" dirty="0"/>
+                    </a:p>
+                  </a:txBody>
+                  <a:tcPr>
+                    <a:lnL w="12700" cap="flat" cmpd="sng" algn="ctr">
+                      <a:solidFill>
+                        <a:schemeClr val="tx1"/>
+                      </a:solidFill>
+                      <a:prstDash val="solid"/>
+                      <a:round/>
+                      <a:headEnd type="none" w="med" len="med"/>
+                      <a:tailEnd type="none" w="med" len="med"/>
+                    </a:lnL>
+                    <a:lnR w="12700" cap="flat" cmpd="sng" algn="ctr">
+                      <a:solidFill>
+                        <a:schemeClr val="tx1"/>
+                      </a:solidFill>
+                      <a:prstDash val="solid"/>
+                      <a:round/>
+                      <a:headEnd type="none" w="med" len="med"/>
+                      <a:tailEnd type="none" w="med" len="med"/>
+                    </a:lnR>
+                    <a:lnT w="12700" cap="flat" cmpd="sng" algn="ctr">
+                      <a:solidFill>
+                        <a:schemeClr val="tx1"/>
+                      </a:solidFill>
+                      <a:prstDash val="solid"/>
+                      <a:round/>
+                      <a:headEnd type="none" w="med" len="med"/>
+                      <a:tailEnd type="none" w="med" len="med"/>
+                    </a:lnT>
+                    <a:lnB w="12700" cap="flat" cmpd="sng" algn="ctr">
+                      <a:solidFill>
+                        <a:schemeClr val="tx1"/>
+                      </a:solidFill>
+                      <a:prstDash val="solid"/>
+                      <a:round/>
+                      <a:headEnd type="none" w="med" len="med"/>
+                      <a:tailEnd type="none" w="med" len="med"/>
+                    </a:lnB>
+                  </a:tcPr>
+                </a:tc>
+                <a:tc>
+                  <a:txBody>
+                    <a:bodyPr/>
+                    <a:lstStyle/>
+                    <a:p>
+                      <a:pPr lvl="0" algn="ctr">
+                        <a:buNone/>
+                      </a:pPr>
+                      <a:r>
+                        <a:rPr lang="pt-PT" dirty="0"/>
+                        <a:t>X</a:t>
+                      </a:r>
+                    </a:p>
+                  </a:txBody>
+                  <a:tcPr>
+                    <a:lnL w="12700" cap="flat" cmpd="sng" algn="ctr">
+                      <a:solidFill>
+                        <a:schemeClr val="tx1"/>
+                      </a:solidFill>
+                      <a:prstDash val="solid"/>
+                      <a:round/>
+                      <a:headEnd type="none" w="med" len="med"/>
+                      <a:tailEnd type="none" w="med" len="med"/>
+                    </a:lnL>
+                    <a:lnR w="12700" cap="flat" cmpd="sng" algn="ctr">
+                      <a:solidFill>
+                        <a:schemeClr val="tx1"/>
+                      </a:solidFill>
+                      <a:prstDash val="solid"/>
+                      <a:round/>
+                      <a:headEnd type="none" w="med" len="med"/>
+                      <a:tailEnd type="none" w="med" len="med"/>
+                    </a:lnR>
+                    <a:lnT w="12700" cap="flat" cmpd="sng" algn="ctr">
+                      <a:solidFill>
+                        <a:schemeClr val="tx1"/>
+                      </a:solidFill>
+                      <a:prstDash val="solid"/>
+                      <a:round/>
+                      <a:headEnd type="none" w="med" len="med"/>
+                      <a:tailEnd type="none" w="med" len="med"/>
+                    </a:lnT>
+                    <a:lnB w="12700" cap="flat" cmpd="sng" algn="ctr">
+                      <a:solidFill>
+                        <a:schemeClr val="tx1"/>
+                      </a:solidFill>
+                      <a:prstDash val="solid"/>
+                      <a:round/>
+                      <a:headEnd type="none" w="med" len="med"/>
+                      <a:tailEnd type="none" w="med" len="med"/>
+                    </a:lnB>
+                  </a:tcPr>
+                </a:tc>
+                <a:tc>
+                  <a:txBody>
+                    <a:bodyPr/>
+                    <a:lstStyle/>
+                    <a:p>
+                      <a:pPr lvl="0" algn="ctr">
+                        <a:buNone/>
+                      </a:pPr>
+                      <a:endParaRPr lang="pt-PT" dirty="0"/>
+                    </a:p>
+                  </a:txBody>
+                  <a:tcPr>
+                    <a:lnL w="12700" cap="flat" cmpd="sng" algn="ctr">
+                      <a:solidFill>
+                        <a:schemeClr val="tx1"/>
+                      </a:solidFill>
+                      <a:prstDash val="solid"/>
+                      <a:round/>
+                      <a:headEnd type="none" w="med" len="med"/>
+                      <a:tailEnd type="none" w="med" len="med"/>
+                    </a:lnL>
+                    <a:lnR w="12700" cap="flat" cmpd="sng" algn="ctr">
+                      <a:solidFill>
+                        <a:schemeClr val="tx1"/>
+                      </a:solidFill>
+                      <a:prstDash val="solid"/>
+                      <a:round/>
+                      <a:headEnd type="none" w="med" len="med"/>
+                      <a:tailEnd type="none" w="med" len="med"/>
+                    </a:lnR>
+                    <a:lnT w="12700" cap="flat" cmpd="sng" algn="ctr">
+                      <a:solidFill>
+                        <a:schemeClr val="tx1"/>
+                      </a:solidFill>
+                      <a:prstDash val="solid"/>
+                      <a:round/>
+                      <a:headEnd type="none" w="med" len="med"/>
+                      <a:tailEnd type="none" w="med" len="med"/>
+                    </a:lnT>
+                    <a:lnB w="12700" cap="flat" cmpd="sng" algn="ctr">
+                      <a:solidFill>
+                        <a:schemeClr val="tx1"/>
+                      </a:solidFill>
+                      <a:prstDash val="solid"/>
+                      <a:round/>
+                      <a:headEnd type="none" w="med" len="med"/>
+                      <a:tailEnd type="none" w="med" len="med"/>
+                    </a:lnB>
+                  </a:tcPr>
+                </a:tc>
+                <a:extLst>
+                  <a:ext uri="{0D108BD9-81ED-4DB2-BD59-A6C34878D82A}">
+                    <a16:rowId xmlns:a16="http://schemas.microsoft.com/office/drawing/2014/main" val="2843102962"/>
+                  </a:ext>
+                </a:extLst>
+              </a:tr>
+              <a:tr h="336847">
+                <a:tc>
+                  <a:txBody>
+                    <a:bodyPr/>
+                    <a:lstStyle/>
+                    <a:p>
+                      <a:pPr lvl="0">
+                        <a:buNone/>
+                      </a:pPr>
+                      <a:r>
+                        <a:rPr lang="pt-PT" dirty="0"/>
+                        <a:t>US 318</a:t>
+                      </a:r>
+                    </a:p>
+                  </a:txBody>
+                  <a:tcPr>
+                    <a:lnL w="12700" cap="flat" cmpd="sng" algn="ctr">
+                      <a:solidFill>
+                        <a:schemeClr val="tx1"/>
+                      </a:solidFill>
+                      <a:prstDash val="solid"/>
+                      <a:round/>
+                      <a:headEnd type="none" w="med" len="med"/>
+                      <a:tailEnd type="none" w="med" len="med"/>
+                    </a:lnL>
+                    <a:lnR w="12700" cap="flat" cmpd="sng" algn="ctr">
+                      <a:solidFill>
+                        <a:schemeClr val="tx1"/>
+                      </a:solidFill>
+                      <a:prstDash val="solid"/>
+                      <a:round/>
+                      <a:headEnd type="none" w="med" len="med"/>
+                      <a:tailEnd type="none" w="med" len="med"/>
+                    </a:lnR>
+                    <a:lnT w="12700" cap="flat" cmpd="sng" algn="ctr">
+                      <a:solidFill>
+                        <a:schemeClr val="tx1"/>
+                      </a:solidFill>
+                      <a:prstDash val="solid"/>
+                      <a:round/>
+                      <a:headEnd type="none" w="med" len="med"/>
+                      <a:tailEnd type="none" w="med" len="med"/>
+                    </a:lnT>
+                    <a:lnB w="12700" cap="flat" cmpd="sng" algn="ctr">
+                      <a:solidFill>
+                        <a:schemeClr val="tx1"/>
+                      </a:solidFill>
+                      <a:prstDash val="solid"/>
+                      <a:round/>
+                      <a:headEnd type="none" w="med" len="med"/>
+                      <a:tailEnd type="none" w="med" len="med"/>
+                    </a:lnB>
+                  </a:tcPr>
+                </a:tc>
+                <a:tc>
+                  <a:txBody>
+                    <a:bodyPr/>
+                    <a:lstStyle/>
+                    <a:p>
+                      <a:pPr lvl="0" algn="ctr">
+                        <a:buNone/>
+                      </a:pPr>
+                      <a:r>
+                        <a:rPr lang="pt-PT" dirty="0"/>
+                        <a:t>YES</a:t>
+                      </a:r>
+                    </a:p>
+                  </a:txBody>
+                  <a:tcPr>
+                    <a:lnL w="12700" cap="flat" cmpd="sng" algn="ctr">
+                      <a:solidFill>
+                        <a:schemeClr val="tx1"/>
+                      </a:solidFill>
+                      <a:prstDash val="solid"/>
+                      <a:round/>
+                      <a:headEnd type="none" w="med" len="med"/>
+                      <a:tailEnd type="none" w="med" len="med"/>
+                    </a:lnL>
+                    <a:lnR w="12700" cap="flat" cmpd="sng" algn="ctr">
+                      <a:solidFill>
+                        <a:schemeClr val="tx1"/>
+                      </a:solidFill>
+                      <a:prstDash val="solid"/>
+                      <a:round/>
+                      <a:headEnd type="none" w="med" len="med"/>
+                      <a:tailEnd type="none" w="med" len="med"/>
+                    </a:lnR>
+                    <a:lnT w="12700" cap="flat" cmpd="sng" algn="ctr">
+                      <a:solidFill>
+                        <a:schemeClr val="tx1"/>
+                      </a:solidFill>
+                      <a:prstDash val="solid"/>
+                      <a:round/>
+                      <a:headEnd type="none" w="med" len="med"/>
+                      <a:tailEnd type="none" w="med" len="med"/>
+                    </a:lnT>
+                    <a:lnB w="12700" cap="flat" cmpd="sng" algn="ctr">
+                      <a:solidFill>
+                        <a:schemeClr val="tx1"/>
+                      </a:solidFill>
+                      <a:prstDash val="solid"/>
+                      <a:round/>
+                      <a:headEnd type="none" w="med" len="med"/>
+                      <a:tailEnd type="none" w="med" len="med"/>
+                    </a:lnB>
+                  </a:tcPr>
+                </a:tc>
+                <a:tc>
+                  <a:txBody>
+                    <a:bodyPr/>
+                    <a:lstStyle/>
+                    <a:p>
+                      <a:pPr lvl="0" algn="ctr">
+                        <a:buNone/>
+                      </a:pPr>
+                      <a:endParaRPr lang="pt-PT" dirty="0"/>
+                    </a:p>
+                  </a:txBody>
+                  <a:tcPr>
+                    <a:lnL w="12700" cap="flat" cmpd="sng" algn="ctr">
+                      <a:solidFill>
+                        <a:schemeClr val="tx1"/>
+                      </a:solidFill>
+                      <a:prstDash val="solid"/>
+                      <a:round/>
+                      <a:headEnd type="none" w="med" len="med"/>
+                      <a:tailEnd type="none" w="med" len="med"/>
+                    </a:lnL>
+                    <a:lnR w="12700" cap="flat" cmpd="sng" algn="ctr">
+                      <a:solidFill>
+                        <a:schemeClr val="tx1"/>
+                      </a:solidFill>
+                      <a:prstDash val="solid"/>
+                      <a:round/>
+                      <a:headEnd type="none" w="med" len="med"/>
+                      <a:tailEnd type="none" w="med" len="med"/>
+                    </a:lnR>
+                    <a:lnT w="12700" cap="flat" cmpd="sng" algn="ctr">
+                      <a:solidFill>
+                        <a:schemeClr val="tx1"/>
+                      </a:solidFill>
+                      <a:prstDash val="solid"/>
+                      <a:round/>
+                      <a:headEnd type="none" w="med" len="med"/>
+                      <a:tailEnd type="none" w="med" len="med"/>
+                    </a:lnT>
+                    <a:lnB w="12700" cap="flat" cmpd="sng" algn="ctr">
+                      <a:solidFill>
+                        <a:schemeClr val="tx1"/>
+                      </a:solidFill>
+                      <a:prstDash val="solid"/>
+                      <a:round/>
+                      <a:headEnd type="none" w="med" len="med"/>
+                      <a:tailEnd type="none" w="med" len="med"/>
+                    </a:lnB>
+                  </a:tcPr>
+                </a:tc>
+                <a:tc>
+                  <a:txBody>
+                    <a:bodyPr/>
+                    <a:lstStyle/>
+                    <a:p>
+                      <a:pPr lvl="0" algn="ctr">
+                        <a:buNone/>
+                      </a:pPr>
+                      <a:endParaRPr lang="pt-PT" dirty="0"/>
+                    </a:p>
+                  </a:txBody>
+                  <a:tcPr>
+                    <a:lnL w="12700" cap="flat" cmpd="sng" algn="ctr">
+                      <a:solidFill>
+                        <a:schemeClr val="tx1"/>
+                      </a:solidFill>
+                      <a:prstDash val="solid"/>
+                      <a:round/>
+                      <a:headEnd type="none" w="med" len="med"/>
+                      <a:tailEnd type="none" w="med" len="med"/>
+                    </a:lnL>
+                    <a:lnR w="12700" cap="flat" cmpd="sng" algn="ctr">
+                      <a:solidFill>
+                        <a:schemeClr val="tx1"/>
+                      </a:solidFill>
+                      <a:prstDash val="solid"/>
+                      <a:round/>
+                      <a:headEnd type="none" w="med" len="med"/>
+                      <a:tailEnd type="none" w="med" len="med"/>
+                    </a:lnR>
+                    <a:lnT w="12700" cap="flat" cmpd="sng" algn="ctr">
+                      <a:solidFill>
+                        <a:schemeClr val="tx1"/>
+                      </a:solidFill>
+                      <a:prstDash val="solid"/>
+                      <a:round/>
+                      <a:headEnd type="none" w="med" len="med"/>
+                      <a:tailEnd type="none" w="med" len="med"/>
+                    </a:lnT>
+                    <a:lnB w="12700" cap="flat" cmpd="sng" algn="ctr">
+                      <a:solidFill>
+                        <a:schemeClr val="tx1"/>
+                      </a:solidFill>
+                      <a:prstDash val="solid"/>
+                      <a:round/>
+                      <a:headEnd type="none" w="med" len="med"/>
+                      <a:tailEnd type="none" w="med" len="med"/>
+                    </a:lnB>
+                  </a:tcPr>
+                </a:tc>
+                <a:tc>
+                  <a:txBody>
+                    <a:bodyPr/>
+                    <a:lstStyle/>
+                    <a:p>
+                      <a:pPr lvl="0" algn="ctr">
+                        <a:buNone/>
+                      </a:pPr>
+                      <a:endParaRPr lang="pt-PT" dirty="0"/>
+                    </a:p>
+                  </a:txBody>
+                  <a:tcPr>
+                    <a:lnL w="12700" cap="flat" cmpd="sng" algn="ctr">
+                      <a:solidFill>
+                        <a:schemeClr val="tx1"/>
+                      </a:solidFill>
+                      <a:prstDash val="solid"/>
+                      <a:round/>
+                      <a:headEnd type="none" w="med" len="med"/>
+                      <a:tailEnd type="none" w="med" len="med"/>
+                    </a:lnL>
+                    <a:lnR w="12700" cap="flat" cmpd="sng" algn="ctr">
+                      <a:solidFill>
+                        <a:schemeClr val="tx1"/>
+                      </a:solidFill>
+                      <a:prstDash val="solid"/>
+                      <a:round/>
+                      <a:headEnd type="none" w="med" len="med"/>
+                      <a:tailEnd type="none" w="med" len="med"/>
+                    </a:lnR>
+                    <a:lnT w="12700" cap="flat" cmpd="sng" algn="ctr">
+                      <a:solidFill>
+                        <a:schemeClr val="tx1"/>
+                      </a:solidFill>
+                      <a:prstDash val="solid"/>
+                      <a:round/>
+                      <a:headEnd type="none" w="med" len="med"/>
+                      <a:tailEnd type="none" w="med" len="med"/>
+                    </a:lnT>
+                    <a:lnB w="12700" cap="flat" cmpd="sng" algn="ctr">
+                      <a:solidFill>
+                        <a:schemeClr val="tx1"/>
+                      </a:solidFill>
+                      <a:prstDash val="solid"/>
+                      <a:round/>
+                      <a:headEnd type="none" w="med" len="med"/>
+                      <a:tailEnd type="none" w="med" len="med"/>
+                    </a:lnB>
+                  </a:tcPr>
+                </a:tc>
+                <a:tc>
+                  <a:txBody>
+                    <a:bodyPr/>
+                    <a:lstStyle/>
+                    <a:p>
+                      <a:pPr lvl="0" algn="ctr">
+                        <a:buNone/>
+                      </a:pPr>
+                      <a:r>
+                        <a:rPr lang="pt-PT" dirty="0"/>
+                        <a:t>X</a:t>
+                      </a:r>
+                    </a:p>
+                  </a:txBody>
+                  <a:tcPr>
+                    <a:lnL w="12700" cap="flat" cmpd="sng" algn="ctr">
+                      <a:solidFill>
+                        <a:schemeClr val="tx1"/>
+                      </a:solidFill>
+                      <a:prstDash val="solid"/>
+                      <a:round/>
+                      <a:headEnd type="none" w="med" len="med"/>
+                      <a:tailEnd type="none" w="med" len="med"/>
+                    </a:lnL>
+                    <a:lnR w="12700" cap="flat" cmpd="sng" algn="ctr">
+                      <a:solidFill>
+                        <a:schemeClr val="tx1"/>
+                      </a:solidFill>
+                      <a:prstDash val="solid"/>
+                      <a:round/>
+                      <a:headEnd type="none" w="med" len="med"/>
+                      <a:tailEnd type="none" w="med" len="med"/>
+                    </a:lnR>
+                    <a:lnT w="12700" cap="flat" cmpd="sng" algn="ctr">
+                      <a:solidFill>
+                        <a:schemeClr val="tx1"/>
+                      </a:solidFill>
+                      <a:prstDash val="solid"/>
+                      <a:round/>
+                      <a:headEnd type="none" w="med" len="med"/>
+                      <a:tailEnd type="none" w="med" len="med"/>
+                    </a:lnT>
+                    <a:lnB w="12700" cap="flat" cmpd="sng" algn="ctr">
+                      <a:solidFill>
+                        <a:schemeClr val="tx1"/>
+                      </a:solidFill>
+                      <a:prstDash val="solid"/>
+                      <a:round/>
+                      <a:headEnd type="none" w="med" len="med"/>
+                      <a:tailEnd type="none" w="med" len="med"/>
+                    </a:lnB>
+                  </a:tcPr>
+                </a:tc>
+                <a:tc>
+                  <a:txBody>
+                    <a:bodyPr/>
+                    <a:lstStyle/>
+                    <a:p>
+                      <a:pPr lvl="0" algn="ctr">
+                        <a:buNone/>
+                      </a:pPr>
+                      <a:endParaRPr lang="pt-PT" dirty="0"/>
+                    </a:p>
+                  </a:txBody>
+                  <a:tcPr>
+                    <a:lnL w="12700" cap="flat" cmpd="sng" algn="ctr">
+                      <a:solidFill>
+                        <a:schemeClr val="tx1"/>
+                      </a:solidFill>
+                      <a:prstDash val="solid"/>
+                      <a:round/>
+                      <a:headEnd type="none" w="med" len="med"/>
+                      <a:tailEnd type="none" w="med" len="med"/>
+                    </a:lnL>
+                    <a:lnR w="12700" cap="flat" cmpd="sng" algn="ctr">
+                      <a:solidFill>
+                        <a:schemeClr val="tx1"/>
+                      </a:solidFill>
+                      <a:prstDash val="solid"/>
+                      <a:round/>
+                      <a:headEnd type="none" w="med" len="med"/>
+                      <a:tailEnd type="none" w="med" len="med"/>
+                    </a:lnR>
+                    <a:lnT w="12700" cap="flat" cmpd="sng" algn="ctr">
+                      <a:solidFill>
+                        <a:schemeClr val="tx1"/>
+                      </a:solidFill>
+                      <a:prstDash val="solid"/>
+                      <a:round/>
+                      <a:headEnd type="none" w="med" len="med"/>
+                      <a:tailEnd type="none" w="med" len="med"/>
+                    </a:lnT>
+                    <a:lnB w="12700" cap="flat" cmpd="sng" algn="ctr">
+                      <a:solidFill>
+                        <a:schemeClr val="tx1"/>
+                      </a:solidFill>
+                      <a:prstDash val="solid"/>
+                      <a:round/>
+                      <a:headEnd type="none" w="med" len="med"/>
+                      <a:tailEnd type="none" w="med" len="med"/>
+                    </a:lnB>
+                  </a:tcPr>
+                </a:tc>
+                <a:extLst>
+                  <a:ext uri="{0D108BD9-81ED-4DB2-BD59-A6C34878D82A}">
+                    <a16:rowId xmlns:a16="http://schemas.microsoft.com/office/drawing/2014/main" val="4118989459"/>
+                  </a:ext>
+                </a:extLst>
+              </a:tr>
+              <a:tr h="336847">
+                <a:tc>
+                  <a:txBody>
+                    <a:bodyPr/>
+                    <a:lstStyle/>
+                    <a:p>
+                      <a:pPr lvl="0">
+                        <a:buNone/>
+                      </a:pPr>
+                      <a:r>
+                        <a:rPr lang="pt-PT" dirty="0"/>
+                        <a:t>US 319</a:t>
+                      </a:r>
+                    </a:p>
+                  </a:txBody>
+                  <a:tcPr>
+                    <a:lnL w="12700" cap="flat" cmpd="sng" algn="ctr">
+                      <a:solidFill>
+                        <a:schemeClr val="tx1"/>
+                      </a:solidFill>
+                      <a:prstDash val="solid"/>
+                      <a:round/>
+                      <a:headEnd type="none" w="med" len="med"/>
+                      <a:tailEnd type="none" w="med" len="med"/>
+                    </a:lnL>
+                    <a:lnR w="12700" cap="flat" cmpd="sng" algn="ctr">
+                      <a:solidFill>
+                        <a:schemeClr val="tx1"/>
+                      </a:solidFill>
+                      <a:prstDash val="solid"/>
+                      <a:round/>
+                      <a:headEnd type="none" w="med" len="med"/>
+                      <a:tailEnd type="none" w="med" len="med"/>
+                    </a:lnR>
+                    <a:lnT w="12700" cap="flat" cmpd="sng" algn="ctr">
+                      <a:solidFill>
+                        <a:schemeClr val="tx1"/>
+                      </a:solidFill>
+                      <a:prstDash val="solid"/>
+                      <a:round/>
+                      <a:headEnd type="none" w="med" len="med"/>
+                      <a:tailEnd type="none" w="med" len="med"/>
+                    </a:lnT>
+                    <a:lnB w="12700" cap="flat" cmpd="sng" algn="ctr">
+                      <a:solidFill>
+                        <a:schemeClr val="tx1"/>
+                      </a:solidFill>
+                      <a:prstDash val="solid"/>
+                      <a:round/>
+                      <a:headEnd type="none" w="med" len="med"/>
+                      <a:tailEnd type="none" w="med" len="med"/>
+                    </a:lnB>
+                  </a:tcPr>
+                </a:tc>
+                <a:tc>
+                  <a:txBody>
+                    <a:bodyPr/>
+                    <a:lstStyle/>
+                    <a:p>
+                      <a:pPr lvl="0" algn="ctr">
+                        <a:buNone/>
+                      </a:pPr>
+                      <a:r>
+                        <a:rPr lang="pt-PT" dirty="0"/>
+                        <a:t>YES</a:t>
+                      </a:r>
+                    </a:p>
+                  </a:txBody>
+                  <a:tcPr>
+                    <a:lnL w="12700" cap="flat" cmpd="sng" algn="ctr">
+                      <a:solidFill>
+                        <a:schemeClr val="tx1"/>
+                      </a:solidFill>
+                      <a:prstDash val="solid"/>
+                      <a:round/>
+                      <a:headEnd type="none" w="med" len="med"/>
+                      <a:tailEnd type="none" w="med" len="med"/>
+                    </a:lnL>
+                    <a:lnR w="12700" cap="flat" cmpd="sng" algn="ctr">
+                      <a:solidFill>
+                        <a:schemeClr val="tx1"/>
+                      </a:solidFill>
+                      <a:prstDash val="solid"/>
+                      <a:round/>
+                      <a:headEnd type="none" w="med" len="med"/>
+                      <a:tailEnd type="none" w="med" len="med"/>
+                    </a:lnR>
+                    <a:lnT w="12700" cap="flat" cmpd="sng" algn="ctr">
+                      <a:solidFill>
+                        <a:schemeClr val="tx1"/>
+                      </a:solidFill>
+                      <a:prstDash val="solid"/>
+                      <a:round/>
+                      <a:headEnd type="none" w="med" len="med"/>
+                      <a:tailEnd type="none" w="med" len="med"/>
+                    </a:lnT>
+                    <a:lnB w="12700" cap="flat" cmpd="sng" algn="ctr">
+                      <a:solidFill>
+                        <a:schemeClr val="tx1"/>
+                      </a:solidFill>
+                      <a:prstDash val="solid"/>
+                      <a:round/>
+                      <a:headEnd type="none" w="med" len="med"/>
+                      <a:tailEnd type="none" w="med" len="med"/>
+                    </a:lnB>
+                  </a:tcPr>
+                </a:tc>
+                <a:tc>
+                  <a:txBody>
+                    <a:bodyPr/>
+                    <a:lstStyle/>
+                    <a:p>
+                      <a:pPr lvl="0" algn="ctr">
+                        <a:buNone/>
+                      </a:pPr>
+                      <a:endParaRPr lang="pt-PT" dirty="0"/>
+                    </a:p>
+                  </a:txBody>
+                  <a:tcPr>
+                    <a:lnL w="12700" cap="flat" cmpd="sng" algn="ctr">
+                      <a:solidFill>
+                        <a:schemeClr val="tx1"/>
+                      </a:solidFill>
+                      <a:prstDash val="solid"/>
+                      <a:round/>
+                      <a:headEnd type="none" w="med" len="med"/>
+                      <a:tailEnd type="none" w="med" len="med"/>
+                    </a:lnL>
+                    <a:lnR w="12700" cap="flat" cmpd="sng" algn="ctr">
+                      <a:solidFill>
+                        <a:schemeClr val="tx1"/>
+                      </a:solidFill>
+                      <a:prstDash val="solid"/>
+                      <a:round/>
+                      <a:headEnd type="none" w="med" len="med"/>
+                      <a:tailEnd type="none" w="med" len="med"/>
+                    </a:lnR>
+                    <a:lnT w="12700" cap="flat" cmpd="sng" algn="ctr">
+                      <a:solidFill>
+                        <a:schemeClr val="tx1"/>
+                      </a:solidFill>
+                      <a:prstDash val="solid"/>
+                      <a:round/>
+                      <a:headEnd type="none" w="med" len="med"/>
+                      <a:tailEnd type="none" w="med" len="med"/>
+                    </a:lnT>
+                    <a:lnB w="12700" cap="flat" cmpd="sng" algn="ctr">
+                      <a:solidFill>
+                        <a:schemeClr val="tx1"/>
+                      </a:solidFill>
+                      <a:prstDash val="solid"/>
+                      <a:round/>
+                      <a:headEnd type="none" w="med" len="med"/>
+                      <a:tailEnd type="none" w="med" len="med"/>
+                    </a:lnB>
+                  </a:tcPr>
+                </a:tc>
+                <a:tc>
+                  <a:txBody>
+                    <a:bodyPr/>
+                    <a:lstStyle/>
+                    <a:p>
+                      <a:pPr lvl="0" algn="ctr">
+                        <a:buNone/>
+                      </a:pPr>
+                      <a:endParaRPr lang="pt-PT" dirty="0"/>
+                    </a:p>
+                  </a:txBody>
+                  <a:tcPr>
+                    <a:lnL w="12700" cap="flat" cmpd="sng" algn="ctr">
+                      <a:solidFill>
+                        <a:schemeClr val="tx1"/>
+                      </a:solidFill>
+                      <a:prstDash val="solid"/>
+                      <a:round/>
+                      <a:headEnd type="none" w="med" len="med"/>
+                      <a:tailEnd type="none" w="med" len="med"/>
+                    </a:lnL>
+                    <a:lnR w="12700" cap="flat" cmpd="sng" algn="ctr">
+                      <a:solidFill>
+                        <a:schemeClr val="tx1"/>
+                      </a:solidFill>
+                      <a:prstDash val="solid"/>
+                      <a:round/>
+                      <a:headEnd type="none" w="med" len="med"/>
+                      <a:tailEnd type="none" w="med" len="med"/>
+                    </a:lnR>
+                    <a:lnT w="12700" cap="flat" cmpd="sng" algn="ctr">
+                      <a:solidFill>
+                        <a:schemeClr val="tx1"/>
+                      </a:solidFill>
+                      <a:prstDash val="solid"/>
+                      <a:round/>
+                      <a:headEnd type="none" w="med" len="med"/>
+                      <a:tailEnd type="none" w="med" len="med"/>
+                    </a:lnT>
+                    <a:lnB w="12700" cap="flat" cmpd="sng" algn="ctr">
+                      <a:solidFill>
+                        <a:schemeClr val="tx1"/>
+                      </a:solidFill>
+                      <a:prstDash val="solid"/>
+                      <a:round/>
+                      <a:headEnd type="none" w="med" len="med"/>
+                      <a:tailEnd type="none" w="med" len="med"/>
+                    </a:lnB>
+                  </a:tcPr>
+                </a:tc>
+                <a:tc>
+                  <a:txBody>
+                    <a:bodyPr/>
+                    <a:lstStyle/>
+                    <a:p>
+                      <a:pPr lvl="0" algn="ctr">
+                        <a:buNone/>
+                      </a:pPr>
+                      <a:endParaRPr lang="pt-PT" dirty="0"/>
+                    </a:p>
+                  </a:txBody>
+                  <a:tcPr>
+                    <a:lnL w="12700" cap="flat" cmpd="sng" algn="ctr">
+                      <a:solidFill>
+                        <a:schemeClr val="tx1"/>
+                      </a:solidFill>
+                      <a:prstDash val="solid"/>
+                      <a:round/>
+                      <a:headEnd type="none" w="med" len="med"/>
+                      <a:tailEnd type="none" w="med" len="med"/>
+                    </a:lnL>
+                    <a:lnR w="12700" cap="flat" cmpd="sng" algn="ctr">
+                      <a:solidFill>
+                        <a:schemeClr val="tx1"/>
+                      </a:solidFill>
+                      <a:prstDash val="solid"/>
+                      <a:round/>
+                      <a:headEnd type="none" w="med" len="med"/>
+                      <a:tailEnd type="none" w="med" len="med"/>
+                    </a:lnR>
+                    <a:lnT w="12700" cap="flat" cmpd="sng" algn="ctr">
+                      <a:solidFill>
+                        <a:schemeClr val="tx1"/>
+                      </a:solidFill>
+                      <a:prstDash val="solid"/>
+                      <a:round/>
+                      <a:headEnd type="none" w="med" len="med"/>
+                      <a:tailEnd type="none" w="med" len="med"/>
+                    </a:lnT>
+                    <a:lnB w="12700" cap="flat" cmpd="sng" algn="ctr">
+                      <a:solidFill>
+                        <a:schemeClr val="tx1"/>
+                      </a:solidFill>
+                      <a:prstDash val="solid"/>
+                      <a:round/>
+                      <a:headEnd type="none" w="med" len="med"/>
+                      <a:tailEnd type="none" w="med" len="med"/>
+                    </a:lnB>
+                  </a:tcPr>
+                </a:tc>
+                <a:tc>
+                  <a:txBody>
+                    <a:bodyPr/>
+                    <a:lstStyle/>
+                    <a:p>
+                      <a:pPr lvl="0" algn="ctr">
+                        <a:buNone/>
+                      </a:pPr>
+                      <a:r>
+                        <a:rPr lang="pt-PT" dirty="0"/>
+                        <a:t>X</a:t>
+                      </a:r>
+                    </a:p>
+                  </a:txBody>
+                  <a:tcPr>
+                    <a:lnL w="12700" cap="flat" cmpd="sng" algn="ctr">
+                      <a:solidFill>
+                        <a:schemeClr val="tx1"/>
+                      </a:solidFill>
+                      <a:prstDash val="solid"/>
+                      <a:round/>
+                      <a:headEnd type="none" w="med" len="med"/>
+                      <a:tailEnd type="none" w="med" len="med"/>
+                    </a:lnL>
+                    <a:lnR w="12700" cap="flat" cmpd="sng" algn="ctr">
+                      <a:solidFill>
+                        <a:schemeClr val="tx1"/>
+                      </a:solidFill>
+                      <a:prstDash val="solid"/>
+                      <a:round/>
+                      <a:headEnd type="none" w="med" len="med"/>
+                      <a:tailEnd type="none" w="med" len="med"/>
+                    </a:lnR>
+                    <a:lnT w="12700" cap="flat" cmpd="sng" algn="ctr">
+                      <a:solidFill>
+                        <a:schemeClr val="tx1"/>
+                      </a:solidFill>
+                      <a:prstDash val="solid"/>
+                      <a:round/>
+                      <a:headEnd type="none" w="med" len="med"/>
+                      <a:tailEnd type="none" w="med" len="med"/>
+                    </a:lnT>
+                    <a:lnB w="12700" cap="flat" cmpd="sng" algn="ctr">
+                      <a:solidFill>
+                        <a:schemeClr val="tx1"/>
+                      </a:solidFill>
+                      <a:prstDash val="solid"/>
+                      <a:round/>
+                      <a:headEnd type="none" w="med" len="med"/>
+                      <a:tailEnd type="none" w="med" len="med"/>
+                    </a:lnB>
+                  </a:tcPr>
+                </a:tc>
+                <a:tc>
+                  <a:txBody>
+                    <a:bodyPr/>
+                    <a:lstStyle/>
+                    <a:p>
+                      <a:pPr lvl="0" algn="ctr">
+                        <a:buNone/>
+                      </a:pPr>
+                      <a:endParaRPr lang="pt-PT" dirty="0"/>
+                    </a:p>
+                  </a:txBody>
+                  <a:tcPr>
+                    <a:lnL w="12700" cap="flat" cmpd="sng" algn="ctr">
+                      <a:solidFill>
+                        <a:schemeClr val="tx1"/>
+                      </a:solidFill>
+                      <a:prstDash val="solid"/>
+                      <a:round/>
+                      <a:headEnd type="none" w="med" len="med"/>
+                      <a:tailEnd type="none" w="med" len="med"/>
+                    </a:lnL>
+                    <a:lnR w="12700" cap="flat" cmpd="sng" algn="ctr">
+                      <a:solidFill>
+                        <a:schemeClr val="tx1"/>
+                      </a:solidFill>
+                      <a:prstDash val="solid"/>
+                      <a:round/>
+                      <a:headEnd type="none" w="med" len="med"/>
+                      <a:tailEnd type="none" w="med" len="med"/>
+                    </a:lnR>
+                    <a:lnT w="12700" cap="flat" cmpd="sng" algn="ctr">
+                      <a:solidFill>
+                        <a:schemeClr val="tx1"/>
+                      </a:solidFill>
+                      <a:prstDash val="solid"/>
+                      <a:round/>
+                      <a:headEnd type="none" w="med" len="med"/>
+                      <a:tailEnd type="none" w="med" len="med"/>
+                    </a:lnT>
+                    <a:lnB w="12700" cap="flat" cmpd="sng" algn="ctr">
+                      <a:solidFill>
+                        <a:schemeClr val="tx1"/>
+                      </a:solidFill>
+                      <a:prstDash val="solid"/>
+                      <a:round/>
+                      <a:headEnd type="none" w="med" len="med"/>
+                      <a:tailEnd type="none" w="med" len="med"/>
+                    </a:lnB>
+                  </a:tcPr>
+                </a:tc>
+                <a:extLst>
+                  <a:ext uri="{0D108BD9-81ED-4DB2-BD59-A6C34878D82A}">
+                    <a16:rowId xmlns:a16="http://schemas.microsoft.com/office/drawing/2014/main" val="428109061"/>
+                  </a:ext>
+                </a:extLst>
+              </a:tr>
+              <a:tr h="336847">
+                <a:tc>
+                  <a:txBody>
+                    <a:bodyPr/>
+                    <a:lstStyle/>
+                    <a:p>
+                      <a:pPr lvl="0">
+                        <a:buNone/>
+                      </a:pPr>
+                      <a:r>
+                        <a:rPr lang="pt-PT" dirty="0"/>
+                        <a:t>US 320</a:t>
+                      </a:r>
+                    </a:p>
+                  </a:txBody>
+                  <a:tcPr>
+                    <a:lnL w="12700" cap="flat" cmpd="sng" algn="ctr">
+                      <a:solidFill>
+                        <a:schemeClr val="tx1"/>
+                      </a:solidFill>
+                      <a:prstDash val="solid"/>
+                      <a:round/>
+                      <a:headEnd type="none" w="med" len="med"/>
+                      <a:tailEnd type="none" w="med" len="med"/>
+                    </a:lnL>
+                    <a:lnR w="12700" cap="flat" cmpd="sng" algn="ctr">
+                      <a:solidFill>
+                        <a:schemeClr val="tx1"/>
+                      </a:solidFill>
+                      <a:prstDash val="solid"/>
+                      <a:round/>
+                      <a:headEnd type="none" w="med" len="med"/>
+                      <a:tailEnd type="none" w="med" len="med"/>
+                    </a:lnR>
+                    <a:lnT w="12700" cap="flat" cmpd="sng" algn="ctr">
+                      <a:solidFill>
+                        <a:schemeClr val="tx1"/>
+                      </a:solidFill>
+                      <a:prstDash val="solid"/>
+                      <a:round/>
+                      <a:headEnd type="none" w="med" len="med"/>
+                      <a:tailEnd type="none" w="med" len="med"/>
+                    </a:lnT>
+                    <a:lnB w="12700" cap="flat" cmpd="sng" algn="ctr">
+                      <a:solidFill>
+                        <a:schemeClr val="tx1"/>
+                      </a:solidFill>
+                      <a:prstDash val="solid"/>
+                      <a:round/>
+                      <a:headEnd type="none" w="med" len="med"/>
+                      <a:tailEnd type="none" w="med" len="med"/>
+                    </a:lnB>
+                  </a:tcPr>
+                </a:tc>
+                <a:tc>
+                  <a:txBody>
+                    <a:bodyPr/>
+                    <a:lstStyle/>
+                    <a:p>
+                      <a:pPr lvl="0" algn="ctr">
+                        <a:buNone/>
+                      </a:pPr>
+                      <a:r>
+                        <a:rPr lang="pt-PT" dirty="0"/>
+                        <a:t>YES</a:t>
+                      </a:r>
+                    </a:p>
+                  </a:txBody>
+                  <a:tcPr>
+                    <a:lnL w="12700" cap="flat" cmpd="sng" algn="ctr">
+                      <a:solidFill>
+                        <a:schemeClr val="tx1"/>
+                      </a:solidFill>
+                      <a:prstDash val="solid"/>
+                      <a:round/>
+                      <a:headEnd type="none" w="med" len="med"/>
+                      <a:tailEnd type="none" w="med" len="med"/>
+                    </a:lnL>
+                    <a:lnR w="12700" cap="flat" cmpd="sng" algn="ctr">
+                      <a:solidFill>
+                        <a:schemeClr val="tx1"/>
+                      </a:solidFill>
+                      <a:prstDash val="solid"/>
+                      <a:round/>
+                      <a:headEnd type="none" w="med" len="med"/>
+                      <a:tailEnd type="none" w="med" len="med"/>
+                    </a:lnR>
+                    <a:lnT w="12700" cap="flat" cmpd="sng" algn="ctr">
+                      <a:solidFill>
+                        <a:schemeClr val="tx1"/>
+                      </a:solidFill>
+                      <a:prstDash val="solid"/>
+                      <a:round/>
+                      <a:headEnd type="none" w="med" len="med"/>
+                      <a:tailEnd type="none" w="med" len="med"/>
+                    </a:lnT>
+                    <a:lnB w="12700" cap="flat" cmpd="sng" algn="ctr">
+                      <a:solidFill>
+                        <a:schemeClr val="tx1"/>
+                      </a:solidFill>
+                      <a:prstDash val="solid"/>
+                      <a:round/>
+                      <a:headEnd type="none" w="med" len="med"/>
+                      <a:tailEnd type="none" w="med" len="med"/>
+                    </a:lnB>
+                  </a:tcPr>
+                </a:tc>
+                <a:tc>
+                  <a:txBody>
+                    <a:bodyPr/>
+                    <a:lstStyle/>
+                    <a:p>
+                      <a:pPr lvl="0" algn="ctr">
+                        <a:buNone/>
+                      </a:pPr>
+                      <a:endParaRPr lang="pt-PT" dirty="0"/>
+                    </a:p>
+                  </a:txBody>
+                  <a:tcPr>
+                    <a:lnL w="12700" cap="flat" cmpd="sng" algn="ctr">
+                      <a:solidFill>
+                        <a:schemeClr val="tx1"/>
+                      </a:solidFill>
+                      <a:prstDash val="solid"/>
+                      <a:round/>
+                      <a:headEnd type="none" w="med" len="med"/>
+                      <a:tailEnd type="none" w="med" len="med"/>
+                    </a:lnL>
+                    <a:lnR w="12700" cap="flat" cmpd="sng" algn="ctr">
+                      <a:solidFill>
+                        <a:schemeClr val="tx1"/>
+                      </a:solidFill>
+                      <a:prstDash val="solid"/>
+                      <a:round/>
+                      <a:headEnd type="none" w="med" len="med"/>
+                      <a:tailEnd type="none" w="med" len="med"/>
+                    </a:lnR>
+                    <a:lnT w="12700" cap="flat" cmpd="sng" algn="ctr">
+                      <a:solidFill>
+                        <a:schemeClr val="tx1"/>
+                      </a:solidFill>
+                      <a:prstDash val="solid"/>
+                      <a:round/>
+                      <a:headEnd type="none" w="med" len="med"/>
+                      <a:tailEnd type="none" w="med" len="med"/>
+                    </a:lnT>
+                    <a:lnB w="12700" cap="flat" cmpd="sng" algn="ctr">
+                      <a:solidFill>
+                        <a:schemeClr val="tx1"/>
+                      </a:solidFill>
+                      <a:prstDash val="solid"/>
+                      <a:round/>
+                      <a:headEnd type="none" w="med" len="med"/>
+                      <a:tailEnd type="none" w="med" len="med"/>
+                    </a:lnB>
+                  </a:tcPr>
+                </a:tc>
+                <a:tc>
+                  <a:txBody>
+                    <a:bodyPr/>
+                    <a:lstStyle/>
+                    <a:p>
+                      <a:pPr lvl="0" algn="ctr">
+                        <a:buNone/>
+                      </a:pPr>
+                      <a:endParaRPr lang="pt-PT" dirty="0"/>
+                    </a:p>
+                  </a:txBody>
+                  <a:tcPr>
+                    <a:lnL w="12700" cap="flat" cmpd="sng" algn="ctr">
+                      <a:solidFill>
+                        <a:schemeClr val="tx1"/>
+                      </a:solidFill>
+                      <a:prstDash val="solid"/>
+                      <a:round/>
+                      <a:headEnd type="none" w="med" len="med"/>
+                      <a:tailEnd type="none" w="med" len="med"/>
+                    </a:lnL>
+                    <a:lnR w="12700" cap="flat" cmpd="sng" algn="ctr">
+                      <a:solidFill>
+                        <a:schemeClr val="tx1"/>
+                      </a:solidFill>
+                      <a:prstDash val="solid"/>
+                      <a:round/>
+                      <a:headEnd type="none" w="med" len="med"/>
+                      <a:tailEnd type="none" w="med" len="med"/>
+                    </a:lnR>
+                    <a:lnT w="12700" cap="flat" cmpd="sng" algn="ctr">
+                      <a:solidFill>
+                        <a:schemeClr val="tx1"/>
+                      </a:solidFill>
+                      <a:prstDash val="solid"/>
+                      <a:round/>
+                      <a:headEnd type="none" w="med" len="med"/>
+                      <a:tailEnd type="none" w="med" len="med"/>
+                    </a:lnT>
+                    <a:lnB w="12700" cap="flat" cmpd="sng" algn="ctr">
+                      <a:solidFill>
+                        <a:schemeClr val="tx1"/>
+                      </a:solidFill>
+                      <a:prstDash val="solid"/>
+                      <a:round/>
+                      <a:headEnd type="none" w="med" len="med"/>
+                      <a:tailEnd type="none" w="med" len="med"/>
+                    </a:lnB>
+                  </a:tcPr>
+                </a:tc>
+                <a:tc>
+                  <a:txBody>
+                    <a:bodyPr/>
+                    <a:lstStyle/>
+                    <a:p>
+                      <a:pPr lvl="0" algn="ctr">
+                        <a:buNone/>
+                      </a:pPr>
+                      <a:endParaRPr lang="pt-PT" dirty="0"/>
+                    </a:p>
+                  </a:txBody>
+                  <a:tcPr>
+                    <a:lnL w="12700" cap="flat" cmpd="sng" algn="ctr">
+                      <a:solidFill>
+                        <a:schemeClr val="tx1"/>
+                      </a:solidFill>
+                      <a:prstDash val="solid"/>
+                      <a:round/>
+                      <a:headEnd type="none" w="med" len="med"/>
+                      <a:tailEnd type="none" w="med" len="med"/>
+                    </a:lnL>
+                    <a:lnR w="12700" cap="flat" cmpd="sng" algn="ctr">
+                      <a:solidFill>
+                        <a:schemeClr val="tx1"/>
+                      </a:solidFill>
+                      <a:prstDash val="solid"/>
+                      <a:round/>
+                      <a:headEnd type="none" w="med" len="med"/>
+                      <a:tailEnd type="none" w="med" len="med"/>
+                    </a:lnR>
+                    <a:lnT w="12700" cap="flat" cmpd="sng" algn="ctr">
+                      <a:solidFill>
+                        <a:schemeClr val="tx1"/>
+                      </a:solidFill>
+                      <a:prstDash val="solid"/>
+                      <a:round/>
+                      <a:headEnd type="none" w="med" len="med"/>
+                      <a:tailEnd type="none" w="med" len="med"/>
+                    </a:lnT>
+                    <a:lnB w="12700" cap="flat" cmpd="sng" algn="ctr">
+                      <a:solidFill>
+                        <a:schemeClr val="tx1"/>
+                      </a:solidFill>
+                      <a:prstDash val="solid"/>
+                      <a:round/>
+                      <a:headEnd type="none" w="med" len="med"/>
+                      <a:tailEnd type="none" w="med" len="med"/>
+                    </a:lnB>
+                  </a:tcPr>
+                </a:tc>
+                <a:tc>
+                  <a:txBody>
+                    <a:bodyPr/>
+                    <a:lstStyle/>
+                    <a:p>
+                      <a:pPr lvl="0" algn="ctr">
+                        <a:buNone/>
+                      </a:pPr>
+                      <a:r>
+                        <a:rPr lang="pt-PT" dirty="0"/>
+                        <a:t>X</a:t>
+                      </a:r>
+                    </a:p>
+                  </a:txBody>
+                  <a:tcPr>
+                    <a:lnL w="12700" cap="flat" cmpd="sng" algn="ctr">
+                      <a:solidFill>
+                        <a:schemeClr val="tx1"/>
+                      </a:solidFill>
+                      <a:prstDash val="solid"/>
+                      <a:round/>
+                      <a:headEnd type="none" w="med" len="med"/>
+                      <a:tailEnd type="none" w="med" len="med"/>
+                    </a:lnL>
+                    <a:lnR w="12700" cap="flat" cmpd="sng" algn="ctr">
+                      <a:solidFill>
+                        <a:schemeClr val="tx1"/>
+                      </a:solidFill>
+                      <a:prstDash val="solid"/>
+                      <a:round/>
+                      <a:headEnd type="none" w="med" len="med"/>
+                      <a:tailEnd type="none" w="med" len="med"/>
+                    </a:lnR>
+                    <a:lnT w="12700" cap="flat" cmpd="sng" algn="ctr">
+                      <a:solidFill>
+                        <a:schemeClr val="tx1"/>
+                      </a:solidFill>
+                      <a:prstDash val="solid"/>
+                      <a:round/>
+                      <a:headEnd type="none" w="med" len="med"/>
+                      <a:tailEnd type="none" w="med" len="med"/>
+                    </a:lnT>
+                    <a:lnB w="12700" cap="flat" cmpd="sng" algn="ctr">
+                      <a:solidFill>
+                        <a:schemeClr val="tx1"/>
+                      </a:solidFill>
+                      <a:prstDash val="solid"/>
+                      <a:round/>
+                      <a:headEnd type="none" w="med" len="med"/>
+                      <a:tailEnd type="none" w="med" len="med"/>
+                    </a:lnB>
+                  </a:tcPr>
+                </a:tc>
+                <a:tc>
+                  <a:txBody>
+                    <a:bodyPr/>
+                    <a:lstStyle/>
+                    <a:p>
+                      <a:pPr lvl="0" algn="ctr">
+                        <a:buNone/>
+                      </a:pPr>
+                      <a:endParaRPr lang="pt-PT" dirty="0"/>
+                    </a:p>
+                  </a:txBody>
+                  <a:tcPr>
+                    <a:lnL w="12700" cap="flat" cmpd="sng" algn="ctr">
+                      <a:solidFill>
+                        <a:schemeClr val="tx1"/>
+                      </a:solidFill>
+                      <a:prstDash val="solid"/>
+                      <a:round/>
+                      <a:headEnd type="none" w="med" len="med"/>
+                      <a:tailEnd type="none" w="med" len="med"/>
+                    </a:lnL>
+                    <a:lnR w="12700" cap="flat" cmpd="sng" algn="ctr">
+                      <a:solidFill>
+                        <a:schemeClr val="tx1"/>
+                      </a:solidFill>
+                      <a:prstDash val="solid"/>
+                      <a:round/>
+                      <a:headEnd type="none" w="med" len="med"/>
+                      <a:tailEnd type="none" w="med" len="med"/>
+                    </a:lnR>
+                    <a:lnT w="12700" cap="flat" cmpd="sng" algn="ctr">
+                      <a:solidFill>
+                        <a:schemeClr val="tx1"/>
+                      </a:solidFill>
+                      <a:prstDash val="solid"/>
+                      <a:round/>
+                      <a:headEnd type="none" w="med" len="med"/>
+                      <a:tailEnd type="none" w="med" len="med"/>
+                    </a:lnT>
+                    <a:lnB w="12700" cap="flat" cmpd="sng" algn="ctr">
+                      <a:solidFill>
+                        <a:schemeClr val="tx1"/>
+                      </a:solidFill>
+                      <a:prstDash val="solid"/>
+                      <a:round/>
+                      <a:headEnd type="none" w="med" len="med"/>
+                      <a:tailEnd type="none" w="med" len="med"/>
+                    </a:lnB>
+                  </a:tcPr>
+                </a:tc>
+                <a:extLst>
+                  <a:ext uri="{0D108BD9-81ED-4DB2-BD59-A6C34878D82A}">
+                    <a16:rowId xmlns:a16="http://schemas.microsoft.com/office/drawing/2014/main" val="2812301020"/>
+                  </a:ext>
+                </a:extLst>
+              </a:tr>
+              <a:tr h="336847">
+                <a:tc>
+                  <a:txBody>
+                    <a:bodyPr/>
+                    <a:lstStyle/>
+                    <a:p>
+                      <a:pPr lvl="0">
+                        <a:buNone/>
+                      </a:pPr>
+                      <a:endParaRPr lang="pt-PT" dirty="0"/>
+                    </a:p>
+                  </a:txBody>
+                  <a:tcPr>
+                    <a:lnL w="12700" cap="flat" cmpd="sng" algn="ctr">
+                      <a:solidFill>
+                        <a:schemeClr val="tx1"/>
+                      </a:solidFill>
+                      <a:prstDash val="solid"/>
+                      <a:round/>
+                      <a:headEnd type="none" w="med" len="med"/>
+                      <a:tailEnd type="none" w="med" len="med"/>
+                    </a:lnL>
+                    <a:lnR w="12700" cap="flat" cmpd="sng" algn="ctr">
+                      <a:solidFill>
+                        <a:schemeClr val="tx1"/>
+                      </a:solidFill>
+                      <a:prstDash val="solid"/>
+                      <a:round/>
+                      <a:headEnd type="none" w="med" len="med"/>
+                      <a:tailEnd type="none" w="med" len="med"/>
+                    </a:lnR>
+                    <a:lnT w="12700" cap="flat" cmpd="sng" algn="ctr">
+                      <a:solidFill>
+                        <a:schemeClr val="tx1"/>
+                      </a:solidFill>
+                      <a:prstDash val="solid"/>
+                      <a:round/>
+                      <a:headEnd type="none" w="med" len="med"/>
+                      <a:tailEnd type="none" w="med" len="med"/>
+                    </a:lnT>
+                    <a:lnB w="12700" cap="flat" cmpd="sng" algn="ctr">
+                      <a:solidFill>
+                        <a:schemeClr val="tx1"/>
+                      </a:solidFill>
+                      <a:prstDash val="solid"/>
+                      <a:round/>
+                      <a:headEnd type="none" w="med" len="med"/>
+                      <a:tailEnd type="none" w="med" len="med"/>
+                    </a:lnB>
+                  </a:tcPr>
+                </a:tc>
+                <a:tc>
+                  <a:txBody>
+                    <a:bodyPr/>
+                    <a:lstStyle/>
+                    <a:p>
+                      <a:pPr lvl="0" algn="ctr">
+                        <a:buNone/>
+                      </a:pPr>
+                      <a:endParaRPr lang="pt-PT" dirty="0"/>
+                    </a:p>
+                  </a:txBody>
+                  <a:tcPr>
+                    <a:lnL w="12700" cap="flat" cmpd="sng" algn="ctr">
+                      <a:solidFill>
+                        <a:schemeClr val="tx1"/>
+                      </a:solidFill>
+                      <a:prstDash val="solid"/>
+                      <a:round/>
+                      <a:headEnd type="none" w="med" len="med"/>
+                      <a:tailEnd type="none" w="med" len="med"/>
+                    </a:lnL>
+                    <a:lnR w="12700" cap="flat" cmpd="sng" algn="ctr">
+                      <a:solidFill>
+                        <a:schemeClr val="tx1"/>
+                      </a:solidFill>
+                      <a:prstDash val="solid"/>
+                      <a:round/>
+                      <a:headEnd type="none" w="med" len="med"/>
+                      <a:tailEnd type="none" w="med" len="med"/>
+                    </a:lnR>
+                    <a:lnT w="12700" cap="flat" cmpd="sng" algn="ctr">
+                      <a:solidFill>
+                        <a:schemeClr val="tx1"/>
+                      </a:solidFill>
+                      <a:prstDash val="solid"/>
+                      <a:round/>
+                      <a:headEnd type="none" w="med" len="med"/>
+                      <a:tailEnd type="none" w="med" len="med"/>
+                    </a:lnT>
+                    <a:lnB w="12700" cap="flat" cmpd="sng" algn="ctr">
+                      <a:solidFill>
+                        <a:schemeClr val="tx1"/>
+                      </a:solidFill>
+                      <a:prstDash val="solid"/>
+                      <a:round/>
+                      <a:headEnd type="none" w="med" len="med"/>
+                      <a:tailEnd type="none" w="med" len="med"/>
+                    </a:lnB>
+                  </a:tcPr>
+                </a:tc>
+                <a:tc>
+                  <a:txBody>
+                    <a:bodyPr/>
+                    <a:lstStyle/>
+                    <a:p>
+                      <a:pPr lvl="0" algn="ctr">
+                        <a:buNone/>
+                      </a:pPr>
+                      <a:endParaRPr lang="pt-PT" dirty="0"/>
+                    </a:p>
+                  </a:txBody>
+                  <a:tcPr>
+                    <a:lnL w="12700" cap="flat" cmpd="sng" algn="ctr">
+                      <a:solidFill>
+                        <a:schemeClr val="tx1"/>
+                      </a:solidFill>
+                      <a:prstDash val="solid"/>
+                      <a:round/>
+                      <a:headEnd type="none" w="med" len="med"/>
+                      <a:tailEnd type="none" w="med" len="med"/>
+                    </a:lnL>
+                    <a:lnR w="12700" cap="flat" cmpd="sng" algn="ctr">
+                      <a:solidFill>
+                        <a:schemeClr val="tx1"/>
+                      </a:solidFill>
+                      <a:prstDash val="solid"/>
+                      <a:round/>
+                      <a:headEnd type="none" w="med" len="med"/>
+                      <a:tailEnd type="none" w="med" len="med"/>
+                    </a:lnR>
+                    <a:lnT w="12700" cap="flat" cmpd="sng" algn="ctr">
+                      <a:solidFill>
+                        <a:schemeClr val="tx1"/>
+                      </a:solidFill>
+                      <a:prstDash val="solid"/>
+                      <a:round/>
+                      <a:headEnd type="none" w="med" len="med"/>
+                      <a:tailEnd type="none" w="med" len="med"/>
+                    </a:lnT>
+                    <a:lnB w="12700" cap="flat" cmpd="sng" algn="ctr">
+                      <a:solidFill>
+                        <a:schemeClr val="tx1"/>
+                      </a:solidFill>
+                      <a:prstDash val="solid"/>
+                      <a:round/>
+                      <a:headEnd type="none" w="med" len="med"/>
+                      <a:tailEnd type="none" w="med" len="med"/>
+                    </a:lnB>
+                  </a:tcPr>
+                </a:tc>
+                <a:tc>
+                  <a:txBody>
+                    <a:bodyPr/>
+                    <a:lstStyle/>
+                    <a:p>
+                      <a:pPr lvl="0" algn="ctr">
+                        <a:buNone/>
+                      </a:pPr>
+                      <a:endParaRPr lang="pt-PT" dirty="0"/>
+                    </a:p>
+                  </a:txBody>
+                  <a:tcPr>
+                    <a:lnL w="12700" cap="flat" cmpd="sng" algn="ctr">
+                      <a:solidFill>
+                        <a:schemeClr val="tx1"/>
+                      </a:solidFill>
+                      <a:prstDash val="solid"/>
+                      <a:round/>
+                      <a:headEnd type="none" w="med" len="med"/>
+                      <a:tailEnd type="none" w="med" len="med"/>
+                    </a:lnL>
+                    <a:lnR w="12700" cap="flat" cmpd="sng" algn="ctr">
+                      <a:solidFill>
+                        <a:schemeClr val="tx1"/>
+                      </a:solidFill>
+                      <a:prstDash val="solid"/>
+                      <a:round/>
+                      <a:headEnd type="none" w="med" len="med"/>
+                      <a:tailEnd type="none" w="med" len="med"/>
+                    </a:lnR>
+                    <a:lnT w="12700" cap="flat" cmpd="sng" algn="ctr">
+                      <a:solidFill>
+                        <a:schemeClr val="tx1"/>
+                      </a:solidFill>
+                      <a:prstDash val="solid"/>
+                      <a:round/>
+                      <a:headEnd type="none" w="med" len="med"/>
+                      <a:tailEnd type="none" w="med" len="med"/>
+                    </a:lnT>
+                    <a:lnB w="12700" cap="flat" cmpd="sng" algn="ctr">
+                      <a:solidFill>
+                        <a:schemeClr val="tx1"/>
+                      </a:solidFill>
+                      <a:prstDash val="solid"/>
+                      <a:round/>
+                      <a:headEnd type="none" w="med" len="med"/>
+                      <a:tailEnd type="none" w="med" len="med"/>
+                    </a:lnB>
+                  </a:tcPr>
+                </a:tc>
+                <a:tc>
+                  <a:txBody>
+                    <a:bodyPr/>
+                    <a:lstStyle/>
+                    <a:p>
+                      <a:pPr lvl="0" algn="ctr">
+                        <a:buNone/>
+                      </a:pPr>
+                      <a:endParaRPr lang="pt-PT" dirty="0"/>
+                    </a:p>
+                  </a:txBody>
+                  <a:tcPr>
+                    <a:lnL w="12700" cap="flat" cmpd="sng" algn="ctr">
+                      <a:solidFill>
+                        <a:schemeClr val="tx1"/>
+                      </a:solidFill>
+                      <a:prstDash val="solid"/>
+                      <a:round/>
+                      <a:headEnd type="none" w="med" len="med"/>
+                      <a:tailEnd type="none" w="med" len="med"/>
+                    </a:lnL>
+                    <a:lnR w="12700" cap="flat" cmpd="sng" algn="ctr">
+                      <a:solidFill>
+                        <a:schemeClr val="tx1"/>
+                      </a:solidFill>
+                      <a:prstDash val="solid"/>
+                      <a:round/>
+                      <a:headEnd type="none" w="med" len="med"/>
+                      <a:tailEnd type="none" w="med" len="med"/>
+                    </a:lnR>
+                    <a:lnT w="12700" cap="flat" cmpd="sng" algn="ctr">
+                      <a:solidFill>
+                        <a:schemeClr val="tx1"/>
+                      </a:solidFill>
+                      <a:prstDash val="solid"/>
+                      <a:round/>
+                      <a:headEnd type="none" w="med" len="med"/>
+                      <a:tailEnd type="none" w="med" len="med"/>
+                    </a:lnT>
+                    <a:lnB w="12700" cap="flat" cmpd="sng" algn="ctr">
+                      <a:solidFill>
+                        <a:schemeClr val="tx1"/>
+                      </a:solidFill>
+                      <a:prstDash val="solid"/>
+                      <a:round/>
+                      <a:headEnd type="none" w="med" len="med"/>
+                      <a:tailEnd type="none" w="med" len="med"/>
+                    </a:lnB>
+                  </a:tcPr>
+                </a:tc>
+                <a:tc>
+                  <a:txBody>
+                    <a:bodyPr/>
+                    <a:lstStyle/>
+                    <a:p>
+                      <a:pPr lvl="0" algn="ctr">
+                        <a:buNone/>
+                      </a:pPr>
+                      <a:r>
+                        <a:rPr lang="pt-PT" dirty="0"/>
+                        <a:t>X</a:t>
+                      </a:r>
+                    </a:p>
+                  </a:txBody>
+                  <a:tcPr>
+                    <a:lnL w="12700" cap="flat" cmpd="sng" algn="ctr">
+                      <a:solidFill>
+                        <a:schemeClr val="tx1"/>
+                      </a:solidFill>
+                      <a:prstDash val="solid"/>
+                      <a:round/>
+                      <a:headEnd type="none" w="med" len="med"/>
+                      <a:tailEnd type="none" w="med" len="med"/>
+                    </a:lnL>
+                    <a:lnR w="12700" cap="flat" cmpd="sng" algn="ctr">
+                      <a:solidFill>
+                        <a:schemeClr val="tx1"/>
+                      </a:solidFill>
+                      <a:prstDash val="solid"/>
+                      <a:round/>
+                      <a:headEnd type="none" w="med" len="med"/>
+                      <a:tailEnd type="none" w="med" len="med"/>
+                    </a:lnR>
+                    <a:lnT w="12700" cap="flat" cmpd="sng" algn="ctr">
+                      <a:solidFill>
+                        <a:schemeClr val="tx1"/>
+                      </a:solidFill>
+                      <a:prstDash val="solid"/>
+                      <a:round/>
+                      <a:headEnd type="none" w="med" len="med"/>
+                      <a:tailEnd type="none" w="med" len="med"/>
+                    </a:lnT>
+                    <a:lnB w="12700" cap="flat" cmpd="sng" algn="ctr">
+                      <a:solidFill>
+                        <a:schemeClr val="tx1"/>
+                      </a:solidFill>
+                      <a:prstDash val="solid"/>
+                      <a:round/>
+                      <a:headEnd type="none" w="med" len="med"/>
+                      <a:tailEnd type="none" w="med" len="med"/>
+                    </a:lnB>
+                  </a:tcPr>
+                </a:tc>
+                <a:tc>
+                  <a:txBody>
+                    <a:bodyPr/>
+                    <a:lstStyle/>
+                    <a:p>
+                      <a:pPr lvl="0" algn="ctr">
+                        <a:buNone/>
+                      </a:pPr>
+                      <a:endParaRPr lang="pt-PT" dirty="0"/>
+                    </a:p>
+                  </a:txBody>
+                  <a:tcPr>
+                    <a:lnL w="12700" cap="flat" cmpd="sng" algn="ctr">
+                      <a:solidFill>
+                        <a:schemeClr val="tx1"/>
+                      </a:solidFill>
+                      <a:prstDash val="solid"/>
+                      <a:round/>
+                      <a:headEnd type="none" w="med" len="med"/>
+                      <a:tailEnd type="none" w="med" len="med"/>
+                    </a:lnL>
+                    <a:lnR w="12700" cap="flat" cmpd="sng" algn="ctr">
+                      <a:solidFill>
+                        <a:schemeClr val="tx1"/>
+                      </a:solidFill>
+                      <a:prstDash val="solid"/>
+                      <a:round/>
+                      <a:headEnd type="none" w="med" len="med"/>
+                      <a:tailEnd type="none" w="med" len="med"/>
+                    </a:lnR>
+                    <a:lnT w="12700" cap="flat" cmpd="sng" algn="ctr">
+                      <a:solidFill>
+                        <a:schemeClr val="tx1"/>
+                      </a:solidFill>
+                      <a:prstDash val="solid"/>
+                      <a:round/>
+                      <a:headEnd type="none" w="med" len="med"/>
+                      <a:tailEnd type="none" w="med" len="med"/>
+                    </a:lnT>
+                    <a:lnB w="12700" cap="flat" cmpd="sng" algn="ctr">
+                      <a:solidFill>
+                        <a:schemeClr val="tx1"/>
+                      </a:solidFill>
+                      <a:prstDash val="solid"/>
+                      <a:round/>
+                      <a:headEnd type="none" w="med" len="med"/>
+                      <a:tailEnd type="none" w="med" len="med"/>
+                    </a:lnB>
+                  </a:tcPr>
+                </a:tc>
+                <a:extLst>
+                  <a:ext uri="{0D108BD9-81ED-4DB2-BD59-A6C34878D82A}">
+                    <a16:rowId xmlns:a16="http://schemas.microsoft.com/office/drawing/2014/main" val="2737636612"/>
+                  </a:ext>
+                </a:extLst>
+              </a:tr>
+              <a:tr h="336847">
+                <a:tc>
+                  <a:txBody>
+                    <a:bodyPr/>
+                    <a:lstStyle/>
+                    <a:p>
+                      <a:pPr lvl="0">
+                        <a:buNone/>
+                      </a:pPr>
+                      <a:endParaRPr lang="pt-PT" dirty="0"/>
+                    </a:p>
+                  </a:txBody>
+                  <a:tcPr>
+                    <a:lnL w="12700" cap="flat" cmpd="sng" algn="ctr">
+                      <a:solidFill>
+                        <a:schemeClr val="tx1"/>
+                      </a:solidFill>
+                      <a:prstDash val="solid"/>
+                      <a:round/>
+                      <a:headEnd type="none" w="med" len="med"/>
+                      <a:tailEnd type="none" w="med" len="med"/>
+                    </a:lnL>
+                    <a:lnR w="12700" cap="flat" cmpd="sng" algn="ctr">
+                      <a:solidFill>
+                        <a:schemeClr val="tx1"/>
+                      </a:solidFill>
+                      <a:prstDash val="solid"/>
+                      <a:round/>
+                      <a:headEnd type="none" w="med" len="med"/>
+                      <a:tailEnd type="none" w="med" len="med"/>
+                    </a:lnR>
+                    <a:lnT w="12700" cap="flat" cmpd="sng" algn="ctr">
+                      <a:solidFill>
+                        <a:schemeClr val="tx1"/>
+                      </a:solidFill>
+                      <a:prstDash val="solid"/>
+                      <a:round/>
+                      <a:headEnd type="none" w="med" len="med"/>
+                      <a:tailEnd type="none" w="med" len="med"/>
+                    </a:lnT>
+                    <a:lnB w="12700" cap="flat" cmpd="sng" algn="ctr">
+                      <a:solidFill>
+                        <a:schemeClr val="tx1"/>
+                      </a:solidFill>
+                      <a:prstDash val="solid"/>
+                      <a:round/>
+                      <a:headEnd type="none" w="med" len="med"/>
+                      <a:tailEnd type="none" w="med" len="med"/>
+                    </a:lnB>
+                  </a:tcPr>
+                </a:tc>
+                <a:tc>
+                  <a:txBody>
+                    <a:bodyPr/>
+                    <a:lstStyle/>
+                    <a:p>
+                      <a:pPr lvl="0" algn="ctr">
+                        <a:buNone/>
+                      </a:pPr>
+                      <a:endParaRPr lang="pt-PT" dirty="0"/>
+                    </a:p>
+                  </a:txBody>
+                  <a:tcPr>
+                    <a:lnL w="12700" cap="flat" cmpd="sng" algn="ctr">
+                      <a:solidFill>
+                        <a:schemeClr val="tx1"/>
+                      </a:solidFill>
+                      <a:prstDash val="solid"/>
+                      <a:round/>
+                      <a:headEnd type="none" w="med" len="med"/>
+                      <a:tailEnd type="none" w="med" len="med"/>
+                    </a:lnL>
+                    <a:lnR w="12700" cap="flat" cmpd="sng" algn="ctr">
+                      <a:solidFill>
+                        <a:schemeClr val="tx1"/>
+                      </a:solidFill>
+                      <a:prstDash val="solid"/>
+                      <a:round/>
+                      <a:headEnd type="none" w="med" len="med"/>
+                      <a:tailEnd type="none" w="med" len="med"/>
+                    </a:lnR>
+                    <a:lnT w="12700" cap="flat" cmpd="sng" algn="ctr">
+                      <a:solidFill>
+                        <a:schemeClr val="tx1"/>
+                      </a:solidFill>
+                      <a:prstDash val="solid"/>
+                      <a:round/>
+                      <a:headEnd type="none" w="med" len="med"/>
+                      <a:tailEnd type="none" w="med" len="med"/>
+                    </a:lnT>
+                    <a:lnB w="12700" cap="flat" cmpd="sng" algn="ctr">
+                      <a:solidFill>
+                        <a:schemeClr val="tx1"/>
+                      </a:solidFill>
+                      <a:prstDash val="solid"/>
+                      <a:round/>
+                      <a:headEnd type="none" w="med" len="med"/>
+                      <a:tailEnd type="none" w="med" len="med"/>
+                    </a:lnB>
+                  </a:tcPr>
+                </a:tc>
+                <a:tc>
+                  <a:txBody>
+                    <a:bodyPr/>
+                    <a:lstStyle/>
+                    <a:p>
+                      <a:pPr lvl="0" algn="ctr">
+                        <a:buNone/>
+                      </a:pPr>
+                      <a:endParaRPr lang="pt-PT" dirty="0"/>
+                    </a:p>
+                  </a:txBody>
+                  <a:tcPr>
+                    <a:lnL w="12700" cap="flat" cmpd="sng" algn="ctr">
+                      <a:solidFill>
+                        <a:schemeClr val="tx1"/>
+                      </a:solidFill>
+                      <a:prstDash val="solid"/>
+                      <a:round/>
+                      <a:headEnd type="none" w="med" len="med"/>
+                      <a:tailEnd type="none" w="med" len="med"/>
+                    </a:lnL>
+                    <a:lnR w="12700" cap="flat" cmpd="sng" algn="ctr">
+                      <a:solidFill>
+                        <a:schemeClr val="tx1"/>
+                      </a:solidFill>
+                      <a:prstDash val="solid"/>
+                      <a:round/>
+                      <a:headEnd type="none" w="med" len="med"/>
+                      <a:tailEnd type="none" w="med" len="med"/>
+                    </a:lnR>
+                    <a:lnT w="12700" cap="flat" cmpd="sng" algn="ctr">
+                      <a:solidFill>
+                        <a:schemeClr val="tx1"/>
+                      </a:solidFill>
+                      <a:prstDash val="solid"/>
+                      <a:round/>
+                      <a:headEnd type="none" w="med" len="med"/>
+                      <a:tailEnd type="none" w="med" len="med"/>
+                    </a:lnT>
+                    <a:lnB w="12700" cap="flat" cmpd="sng" algn="ctr">
+                      <a:solidFill>
+                        <a:schemeClr val="tx1"/>
+                      </a:solidFill>
+                      <a:prstDash val="solid"/>
+                      <a:round/>
+                      <a:headEnd type="none" w="med" len="med"/>
+                      <a:tailEnd type="none" w="med" len="med"/>
+                    </a:lnB>
+                  </a:tcPr>
+                </a:tc>
+                <a:tc>
+                  <a:txBody>
+                    <a:bodyPr/>
+                    <a:lstStyle/>
+                    <a:p>
+                      <a:pPr lvl="0" algn="ctr">
+                        <a:buNone/>
+                      </a:pPr>
+                      <a:endParaRPr lang="pt-PT" dirty="0"/>
+                    </a:p>
+                  </a:txBody>
+                  <a:tcPr>
+                    <a:lnL w="12700" cap="flat" cmpd="sng" algn="ctr">
+                      <a:solidFill>
+                        <a:schemeClr val="tx1"/>
+                      </a:solidFill>
+                      <a:prstDash val="solid"/>
+                      <a:round/>
+                      <a:headEnd type="none" w="med" len="med"/>
+                      <a:tailEnd type="none" w="med" len="med"/>
+                    </a:lnL>
+                    <a:lnR w="12700" cap="flat" cmpd="sng" algn="ctr">
+                      <a:solidFill>
+                        <a:schemeClr val="tx1"/>
+                      </a:solidFill>
+                      <a:prstDash val="solid"/>
+                      <a:round/>
+                      <a:headEnd type="none" w="med" len="med"/>
+                      <a:tailEnd type="none" w="med" len="med"/>
+                    </a:lnR>
+                    <a:lnT w="12700" cap="flat" cmpd="sng" algn="ctr">
+                      <a:solidFill>
+                        <a:schemeClr val="tx1"/>
+                      </a:solidFill>
+                      <a:prstDash val="solid"/>
+                      <a:round/>
+                      <a:headEnd type="none" w="med" len="med"/>
+                      <a:tailEnd type="none" w="med" len="med"/>
+                    </a:lnT>
+                    <a:lnB w="12700" cap="flat" cmpd="sng" algn="ctr">
+                      <a:solidFill>
+                        <a:schemeClr val="tx1"/>
+                      </a:solidFill>
+                      <a:prstDash val="solid"/>
+                      <a:round/>
+                      <a:headEnd type="none" w="med" len="med"/>
+                      <a:tailEnd type="none" w="med" len="med"/>
+                    </a:lnB>
+                  </a:tcPr>
+                </a:tc>
+                <a:tc>
+                  <a:txBody>
+                    <a:bodyPr/>
+                    <a:lstStyle/>
+                    <a:p>
+                      <a:pPr lvl="0" algn="ctr">
+                        <a:buNone/>
+                      </a:pPr>
+                      <a:endParaRPr lang="pt-PT" dirty="0"/>
+                    </a:p>
+                  </a:txBody>
+                  <a:tcPr>
+                    <a:lnL w="12700" cap="flat" cmpd="sng" algn="ctr">
+                      <a:solidFill>
+                        <a:schemeClr val="tx1"/>
+                      </a:solidFill>
+                      <a:prstDash val="solid"/>
+                      <a:round/>
+                      <a:headEnd type="none" w="med" len="med"/>
+                      <a:tailEnd type="none" w="med" len="med"/>
+                    </a:lnL>
+                    <a:lnR w="12700" cap="flat" cmpd="sng" algn="ctr">
+                      <a:solidFill>
+                        <a:schemeClr val="tx1"/>
+                      </a:solidFill>
+                      <a:prstDash val="solid"/>
+                      <a:round/>
+                      <a:headEnd type="none" w="med" len="med"/>
+                      <a:tailEnd type="none" w="med" len="med"/>
+                    </a:lnR>
+                    <a:lnT w="12700" cap="flat" cmpd="sng" algn="ctr">
+                      <a:solidFill>
+                        <a:schemeClr val="tx1"/>
+                      </a:solidFill>
+                      <a:prstDash val="solid"/>
+                      <a:round/>
+                      <a:headEnd type="none" w="med" len="med"/>
+                      <a:tailEnd type="none" w="med" len="med"/>
+                    </a:lnT>
+                    <a:lnB w="12700" cap="flat" cmpd="sng" algn="ctr">
+                      <a:solidFill>
+                        <a:schemeClr val="tx1"/>
+                      </a:solidFill>
+                      <a:prstDash val="solid"/>
+                      <a:round/>
+                      <a:headEnd type="none" w="med" len="med"/>
+                      <a:tailEnd type="none" w="med" len="med"/>
+                    </a:lnB>
+                  </a:tcPr>
+                </a:tc>
+                <a:tc>
+                  <a:txBody>
+                    <a:bodyPr/>
+                    <a:lstStyle/>
+                    <a:p>
+                      <a:pPr lvl="0" algn="ctr">
+                        <a:buNone/>
+                      </a:pPr>
+                      <a:endParaRPr lang="pt-PT" dirty="0"/>
+                    </a:p>
+                  </a:txBody>
+                  <a:tcPr>
+                    <a:lnL w="12700" cap="flat" cmpd="sng" algn="ctr">
+                      <a:solidFill>
+                        <a:schemeClr val="tx1"/>
+                      </a:solidFill>
+                      <a:prstDash val="solid"/>
+                      <a:round/>
+                      <a:headEnd type="none" w="med" len="med"/>
+                      <a:tailEnd type="none" w="med" len="med"/>
+                    </a:lnL>
+                    <a:lnR w="12700" cap="flat" cmpd="sng" algn="ctr">
+                      <a:solidFill>
+                        <a:schemeClr val="tx1"/>
+                      </a:solidFill>
+                      <a:prstDash val="solid"/>
+                      <a:round/>
+                      <a:headEnd type="none" w="med" len="med"/>
+                      <a:tailEnd type="none" w="med" len="med"/>
+                    </a:lnR>
+                    <a:lnT w="12700" cap="flat" cmpd="sng" algn="ctr">
+                      <a:solidFill>
+                        <a:schemeClr val="tx1"/>
+                      </a:solidFill>
+                      <a:prstDash val="solid"/>
+                      <a:round/>
+                      <a:headEnd type="none" w="med" len="med"/>
+                      <a:tailEnd type="none" w="med" len="med"/>
+                    </a:lnT>
+                    <a:lnB w="12700" cap="flat" cmpd="sng" algn="ctr">
+                      <a:solidFill>
+                        <a:schemeClr val="tx1"/>
+                      </a:solidFill>
+                      <a:prstDash val="solid"/>
+                      <a:round/>
+                      <a:headEnd type="none" w="med" len="med"/>
+                      <a:tailEnd type="none" w="med" len="med"/>
+                    </a:lnB>
+                  </a:tcPr>
+                </a:tc>
+                <a:tc>
+                  <a:txBody>
+                    <a:bodyPr/>
+                    <a:lstStyle/>
+                    <a:p>
+                      <a:pPr lvl="0" algn="ctr">
+                        <a:buNone/>
+                      </a:pPr>
+                      <a:endParaRPr lang="pt-PT" dirty="0"/>
+                    </a:p>
+                  </a:txBody>
+                  <a:tcPr>
+                    <a:lnL w="12700" cap="flat" cmpd="sng" algn="ctr">
+                      <a:solidFill>
+                        <a:schemeClr val="tx1"/>
+                      </a:solidFill>
+                      <a:prstDash val="solid"/>
+                      <a:round/>
+                      <a:headEnd type="none" w="med" len="med"/>
+                      <a:tailEnd type="none" w="med" len="med"/>
+                    </a:lnL>
+                    <a:lnR w="12700" cap="flat" cmpd="sng" algn="ctr">
+                      <a:solidFill>
+                        <a:schemeClr val="tx1"/>
+                      </a:solidFill>
+                      <a:prstDash val="solid"/>
+                      <a:round/>
+                      <a:headEnd type="none" w="med" len="med"/>
+                      <a:tailEnd type="none" w="med" len="med"/>
+                    </a:lnR>
+                    <a:lnT w="12700" cap="flat" cmpd="sng" algn="ctr">
+                      <a:solidFill>
+                        <a:schemeClr val="tx1"/>
+                      </a:solidFill>
+                      <a:prstDash val="solid"/>
+                      <a:round/>
+                      <a:headEnd type="none" w="med" len="med"/>
+                      <a:tailEnd type="none" w="med" len="med"/>
+                    </a:lnT>
+                    <a:lnB w="12700" cap="flat" cmpd="sng" algn="ctr">
+                      <a:solidFill>
+                        <a:schemeClr val="tx1"/>
+                      </a:solidFill>
+                      <a:prstDash val="solid"/>
+                      <a:round/>
+                      <a:headEnd type="none" w="med" len="med"/>
+                      <a:tailEnd type="none" w="med" len="med"/>
+                    </a:lnB>
+                  </a:tcPr>
+                </a:tc>
+                <a:extLst>
+                  <a:ext uri="{0D108BD9-81ED-4DB2-BD59-A6C34878D82A}">
+                    <a16:rowId xmlns:a16="http://schemas.microsoft.com/office/drawing/2014/main" val="4098122814"/>
+                  </a:ext>
+                </a:extLst>
+              </a:tr>
+              <a:tr h="336847">
+                <a:tc>
+                  <a:txBody>
+                    <a:bodyPr/>
+                    <a:lstStyle/>
+                    <a:p>
+                      <a:pPr lvl="0">
+                        <a:buNone/>
+                      </a:pPr>
+                      <a:endParaRPr lang="pt-PT" dirty="0"/>
+                    </a:p>
+                  </a:txBody>
+                  <a:tcPr>
+                    <a:lnL w="12700" cap="flat" cmpd="sng" algn="ctr">
+                      <a:solidFill>
+                        <a:schemeClr val="tx1"/>
+                      </a:solidFill>
+                      <a:prstDash val="solid"/>
+                      <a:round/>
+                      <a:headEnd type="none" w="med" len="med"/>
+                      <a:tailEnd type="none" w="med" len="med"/>
+                    </a:lnL>
+                    <a:lnR w="12700" cap="flat" cmpd="sng" algn="ctr">
+                      <a:solidFill>
+                        <a:schemeClr val="tx1"/>
+                      </a:solidFill>
+                      <a:prstDash val="solid"/>
+                      <a:round/>
+                      <a:headEnd type="none" w="med" len="med"/>
+                      <a:tailEnd type="none" w="med" len="med"/>
+                    </a:lnR>
+                    <a:lnT w="12700" cap="flat" cmpd="sng" algn="ctr">
+                      <a:solidFill>
+                        <a:schemeClr val="tx1"/>
+                      </a:solidFill>
+                      <a:prstDash val="solid"/>
+                      <a:round/>
+                      <a:headEnd type="none" w="med" len="med"/>
+                      <a:tailEnd type="none" w="med" len="med"/>
+                    </a:lnT>
+                    <a:lnB w="12700" cap="flat" cmpd="sng" algn="ctr">
+                      <a:solidFill>
+                        <a:schemeClr val="tx1"/>
+                      </a:solidFill>
+                      <a:prstDash val="solid"/>
+                      <a:round/>
+                      <a:headEnd type="none" w="med" len="med"/>
+                      <a:tailEnd type="none" w="med" len="med"/>
+                    </a:lnB>
+                  </a:tcPr>
+                </a:tc>
+                <a:tc>
+                  <a:txBody>
+                    <a:bodyPr/>
+                    <a:lstStyle/>
+                    <a:p>
+                      <a:pPr lvl="0" algn="ctr">
+                        <a:buNone/>
+                      </a:pPr>
+                      <a:endParaRPr lang="pt-PT" dirty="0"/>
+                    </a:p>
+                  </a:txBody>
+                  <a:tcPr>
+                    <a:lnL w="12700" cap="flat" cmpd="sng" algn="ctr">
+                      <a:solidFill>
+                        <a:schemeClr val="tx1"/>
+                      </a:solidFill>
+                      <a:prstDash val="solid"/>
+                      <a:round/>
+                      <a:headEnd type="none" w="med" len="med"/>
+                      <a:tailEnd type="none" w="med" len="med"/>
+                    </a:lnL>
+                    <a:lnR w="12700" cap="flat" cmpd="sng" algn="ctr">
+                      <a:solidFill>
+                        <a:schemeClr val="tx1"/>
+                      </a:solidFill>
+                      <a:prstDash val="solid"/>
+                      <a:round/>
+                      <a:headEnd type="none" w="med" len="med"/>
+                      <a:tailEnd type="none" w="med" len="med"/>
+                    </a:lnR>
+                    <a:lnT w="12700" cap="flat" cmpd="sng" algn="ctr">
+                      <a:solidFill>
+                        <a:schemeClr val="tx1"/>
+                      </a:solidFill>
+                      <a:prstDash val="solid"/>
+                      <a:round/>
+                      <a:headEnd type="none" w="med" len="med"/>
+                      <a:tailEnd type="none" w="med" len="med"/>
+                    </a:lnT>
+                    <a:lnB w="12700" cap="flat" cmpd="sng" algn="ctr">
+                      <a:solidFill>
+                        <a:schemeClr val="tx1"/>
+                      </a:solidFill>
+                      <a:prstDash val="solid"/>
+                      <a:round/>
+                      <a:headEnd type="none" w="med" len="med"/>
+                      <a:tailEnd type="none" w="med" len="med"/>
+                    </a:lnB>
+                  </a:tcPr>
+                </a:tc>
+                <a:tc>
+                  <a:txBody>
+                    <a:bodyPr/>
+                    <a:lstStyle/>
+                    <a:p>
+                      <a:pPr lvl="0" algn="ctr">
+                        <a:buNone/>
+                      </a:pPr>
+                      <a:endParaRPr lang="pt-PT" dirty="0"/>
+                    </a:p>
+                  </a:txBody>
+                  <a:tcPr>
+                    <a:lnL w="12700" cap="flat" cmpd="sng" algn="ctr">
+                      <a:solidFill>
+                        <a:schemeClr val="tx1"/>
+                      </a:solidFill>
+                      <a:prstDash val="solid"/>
+                      <a:round/>
+                      <a:headEnd type="none" w="med" len="med"/>
+                      <a:tailEnd type="none" w="med" len="med"/>
+                    </a:lnL>
+                    <a:lnR w="12700" cap="flat" cmpd="sng" algn="ctr">
+                      <a:solidFill>
+                        <a:schemeClr val="tx1"/>
+                      </a:solidFill>
+                      <a:prstDash val="solid"/>
+                      <a:round/>
+                      <a:headEnd type="none" w="med" len="med"/>
+                      <a:tailEnd type="none" w="med" len="med"/>
+                    </a:lnR>
+                    <a:lnT w="12700" cap="flat" cmpd="sng" algn="ctr">
+                      <a:solidFill>
+                        <a:schemeClr val="tx1"/>
+                      </a:solidFill>
+                      <a:prstDash val="solid"/>
+                      <a:round/>
+                      <a:headEnd type="none" w="med" len="med"/>
+                      <a:tailEnd type="none" w="med" len="med"/>
+                    </a:lnT>
+                    <a:lnB w="12700" cap="flat" cmpd="sng" algn="ctr">
+                      <a:solidFill>
+                        <a:schemeClr val="tx1"/>
+                      </a:solidFill>
+                      <a:prstDash val="solid"/>
+                      <a:round/>
+                      <a:headEnd type="none" w="med" len="med"/>
+                      <a:tailEnd type="none" w="med" len="med"/>
+                    </a:lnB>
+                  </a:tcPr>
+                </a:tc>
+                <a:tc>
+                  <a:txBody>
+                    <a:bodyPr/>
+                    <a:lstStyle/>
+                    <a:p>
+                      <a:pPr lvl="0" algn="ctr">
+                        <a:buNone/>
+                      </a:pPr>
+                      <a:endParaRPr lang="pt-PT" dirty="0"/>
+                    </a:p>
+                  </a:txBody>
+                  <a:tcPr>
+                    <a:lnL w="12700" cap="flat" cmpd="sng" algn="ctr">
+                      <a:solidFill>
+                        <a:schemeClr val="tx1"/>
+                      </a:solidFill>
+                      <a:prstDash val="solid"/>
+                      <a:round/>
+                      <a:headEnd type="none" w="med" len="med"/>
+                      <a:tailEnd type="none" w="med" len="med"/>
+                    </a:lnL>
+                    <a:lnR w="12700" cap="flat" cmpd="sng" algn="ctr">
+                      <a:solidFill>
+                        <a:schemeClr val="tx1"/>
+                      </a:solidFill>
+                      <a:prstDash val="solid"/>
+                      <a:round/>
+                      <a:headEnd type="none" w="med" len="med"/>
+                      <a:tailEnd type="none" w="med" len="med"/>
+                    </a:lnR>
+                    <a:lnT w="12700" cap="flat" cmpd="sng" algn="ctr">
+                      <a:solidFill>
+                        <a:schemeClr val="tx1"/>
+                      </a:solidFill>
+                      <a:prstDash val="solid"/>
+                      <a:round/>
+                      <a:headEnd type="none" w="med" len="med"/>
+                      <a:tailEnd type="none" w="med" len="med"/>
+                    </a:lnT>
+                    <a:lnB w="12700" cap="flat" cmpd="sng" algn="ctr">
+                      <a:solidFill>
+                        <a:schemeClr val="tx1"/>
+                      </a:solidFill>
+                      <a:prstDash val="solid"/>
+                      <a:round/>
+                      <a:headEnd type="none" w="med" len="med"/>
+                      <a:tailEnd type="none" w="med" len="med"/>
+                    </a:lnB>
+                  </a:tcPr>
+                </a:tc>
+                <a:tc>
+                  <a:txBody>
+                    <a:bodyPr/>
+                    <a:lstStyle/>
+                    <a:p>
+                      <a:pPr lvl="0" algn="ctr">
+                        <a:buNone/>
+                      </a:pPr>
+                      <a:endParaRPr lang="pt-PT" dirty="0"/>
+                    </a:p>
+                  </a:txBody>
+                  <a:tcPr>
+                    <a:lnL w="12700" cap="flat" cmpd="sng" algn="ctr">
+                      <a:solidFill>
+                        <a:schemeClr val="tx1"/>
+                      </a:solidFill>
+                      <a:prstDash val="solid"/>
+                      <a:round/>
+                      <a:headEnd type="none" w="med" len="med"/>
+                      <a:tailEnd type="none" w="med" len="med"/>
+                    </a:lnL>
+                    <a:lnR w="12700" cap="flat" cmpd="sng" algn="ctr">
+                      <a:solidFill>
+                        <a:schemeClr val="tx1"/>
+                      </a:solidFill>
+                      <a:prstDash val="solid"/>
+                      <a:round/>
+                      <a:headEnd type="none" w="med" len="med"/>
+                      <a:tailEnd type="none" w="med" len="med"/>
+                    </a:lnR>
+                    <a:lnT w="12700" cap="flat" cmpd="sng" algn="ctr">
+                      <a:solidFill>
+                        <a:schemeClr val="tx1"/>
+                      </a:solidFill>
+                      <a:prstDash val="solid"/>
+                      <a:round/>
+                      <a:headEnd type="none" w="med" len="med"/>
+                      <a:tailEnd type="none" w="med" len="med"/>
+                    </a:lnT>
+                    <a:lnB w="12700" cap="flat" cmpd="sng" algn="ctr">
+                      <a:solidFill>
+                        <a:schemeClr val="tx1"/>
+                      </a:solidFill>
+                      <a:prstDash val="solid"/>
+                      <a:round/>
+                      <a:headEnd type="none" w="med" len="med"/>
+                      <a:tailEnd type="none" w="med" len="med"/>
+                    </a:lnB>
+                  </a:tcPr>
+                </a:tc>
+                <a:tc>
+                  <a:txBody>
+                    <a:bodyPr/>
+                    <a:lstStyle/>
+                    <a:p>
+                      <a:pPr lvl="0" algn="ctr">
+                        <a:buNone/>
+                      </a:pPr>
+                      <a:endParaRPr lang="pt-PT" dirty="0"/>
+                    </a:p>
+                  </a:txBody>
+                  <a:tcPr>
+                    <a:lnL w="12700" cap="flat" cmpd="sng" algn="ctr">
+                      <a:solidFill>
+                        <a:schemeClr val="tx1"/>
+                      </a:solidFill>
+                      <a:prstDash val="solid"/>
+                      <a:round/>
+                      <a:headEnd type="none" w="med" len="med"/>
+                      <a:tailEnd type="none" w="med" len="med"/>
+                    </a:lnL>
+                    <a:lnR w="12700" cap="flat" cmpd="sng" algn="ctr">
+                      <a:solidFill>
+                        <a:schemeClr val="tx1"/>
+                      </a:solidFill>
+                      <a:prstDash val="solid"/>
+                      <a:round/>
+                      <a:headEnd type="none" w="med" len="med"/>
+                      <a:tailEnd type="none" w="med" len="med"/>
+                    </a:lnR>
+                    <a:lnT w="12700" cap="flat" cmpd="sng" algn="ctr">
+                      <a:solidFill>
+                        <a:schemeClr val="tx1"/>
+                      </a:solidFill>
+                      <a:prstDash val="solid"/>
+                      <a:round/>
+                      <a:headEnd type="none" w="med" len="med"/>
+                      <a:tailEnd type="none" w="med" len="med"/>
+                    </a:lnT>
+                    <a:lnB w="12700" cap="flat" cmpd="sng" algn="ctr">
+                      <a:solidFill>
+                        <a:schemeClr val="tx1"/>
+                      </a:solidFill>
+                      <a:prstDash val="solid"/>
+                      <a:round/>
+                      <a:headEnd type="none" w="med" len="med"/>
+                      <a:tailEnd type="none" w="med" len="med"/>
+                    </a:lnB>
+                  </a:tcPr>
+                </a:tc>
+                <a:tc>
+                  <a:txBody>
+                    <a:bodyPr/>
+                    <a:lstStyle/>
+                    <a:p>
+                      <a:pPr lvl="0" algn="ctr">
+                        <a:buNone/>
+                      </a:pPr>
+                      <a:endParaRPr lang="pt-PT" dirty="0"/>
+                    </a:p>
+                  </a:txBody>
+                  <a:tcPr>
+                    <a:lnL w="12700" cap="flat" cmpd="sng" algn="ctr">
+                      <a:solidFill>
+                        <a:schemeClr val="tx1"/>
+                      </a:solidFill>
+                      <a:prstDash val="solid"/>
+                      <a:round/>
+                      <a:headEnd type="none" w="med" len="med"/>
+                      <a:tailEnd type="none" w="med" len="med"/>
+                    </a:lnL>
+                    <a:lnR w="12700" cap="flat" cmpd="sng" algn="ctr">
+                      <a:solidFill>
+                        <a:schemeClr val="tx1"/>
+                      </a:solidFill>
+                      <a:prstDash val="solid"/>
+                      <a:round/>
+                      <a:headEnd type="none" w="med" len="med"/>
+                      <a:tailEnd type="none" w="med" len="med"/>
+                    </a:lnR>
+                    <a:lnT w="12700" cap="flat" cmpd="sng" algn="ctr">
+                      <a:solidFill>
+                        <a:schemeClr val="tx1"/>
+                      </a:solidFill>
+                      <a:prstDash val="solid"/>
+                      <a:round/>
+                      <a:headEnd type="none" w="med" len="med"/>
+                      <a:tailEnd type="none" w="med" len="med"/>
+                    </a:lnT>
+                    <a:lnB w="12700" cap="flat" cmpd="sng" algn="ctr">
+                      <a:solidFill>
+                        <a:schemeClr val="tx1"/>
+                      </a:solidFill>
+                      <a:prstDash val="solid"/>
+                      <a:round/>
+                      <a:headEnd type="none" w="med" len="med"/>
+                      <a:tailEnd type="none" w="med" len="med"/>
+                    </a:lnB>
+                  </a:tcPr>
+                </a:tc>
+                <a:extLst>
+                  <a:ext uri="{0D108BD9-81ED-4DB2-BD59-A6C34878D82A}">
+                    <a16:rowId xmlns:a16="http://schemas.microsoft.com/office/drawing/2014/main" val="429282771"/>
+                  </a:ext>
+                </a:extLst>
+              </a:tr>
+              <a:tr h="336847">
+                <a:tc>
+                  <a:txBody>
+                    <a:bodyPr/>
+                    <a:lstStyle/>
+                    <a:p>
+                      <a:pPr lvl="0">
+                        <a:buNone/>
+                      </a:pPr>
+                      <a:endParaRPr lang="pt-PT" dirty="0"/>
+                    </a:p>
+                  </a:txBody>
+                  <a:tcPr>
+                    <a:lnL w="12700" cap="flat" cmpd="sng" algn="ctr">
+                      <a:solidFill>
+                        <a:schemeClr val="tx1"/>
+                      </a:solidFill>
+                      <a:prstDash val="solid"/>
+                      <a:round/>
+                      <a:headEnd type="none" w="med" len="med"/>
+                      <a:tailEnd type="none" w="med" len="med"/>
+                    </a:lnL>
+                    <a:lnR w="12700" cap="flat" cmpd="sng" algn="ctr">
+                      <a:solidFill>
+                        <a:schemeClr val="tx1"/>
+                      </a:solidFill>
+                      <a:prstDash val="solid"/>
+                      <a:round/>
+                      <a:headEnd type="none" w="med" len="med"/>
+                      <a:tailEnd type="none" w="med" len="med"/>
+                    </a:lnR>
+                    <a:lnT w="12700" cap="flat" cmpd="sng" algn="ctr">
+                      <a:solidFill>
+                        <a:schemeClr val="tx1"/>
+                      </a:solidFill>
+                      <a:prstDash val="solid"/>
+                      <a:round/>
+                      <a:headEnd type="none" w="med" len="med"/>
+                      <a:tailEnd type="none" w="med" len="med"/>
+                    </a:lnT>
+                    <a:lnB w="12700" cap="flat" cmpd="sng" algn="ctr">
+                      <a:solidFill>
+                        <a:schemeClr val="tx1"/>
+                      </a:solidFill>
+                      <a:prstDash val="solid"/>
+                      <a:round/>
+                      <a:headEnd type="none" w="med" len="med"/>
+                      <a:tailEnd type="none" w="med" len="med"/>
+                    </a:lnB>
+                  </a:tcPr>
+                </a:tc>
+                <a:tc>
+                  <a:txBody>
+                    <a:bodyPr/>
+                    <a:lstStyle/>
+                    <a:p>
+                      <a:pPr lvl="0" algn="ctr">
+                        <a:buNone/>
+                      </a:pPr>
+                      <a:endParaRPr lang="pt-PT" dirty="0"/>
+                    </a:p>
+                  </a:txBody>
+                  <a:tcPr>
+                    <a:lnL w="12700" cap="flat" cmpd="sng" algn="ctr">
+                      <a:solidFill>
+                        <a:schemeClr val="tx1"/>
+                      </a:solidFill>
+                      <a:prstDash val="solid"/>
+                      <a:round/>
+                      <a:headEnd type="none" w="med" len="med"/>
+                      <a:tailEnd type="none" w="med" len="med"/>
+                    </a:lnL>
+                    <a:lnR w="12700" cap="flat" cmpd="sng" algn="ctr">
+                      <a:solidFill>
+                        <a:schemeClr val="tx1"/>
+                      </a:solidFill>
+                      <a:prstDash val="solid"/>
+                      <a:round/>
+                      <a:headEnd type="none" w="med" len="med"/>
+                      <a:tailEnd type="none" w="med" len="med"/>
+                    </a:lnR>
+                    <a:lnT w="12700" cap="flat" cmpd="sng" algn="ctr">
+                      <a:solidFill>
+                        <a:schemeClr val="tx1"/>
+                      </a:solidFill>
+                      <a:prstDash val="solid"/>
+                      <a:round/>
+                      <a:headEnd type="none" w="med" len="med"/>
+                      <a:tailEnd type="none" w="med" len="med"/>
+                    </a:lnT>
+                    <a:lnB w="12700" cap="flat" cmpd="sng" algn="ctr">
+                      <a:solidFill>
+                        <a:schemeClr val="tx1"/>
+                      </a:solidFill>
+                      <a:prstDash val="solid"/>
+                      <a:round/>
+                      <a:headEnd type="none" w="med" len="med"/>
+                      <a:tailEnd type="none" w="med" len="med"/>
+                    </a:lnB>
+                  </a:tcPr>
+                </a:tc>
+                <a:tc>
+                  <a:txBody>
+                    <a:bodyPr/>
+                    <a:lstStyle/>
+                    <a:p>
+                      <a:pPr lvl="0" algn="ctr">
+                        <a:buNone/>
+                      </a:pPr>
+                      <a:endParaRPr lang="pt-PT" dirty="0"/>
+                    </a:p>
+                  </a:txBody>
+                  <a:tcPr>
+                    <a:lnL w="12700" cap="flat" cmpd="sng" algn="ctr">
+                      <a:solidFill>
+                        <a:schemeClr val="tx1"/>
+                      </a:solidFill>
+                      <a:prstDash val="solid"/>
+                      <a:round/>
+                      <a:headEnd type="none" w="med" len="med"/>
+                      <a:tailEnd type="none" w="med" len="med"/>
+                    </a:lnL>
+                    <a:lnR w="12700" cap="flat" cmpd="sng" algn="ctr">
+                      <a:solidFill>
+                        <a:schemeClr val="tx1"/>
+                      </a:solidFill>
+                      <a:prstDash val="solid"/>
+                      <a:round/>
+                      <a:headEnd type="none" w="med" len="med"/>
+                      <a:tailEnd type="none" w="med" len="med"/>
+                    </a:lnR>
+                    <a:lnT w="12700" cap="flat" cmpd="sng" algn="ctr">
+                      <a:solidFill>
+                        <a:schemeClr val="tx1"/>
+                      </a:solidFill>
+                      <a:prstDash val="solid"/>
+                      <a:round/>
+                      <a:headEnd type="none" w="med" len="med"/>
+                      <a:tailEnd type="none" w="med" len="med"/>
+                    </a:lnT>
+                    <a:lnB w="12700" cap="flat" cmpd="sng" algn="ctr">
+                      <a:solidFill>
+                        <a:schemeClr val="tx1"/>
+                      </a:solidFill>
+                      <a:prstDash val="solid"/>
+                      <a:round/>
+                      <a:headEnd type="none" w="med" len="med"/>
+                      <a:tailEnd type="none" w="med" len="med"/>
+                    </a:lnB>
+                  </a:tcPr>
+                </a:tc>
+                <a:tc>
+                  <a:txBody>
+                    <a:bodyPr/>
+                    <a:lstStyle/>
+                    <a:p>
+                      <a:pPr lvl="0" algn="ctr">
+                        <a:buNone/>
+                      </a:pPr>
+                      <a:endParaRPr lang="pt-PT" dirty="0"/>
+                    </a:p>
+                  </a:txBody>
+                  <a:tcPr>
+                    <a:lnL w="12700" cap="flat" cmpd="sng" algn="ctr">
+                      <a:solidFill>
+                        <a:schemeClr val="tx1"/>
+                      </a:solidFill>
+                      <a:prstDash val="solid"/>
+                      <a:round/>
+                      <a:headEnd type="none" w="med" len="med"/>
+                      <a:tailEnd type="none" w="med" len="med"/>
+                    </a:lnL>
+                    <a:lnR w="12700" cap="flat" cmpd="sng" algn="ctr">
+                      <a:solidFill>
+                        <a:schemeClr val="tx1"/>
+                      </a:solidFill>
+                      <a:prstDash val="solid"/>
+                      <a:round/>
+                      <a:headEnd type="none" w="med" len="med"/>
+                      <a:tailEnd type="none" w="med" len="med"/>
+                    </a:lnR>
+                    <a:lnT w="12700" cap="flat" cmpd="sng" algn="ctr">
+                      <a:solidFill>
+                        <a:schemeClr val="tx1"/>
+                      </a:solidFill>
+                      <a:prstDash val="solid"/>
+                      <a:round/>
+                      <a:headEnd type="none" w="med" len="med"/>
+                      <a:tailEnd type="none" w="med" len="med"/>
+                    </a:lnT>
+                    <a:lnB w="12700" cap="flat" cmpd="sng" algn="ctr">
+                      <a:solidFill>
+                        <a:schemeClr val="tx1"/>
+                      </a:solidFill>
+                      <a:prstDash val="solid"/>
+                      <a:round/>
+                      <a:headEnd type="none" w="med" len="med"/>
+                      <a:tailEnd type="none" w="med" len="med"/>
+                    </a:lnB>
+                  </a:tcPr>
+                </a:tc>
+                <a:tc>
+                  <a:txBody>
+                    <a:bodyPr/>
+                    <a:lstStyle/>
+                    <a:p>
+                      <a:pPr lvl="0" algn="ctr">
+                        <a:buNone/>
+                      </a:pPr>
+                      <a:endParaRPr lang="pt-PT" dirty="0"/>
+                    </a:p>
+                  </a:txBody>
+                  <a:tcPr>
+                    <a:lnL w="12700" cap="flat" cmpd="sng" algn="ctr">
+                      <a:solidFill>
+                        <a:schemeClr val="tx1"/>
+                      </a:solidFill>
+                      <a:prstDash val="solid"/>
+                      <a:round/>
+                      <a:headEnd type="none" w="med" len="med"/>
+                      <a:tailEnd type="none" w="med" len="med"/>
+                    </a:lnL>
+                    <a:lnR w="12700" cap="flat" cmpd="sng" algn="ctr">
+                      <a:solidFill>
+                        <a:schemeClr val="tx1"/>
+                      </a:solidFill>
+                      <a:prstDash val="solid"/>
+                      <a:round/>
+                      <a:headEnd type="none" w="med" len="med"/>
+                      <a:tailEnd type="none" w="med" len="med"/>
+                    </a:lnR>
+                    <a:lnT w="12700" cap="flat" cmpd="sng" algn="ctr">
+                      <a:solidFill>
+                        <a:schemeClr val="tx1"/>
+                      </a:solidFill>
+                      <a:prstDash val="solid"/>
+                      <a:round/>
+                      <a:headEnd type="none" w="med" len="med"/>
+                      <a:tailEnd type="none" w="med" len="med"/>
+                    </a:lnT>
+                    <a:lnB w="12700" cap="flat" cmpd="sng" algn="ctr">
+                      <a:solidFill>
+                        <a:schemeClr val="tx1"/>
+                      </a:solidFill>
+                      <a:prstDash val="solid"/>
+                      <a:round/>
+                      <a:headEnd type="none" w="med" len="med"/>
+                      <a:tailEnd type="none" w="med" len="med"/>
+                    </a:lnB>
+                  </a:tcPr>
+                </a:tc>
+                <a:tc>
+                  <a:txBody>
+                    <a:bodyPr/>
+                    <a:lstStyle/>
+                    <a:p>
+                      <a:pPr lvl="0" algn="ctr">
+                        <a:buNone/>
+                      </a:pPr>
+                      <a:endParaRPr lang="pt-PT" dirty="0"/>
+                    </a:p>
+                  </a:txBody>
+                  <a:tcPr>
+                    <a:lnL w="12700" cap="flat" cmpd="sng" algn="ctr">
+                      <a:solidFill>
+                        <a:schemeClr val="tx1"/>
+                      </a:solidFill>
+                      <a:prstDash val="solid"/>
+                      <a:round/>
+                      <a:headEnd type="none" w="med" len="med"/>
+                      <a:tailEnd type="none" w="med" len="med"/>
+                    </a:lnL>
+                    <a:lnR w="12700" cap="flat" cmpd="sng" algn="ctr">
+                      <a:solidFill>
+                        <a:schemeClr val="tx1"/>
+                      </a:solidFill>
+                      <a:prstDash val="solid"/>
+                      <a:round/>
+                      <a:headEnd type="none" w="med" len="med"/>
+                      <a:tailEnd type="none" w="med" len="med"/>
+                    </a:lnR>
+                    <a:lnT w="12700" cap="flat" cmpd="sng" algn="ctr">
+                      <a:solidFill>
+                        <a:schemeClr val="tx1"/>
+                      </a:solidFill>
+                      <a:prstDash val="solid"/>
+                      <a:round/>
+                      <a:headEnd type="none" w="med" len="med"/>
+                      <a:tailEnd type="none" w="med" len="med"/>
+                    </a:lnT>
+                    <a:lnB w="12700" cap="flat" cmpd="sng" algn="ctr">
+                      <a:solidFill>
+                        <a:schemeClr val="tx1"/>
+                      </a:solidFill>
+                      <a:prstDash val="solid"/>
+                      <a:round/>
+                      <a:headEnd type="none" w="med" len="med"/>
+                      <a:tailEnd type="none" w="med" len="med"/>
+                    </a:lnB>
+                  </a:tcPr>
+                </a:tc>
+                <a:tc>
+                  <a:txBody>
+                    <a:bodyPr/>
+                    <a:lstStyle/>
+                    <a:p>
+                      <a:pPr lvl="0" algn="ctr">
+                        <a:buNone/>
+                      </a:pPr>
+                      <a:endParaRPr lang="pt-PT" dirty="0"/>
+                    </a:p>
+                  </a:txBody>
+                  <a:tcPr>
+                    <a:lnL w="12700" cap="flat" cmpd="sng" algn="ctr">
+                      <a:solidFill>
+                        <a:schemeClr val="tx1"/>
+                      </a:solidFill>
+                      <a:prstDash val="solid"/>
+                      <a:round/>
+                      <a:headEnd type="none" w="med" len="med"/>
+                      <a:tailEnd type="none" w="med" len="med"/>
+                    </a:lnL>
+                    <a:lnR w="12700" cap="flat" cmpd="sng" algn="ctr">
+                      <a:solidFill>
+                        <a:schemeClr val="tx1"/>
+                      </a:solidFill>
+                      <a:prstDash val="solid"/>
+                      <a:round/>
+                      <a:headEnd type="none" w="med" len="med"/>
+                      <a:tailEnd type="none" w="med" len="med"/>
+                    </a:lnR>
+                    <a:lnT w="12700" cap="flat" cmpd="sng" algn="ctr">
+                      <a:solidFill>
+                        <a:schemeClr val="tx1"/>
+                      </a:solidFill>
+                      <a:prstDash val="solid"/>
+                      <a:round/>
+                      <a:headEnd type="none" w="med" len="med"/>
+                      <a:tailEnd type="none" w="med" len="med"/>
+                    </a:lnT>
+                    <a:lnB w="12700" cap="flat" cmpd="sng" algn="ctr">
+                      <a:solidFill>
+                        <a:schemeClr val="tx1"/>
+                      </a:solidFill>
+                      <a:prstDash val="solid"/>
+                      <a:round/>
+                      <a:headEnd type="none" w="med" len="med"/>
+                      <a:tailEnd type="none" w="med" len="med"/>
+                    </a:lnB>
+                  </a:tcPr>
+                </a:tc>
+                <a:extLst>
+                  <a:ext uri="{0D108BD9-81ED-4DB2-BD59-A6C34878D82A}">
+                    <a16:rowId xmlns:a16="http://schemas.microsoft.com/office/drawing/2014/main" val="3269183248"/>
+                  </a:ext>
+                </a:extLst>
+              </a:tr>
+            </a:tbl>
+          </a:graphicData>
+        </a:graphic>
+      </p:graphicFrame>
+    </p:spTree>
+    <p:extLst>
+      <p:ext uri="{BB962C8B-B14F-4D97-AF65-F5344CB8AC3E}">
+        <p14:creationId xmlns:p14="http://schemas.microsoft.com/office/powerpoint/2010/main" val="333475117"/>
+      </p:ext>
+    </p:extLst>
+  </p:cSld>
+  <p:clrMapOvr>
+    <a:masterClrMapping/>
+  </p:clrMapOvr>
+  <p:transition spd="med">
+    <p:fade/>
+  </p:transition>
+</p:sld>
+</file>
+
+<file path=ppt/slides/slide5.xml><?xml version="1.0" encoding="utf-8"?>
 <p:sld xmlns:a="http://schemas.openxmlformats.org/drawingml/2006/main" xmlns:r="http://schemas.openxmlformats.org/officeDocument/2006/relationships" xmlns:p="http://schemas.openxmlformats.org/presentationml/2006/main">
   <p:cSld>
     <p:spTree>
@@ -10560,7 +16121,7 @@
           <p:nvPr>
             <p:extLst>
               <p:ext uri="{D42A27DB-BD31-4B8C-83A1-F6EECF244321}">
-                <p14:modId xmlns:p14="http://schemas.microsoft.com/office/powerpoint/2010/main" val="2640090248"/>
+                <p14:modId xmlns:p14="http://schemas.microsoft.com/office/powerpoint/2010/main" val="1247723281"/>
               </p:ext>
             </p:extLst>
           </p:nvPr>
@@ -11115,7 +16676,7 @@
                       <a:pPr algn="ctr"/>
                       <a:r>
                         <a:rPr lang="pt-PT" sz="1200" dirty="0"/>
-                        <a:t>10</a:t>
+                        <a:t>20</a:t>
                       </a:r>
                     </a:p>
                   </a:txBody>
@@ -11131,7 +16692,7 @@
                       </a:pPr>
                       <a:r>
                         <a:rPr lang="pt-PT" sz="1200" dirty="0"/>
-                        <a:t>2</a:t>
+                        <a:t>0</a:t>
                       </a:r>
                     </a:p>
                   </a:txBody>
@@ -11147,7 +16708,7 @@
                       </a:pPr>
                       <a:r>
                         <a:rPr lang="pt-PT" sz="1200" dirty="0"/>
-                        <a:t>9</a:t>
+                        <a:t>19</a:t>
                       </a:r>
                     </a:p>
                   </a:txBody>
@@ -11163,7 +16724,7 @@
                       </a:pPr>
                       <a:r>
                         <a:rPr lang="pt-PT" sz="1200" dirty="0"/>
-                        <a:t>2</a:t>
+                        <a:t>0</a:t>
                       </a:r>
                     </a:p>
                   </a:txBody>
@@ -11179,7 +16740,7 @@
                       </a:pPr>
                       <a:r>
                         <a:rPr lang="pt-PT" sz="1200" dirty="0"/>
-                        <a:t>1</a:t>
+                        <a:t>0</a:t>
                       </a:r>
                     </a:p>
                   </a:txBody>
@@ -11195,7 +16756,7 @@
                       </a:pPr>
                       <a:r>
                         <a:rPr lang="pt-PT" sz="1200" dirty="0"/>
-                        <a:t>5</a:t>
+                        <a:t>95%</a:t>
                       </a:r>
                     </a:p>
                   </a:txBody>
@@ -11211,7 +16772,7 @@
                       </a:pPr>
                       <a:r>
                         <a:rPr lang="pt-PT" sz="1200" dirty="0"/>
-                        <a:t>92%</a:t>
+                        <a:t>96%</a:t>
                       </a:r>
                     </a:p>
                   </a:txBody>
@@ -11429,7 +16990,7 @@
                       </a:pPr>
                       <a:r>
                         <a:rPr lang="pt-PT" sz="1200" dirty="0"/>
-                        <a:t>4</a:t>
+                        <a:t>5</a:t>
                       </a:r>
                     </a:p>
                   </a:txBody>
@@ -11461,7 +17022,7 @@
                       </a:pPr>
                       <a:r>
                         <a:rPr lang="pt-PT" sz="1200" dirty="0"/>
-                        <a:t>4</a:t>
+                        <a:t>5</a:t>
                       </a:r>
                     </a:p>
                   </a:txBody>
@@ -11555,7 +17116,7 @@
                       </a:pPr>
                       <a:r>
                         <a:rPr lang="pt-PT" sz="1200" dirty="0"/>
-                        <a:t>10</a:t>
+                        <a:t>20</a:t>
                       </a:r>
                     </a:p>
                   </a:txBody>
@@ -11578,7 +17139,7 @@
                       </a:pPr>
                       <a:r>
                         <a:rPr lang="pt-PT" sz="1200" dirty="0"/>
-                        <a:t>6</a:t>
+                        <a:t>5</a:t>
                       </a:r>
                     </a:p>
                   </a:txBody>
@@ -11601,7 +17162,7 @@
                       </a:pPr>
                       <a:r>
                         <a:rPr lang="pt-PT" sz="1200" dirty="0"/>
-                        <a:t>0</a:t>
+                        <a:t>19</a:t>
                       </a:r>
                     </a:p>
                   </a:txBody>
@@ -11624,7 +17185,7 @@
                       </a:pPr>
                       <a:r>
                         <a:rPr lang="pt-PT" sz="1200" dirty="0"/>
-                        <a:t>6</a:t>
+                        <a:t>5</a:t>
                       </a:r>
                     </a:p>
                   </a:txBody>
@@ -11647,7 +17208,7 @@
                       </a:pPr>
                       <a:r>
                         <a:rPr lang="pt-PT" sz="1200" dirty="0"/>
-                        <a:t>1</a:t>
+                        <a:t>0</a:t>
                       </a:r>
                     </a:p>
                   </a:txBody>
@@ -11670,7 +17231,7 @@
                       </a:pPr>
                       <a:r>
                         <a:rPr lang="pt-PT" sz="1200" dirty="0"/>
-                        <a:t>5</a:t>
+                        <a:t>95</a:t>
                       </a:r>
                     </a:p>
                   </a:txBody>
@@ -11693,7 +17254,7 @@
                       </a:pPr>
                       <a:r>
                         <a:rPr lang="pt-PT" sz="1200" dirty="0"/>
-                        <a:t>92%</a:t>
+                        <a:t>96%</a:t>
                       </a:r>
                     </a:p>
                   </a:txBody>
@@ -11743,7 +17304,7 @@
                       </a:pPr>
                       <a:r>
                         <a:rPr lang="pt-PT" sz="1200" dirty="0"/>
-                        <a:t>120h</a:t>
+                        <a:t>48h</a:t>
                       </a:r>
                     </a:p>
                   </a:txBody>
@@ -11759,7 +17320,7 @@
                       </a:pPr>
                       <a:r>
                         <a:rPr lang="pt-PT" sz="1200" dirty="0"/>
-                        <a:t>10h</a:t>
+                        <a:t>8h</a:t>
                       </a:r>
                     </a:p>
                   </a:txBody>
@@ -11775,7 +17336,7 @@
                       </a:pPr>
                       <a:r>
                         <a:rPr lang="pt-PT" sz="1200" dirty="0"/>
-                        <a:t>110h</a:t>
+                        <a:t>24h</a:t>
                       </a:r>
                     </a:p>
                   </a:txBody>
@@ -11791,7 +17352,7 @@
                       </a:pPr>
                       <a:r>
                         <a:rPr lang="pt-PT" sz="1200" dirty="0"/>
-                        <a:t>9h</a:t>
+                        <a:t>6h</a:t>
                       </a:r>
                     </a:p>
                   </a:txBody>
@@ -11837,7 +17398,7 @@
                       </a:pPr>
                       <a:r>
                         <a:rPr lang="pt-PT" sz="1200" dirty="0"/>
-                        <a:t>92%</a:t>
+                        <a:t>50%</a:t>
                       </a:r>
                     </a:p>
                   </a:txBody>
@@ -11853,7 +17414,7 @@
                       </a:pPr>
                       <a:r>
                         <a:rPr lang="pt-PT" sz="1200" dirty="0"/>
-                        <a:t>0,91%</a:t>
+                        <a:t>50%</a:t>
                       </a:r>
                     </a:p>
                   </a:txBody>
@@ -11885,7 +17446,7 @@
 </p:sld>
 </file>
 
-<file path=ppt/slides/slide5.xml><?xml version="1.0" encoding="utf-8"?>
+<file path=ppt/slides/slide6.xml><?xml version="1.0" encoding="utf-8"?>
 <p:sld xmlns:a="http://schemas.openxmlformats.org/drawingml/2006/main" xmlns:r="http://schemas.openxmlformats.org/officeDocument/2006/relationships" xmlns:p="http://schemas.openxmlformats.org/presentationml/2006/main">
   <p:cSld>
     <p:spTree>
@@ -12007,7 +17568,7 @@
 </p:sld>
 </file>
 
-<file path=ppt/slides/slide6.xml><?xml version="1.0" encoding="utf-8"?>
+<file path=ppt/slides/slide7.xml><?xml version="1.0" encoding="utf-8"?>
 <p:sld xmlns:a="http://schemas.openxmlformats.org/drawingml/2006/main" xmlns:r="http://schemas.openxmlformats.org/officeDocument/2006/relationships" xmlns:p="http://schemas.openxmlformats.org/presentationml/2006/main">
   <p:cSld>
     <p:spTree>
@@ -12098,7 +17659,7 @@
           <p:nvPr>
             <p:extLst>
               <p:ext uri="{D42A27DB-BD31-4B8C-83A1-F6EECF244321}">
-                <p14:modId xmlns:p14="http://schemas.microsoft.com/office/powerpoint/2010/main" val="2220932575"/>
+                <p14:modId xmlns:p14="http://schemas.microsoft.com/office/powerpoint/2010/main" val="282217881"/>
               </p:ext>
             </p:extLst>
           </p:nvPr>
@@ -12129,7 +17690,7 @@
 </p:sld>
 </file>
 
-<file path=ppt/slides/slide7.xml><?xml version="1.0" encoding="utf-8"?>
+<file path=ppt/slides/slide8.xml><?xml version="1.0" encoding="utf-8"?>
 <p:sld xmlns:a="http://schemas.openxmlformats.org/drawingml/2006/main" xmlns:r="http://schemas.openxmlformats.org/officeDocument/2006/relationships" xmlns:p="http://schemas.openxmlformats.org/presentationml/2006/main">
   <p:cSld>
     <p:spTree>
@@ -12297,7 +17858,7 @@
 </p:sld>
 </file>
 
-<file path=ppt/slides/slide8.xml><?xml version="1.0" encoding="utf-8"?>
+<file path=ppt/slides/slide9.xml><?xml version="1.0" encoding="utf-8"?>
 <p:sld xmlns:a="http://schemas.openxmlformats.org/drawingml/2006/main" xmlns:r="http://schemas.openxmlformats.org/officeDocument/2006/relationships" xmlns:p="http://schemas.openxmlformats.org/presentationml/2006/main">
   <p:cSld>
     <p:spTree>
@@ -12398,6 +17959,14 @@
               <a:buAutoNum type="arabicPeriod"/>
             </a:pPr>
             <a:r>
+              <a:rPr lang="en-US" sz="1800" dirty="0">
+                <a:solidFill>
+                  <a:schemeClr val="tx1"/>
+                </a:solidFill>
+              </a:rPr>
+              <a:t>Missing </a:t>
+            </a:r>
+            <a:r>
               <a:rPr lang="en-US" sz="1800" dirty="0" err="1">
                 <a:solidFill>
                   <a:schemeClr val="tx1"/>
@@ -12405,13 +17974,24 @@
               </a:rPr>
               <a:t>Esinf</a:t>
             </a:r>
+            <a:endParaRPr lang="en-US" sz="1800" dirty="0">
+              <a:solidFill>
+                <a:schemeClr val="tx1"/>
+              </a:solidFill>
+            </a:endParaRPr>
+          </a:p>
+          <a:p>
+            <a:pPr marL="457200" indent="-457200">
+              <a:buFont typeface="+mj-lt"/>
+              <a:buAutoNum type="arabicPeriod"/>
+            </a:pPr>
             <a:r>
               <a:rPr lang="en-US" sz="1800" dirty="0">
                 <a:solidFill>
                   <a:schemeClr val="tx1"/>
                 </a:solidFill>
               </a:rPr>
-              <a:t> all done with no errors</a:t>
+              <a:t>Not sure how BDDAD is because database stopped working by the end</a:t>
             </a:r>
           </a:p>
           <a:p>
@@ -12425,7 +18005,7 @@
                   <a:schemeClr val="tx1"/>
                 </a:solidFill>
               </a:rPr>
-              <a:t>Bdad</a:t>
+              <a:t>Arqcp</a:t>
             </a:r>
             <a:r>
               <a:rPr lang="en-US" sz="1800" dirty="0">
@@ -12433,7 +18013,7 @@
                   <a:schemeClr val="tx1"/>
                 </a:solidFill>
               </a:rPr>
-              <a:t> couldn’t do US210 </a:t>
+              <a:t> not working</a:t>
             </a:r>
           </a:p>
           <a:p>
@@ -12447,7 +18027,7 @@
                   <a:schemeClr val="tx1"/>
                 </a:solidFill>
               </a:rPr>
-              <a:t>We started late because of exams, other works and logical model review</a:t>
+              <a:t>FISIAP all done</a:t>
             </a:r>
           </a:p>
           <a:p>
@@ -12461,8 +18041,18 @@
                   <a:schemeClr val="tx1"/>
                 </a:solidFill>
               </a:rPr>
-              <a:t>Mutation could be improved</a:t>
+              <a:t>Start early</a:t>
             </a:r>
+          </a:p>
+          <a:p>
+            <a:pPr marL="0" indent="0">
+              <a:buNone/>
+            </a:pPr>
+            <a:endParaRPr lang="en-US" sz="1800" dirty="0">
+              <a:solidFill>
+                <a:schemeClr val="tx1"/>
+              </a:solidFill>
+            </a:endParaRPr>
           </a:p>
           <a:p>
             <a:pPr marL="0" indent="0">
@@ -12491,406 +18081,6 @@
     <p:extLst>
       <p:ext uri="{BB962C8B-B14F-4D97-AF65-F5344CB8AC3E}">
         <p14:creationId xmlns:p14="http://schemas.microsoft.com/office/powerpoint/2010/main" val="3331416695"/>
-      </p:ext>
-    </p:extLst>
-  </p:cSld>
-  <p:clrMapOvr>
-    <a:masterClrMapping/>
-  </p:clrMapOvr>
-  <p:transition spd="med">
-    <p:fade/>
-  </p:transition>
-</p:sld>
-</file>
-
-<file path=ppt/slides/slide9.xml><?xml version="1.0" encoding="utf-8"?>
-<p:sld xmlns:a="http://schemas.openxmlformats.org/drawingml/2006/main" xmlns:r="http://schemas.openxmlformats.org/officeDocument/2006/relationships" xmlns:p="http://schemas.openxmlformats.org/presentationml/2006/main">
-  <p:cSld>
-    <p:spTree>
-      <p:nvGrpSpPr>
-        <p:cNvPr id="1" name=""/>
-        <p:cNvGrpSpPr/>
-        <p:nvPr/>
-      </p:nvGrpSpPr>
-      <p:grpSpPr>
-        <a:xfrm>
-          <a:off x="0" y="0"/>
-          <a:ext cx="0" cy="0"/>
-          <a:chOff x="0" y="0"/>
-          <a:chExt cx="0" cy="0"/>
-        </a:xfrm>
-      </p:grpSpPr>
-      <p:sp>
-        <p:nvSpPr>
-          <p:cNvPr id="5" name="Título 4">
-            <a:extLst>
-              <a:ext uri="{FF2B5EF4-FFF2-40B4-BE49-F238E27FC236}">
-                <a16:creationId xmlns:a16="http://schemas.microsoft.com/office/drawing/2014/main" id="{E87CCFBD-63B6-4340-92B3-5E03879F60E8}"/>
-              </a:ext>
-            </a:extLst>
-          </p:cNvPr>
-          <p:cNvSpPr>
-            <a:spLocks noGrp="1"/>
-          </p:cNvSpPr>
-          <p:nvPr>
-            <p:ph type="title"/>
-          </p:nvPr>
-        </p:nvSpPr>
-        <p:spPr/>
-        <p:txBody>
-          <a:bodyPr/>
-          <a:lstStyle/>
-          <a:p>
-            <a:r>
-              <a:rPr lang="en-US" sz="3200" cap="none">
-                <a:solidFill>
-                  <a:schemeClr val="tx1"/>
-                </a:solidFill>
-              </a:rPr>
-              <a:t>Sprint Retrospective</a:t>
-            </a:r>
-          </a:p>
-        </p:txBody>
-      </p:sp>
-      <p:sp>
-        <p:nvSpPr>
-          <p:cNvPr id="6" name="Marcador de Posição de Conteúdo 5">
-            <a:extLst>
-              <a:ext uri="{FF2B5EF4-FFF2-40B4-BE49-F238E27FC236}">
-                <a16:creationId xmlns:a16="http://schemas.microsoft.com/office/drawing/2014/main" id="{D06360EC-9833-4654-B8AD-2795D9E72058}"/>
-              </a:ext>
-            </a:extLst>
-          </p:cNvPr>
-          <p:cNvSpPr>
-            <a:spLocks noGrp="1"/>
-          </p:cNvSpPr>
-          <p:nvPr>
-            <p:ph idx="1"/>
-          </p:nvPr>
-        </p:nvSpPr>
-        <p:spPr/>
-        <p:txBody>
-          <a:bodyPr/>
-          <a:lstStyle/>
-          <a:p>
-            <a:pPr marL="0" indent="0">
-              <a:buNone/>
-            </a:pPr>
-            <a:r>
-              <a:rPr lang="en-US">
-                <a:solidFill>
-                  <a:schemeClr val="tx1"/>
-                </a:solidFill>
-              </a:rPr>
-              <a:t>Date: </a:t>
-            </a:r>
-          </a:p>
-        </p:txBody>
-      </p:sp>
-      <p:sp>
-        <p:nvSpPr>
-          <p:cNvPr id="3" name="Rectangle 2">
-            <a:extLst>
-              <a:ext uri="{FF2B5EF4-FFF2-40B4-BE49-F238E27FC236}">
-                <a16:creationId xmlns:a16="http://schemas.microsoft.com/office/drawing/2014/main" id="{0B46F64C-4411-4F59-B546-FCD8654F7B3C}"/>
-              </a:ext>
-            </a:extLst>
-          </p:cNvPr>
-          <p:cNvSpPr/>
-          <p:nvPr/>
-        </p:nvSpPr>
-        <p:spPr>
-          <a:xfrm>
-            <a:off x="250869" y="2528901"/>
-            <a:ext cx="2970330" cy="3685577"/>
-          </a:xfrm>
-          <a:prstGeom prst="rect">
-            <a:avLst/>
-          </a:prstGeom>
-          <a:solidFill>
-            <a:schemeClr val="accent6">
-              <a:lumMod val="20000"/>
-              <a:lumOff val="80000"/>
-            </a:schemeClr>
-          </a:solidFill>
-          <a:ln>
-            <a:noFill/>
-          </a:ln>
-        </p:spPr>
-        <p:style>
-          <a:lnRef idx="2">
-            <a:schemeClr val="accent1">
-              <a:shade val="50000"/>
-            </a:schemeClr>
-          </a:lnRef>
-          <a:fillRef idx="1">
-            <a:schemeClr val="accent1"/>
-          </a:fillRef>
-          <a:effectRef idx="0">
-            <a:schemeClr val="accent1"/>
-          </a:effectRef>
-          <a:fontRef idx="minor">
-            <a:schemeClr val="lt1"/>
-          </a:fontRef>
-        </p:style>
-        <p:txBody>
-          <a:bodyPr rtlCol="0" anchor="t"/>
-          <a:lstStyle/>
-          <a:p>
-            <a:r>
-              <a:rPr lang="en-US" u="sng" dirty="0">
-                <a:solidFill>
-                  <a:schemeClr val="tx1"/>
-                </a:solidFill>
-              </a:rPr>
-              <a:t>What went well?</a:t>
-            </a:r>
-          </a:p>
-          <a:p>
-            <a:pPr marL="285750" indent="-285750">
-              <a:buFont typeface="Arial" panose="020B0604020202020204" pitchFamily="34" charset="0"/>
-              <a:buChar char="•"/>
-            </a:pPr>
-            <a:r>
-              <a:rPr lang="en-US" sz="1400" dirty="0">
-                <a:solidFill>
-                  <a:schemeClr val="tx1"/>
-                </a:solidFill>
-              </a:rPr>
-              <a:t>Communication</a:t>
-            </a:r>
-          </a:p>
-          <a:p>
-            <a:pPr marL="285750" indent="-285750">
-              <a:buFont typeface="Arial" panose="020B0604020202020204" pitchFamily="34" charset="0"/>
-              <a:buChar char="•"/>
-            </a:pPr>
-            <a:r>
-              <a:rPr lang="en-US" sz="1400" dirty="0">
-                <a:solidFill>
-                  <a:schemeClr val="tx1"/>
-                </a:solidFill>
-              </a:rPr>
-              <a:t>Work distribution</a:t>
-            </a:r>
-          </a:p>
-          <a:p>
-            <a:pPr marL="285750" indent="-285750">
-              <a:buFont typeface="Arial" panose="020B0604020202020204" pitchFamily="34" charset="0"/>
-              <a:buChar char="•"/>
-            </a:pPr>
-            <a:endParaRPr lang="en-US" sz="1400" dirty="0">
-              <a:solidFill>
-                <a:schemeClr val="tx1"/>
-              </a:solidFill>
-            </a:endParaRPr>
-          </a:p>
-        </p:txBody>
-      </p:sp>
-      <p:sp>
-        <p:nvSpPr>
-          <p:cNvPr id="7" name="Rectangle 6">
-            <a:extLst>
-              <a:ext uri="{FF2B5EF4-FFF2-40B4-BE49-F238E27FC236}">
-                <a16:creationId xmlns:a16="http://schemas.microsoft.com/office/drawing/2014/main" id="{73B9FD58-6876-4E87-998E-ACA36985B86E}"/>
-              </a:ext>
-            </a:extLst>
-          </p:cNvPr>
-          <p:cNvSpPr/>
-          <p:nvPr/>
-        </p:nvSpPr>
-        <p:spPr>
-          <a:xfrm>
-            <a:off x="3480763" y="2528901"/>
-            <a:ext cx="2970330" cy="3685577"/>
-          </a:xfrm>
-          <a:prstGeom prst="rect">
-            <a:avLst/>
-          </a:prstGeom>
-          <a:solidFill>
-            <a:schemeClr val="accent6">
-              <a:lumMod val="20000"/>
-              <a:lumOff val="80000"/>
-            </a:schemeClr>
-          </a:solidFill>
-          <a:ln>
-            <a:noFill/>
-          </a:ln>
-        </p:spPr>
-        <p:style>
-          <a:lnRef idx="2">
-            <a:schemeClr val="accent1">
-              <a:shade val="50000"/>
-            </a:schemeClr>
-          </a:lnRef>
-          <a:fillRef idx="1">
-            <a:schemeClr val="accent1"/>
-          </a:fillRef>
-          <a:effectRef idx="0">
-            <a:schemeClr val="accent1"/>
-          </a:effectRef>
-          <a:fontRef idx="minor">
-            <a:schemeClr val="lt1"/>
-          </a:fontRef>
-        </p:style>
-        <p:txBody>
-          <a:bodyPr rtlCol="0" anchor="t"/>
-          <a:lstStyle/>
-          <a:p>
-            <a:r>
-              <a:rPr lang="en-US" u="sng" dirty="0">
-                <a:solidFill>
-                  <a:schemeClr val="tx1"/>
-                </a:solidFill>
-              </a:rPr>
-              <a:t>What went wrong?</a:t>
-            </a:r>
-          </a:p>
-          <a:p>
-            <a:pPr marL="285750" indent="-285750">
-              <a:buFont typeface="Arial" panose="020B0604020202020204" pitchFamily="34" charset="0"/>
-              <a:buChar char="•"/>
-            </a:pPr>
-            <a:r>
-              <a:rPr lang="en-US" sz="1400" dirty="0">
-                <a:solidFill>
-                  <a:schemeClr val="tx1"/>
-                </a:solidFill>
-              </a:rPr>
-              <a:t>Estimated times</a:t>
-            </a:r>
-          </a:p>
-          <a:p>
-            <a:pPr marL="285750" indent="-285750">
-              <a:buFont typeface="Arial" panose="020B0604020202020204" pitchFamily="34" charset="0"/>
-              <a:buChar char="•"/>
-            </a:pPr>
-            <a:r>
-              <a:rPr lang="en-US" sz="1400" dirty="0">
-                <a:solidFill>
-                  <a:schemeClr val="tx1"/>
-                </a:solidFill>
-              </a:rPr>
-              <a:t>One user story			</a:t>
-            </a:r>
-          </a:p>
-          <a:p>
-            <a:pPr marL="285750" indent="-285750">
-              <a:buFont typeface="Arial" panose="020B0604020202020204" pitchFamily="34" charset="0"/>
-              <a:buChar char="•"/>
-            </a:pPr>
-            <a:endParaRPr lang="en-US" sz="1400" dirty="0">
-              <a:solidFill>
-                <a:schemeClr val="tx1"/>
-              </a:solidFill>
-            </a:endParaRPr>
-          </a:p>
-        </p:txBody>
-      </p:sp>
-      <p:sp>
-        <p:nvSpPr>
-          <p:cNvPr id="8" name="Rectangle 7">
-            <a:extLst>
-              <a:ext uri="{FF2B5EF4-FFF2-40B4-BE49-F238E27FC236}">
-                <a16:creationId xmlns:a16="http://schemas.microsoft.com/office/drawing/2014/main" id="{39B8E455-F8DD-4DEF-9E49-A26421870FC1}"/>
-              </a:ext>
-            </a:extLst>
-          </p:cNvPr>
-          <p:cNvSpPr/>
-          <p:nvPr/>
-        </p:nvSpPr>
-        <p:spPr>
-          <a:xfrm>
-            <a:off x="6708195" y="2528900"/>
-            <a:ext cx="2970330" cy="3685577"/>
-          </a:xfrm>
-          <a:prstGeom prst="rect">
-            <a:avLst/>
-          </a:prstGeom>
-          <a:solidFill>
-            <a:schemeClr val="accent6">
-              <a:lumMod val="20000"/>
-              <a:lumOff val="80000"/>
-            </a:schemeClr>
-          </a:solidFill>
-          <a:ln>
-            <a:noFill/>
-          </a:ln>
-        </p:spPr>
-        <p:style>
-          <a:lnRef idx="2">
-            <a:schemeClr val="accent1">
-              <a:shade val="50000"/>
-            </a:schemeClr>
-          </a:lnRef>
-          <a:fillRef idx="1">
-            <a:schemeClr val="accent1"/>
-          </a:fillRef>
-          <a:effectRef idx="0">
-            <a:schemeClr val="accent1"/>
-          </a:effectRef>
-          <a:fontRef idx="minor">
-            <a:schemeClr val="lt1"/>
-          </a:fontRef>
-        </p:style>
-        <p:txBody>
-          <a:bodyPr rtlCol="0" anchor="t"/>
-          <a:lstStyle/>
-          <a:p>
-            <a:r>
-              <a:rPr lang="en-US" u="sng" dirty="0">
-                <a:solidFill>
-                  <a:schemeClr val="tx1"/>
-                </a:solidFill>
-              </a:rPr>
-              <a:t>What we’ve learned?</a:t>
-            </a:r>
-          </a:p>
-          <a:p>
-            <a:pPr marL="285750" indent="-285750">
-              <a:buFont typeface="Arial" panose="020B0604020202020204" pitchFamily="34" charset="0"/>
-              <a:buChar char="•"/>
-            </a:pPr>
-            <a:endParaRPr lang="en-US" sz="1400" dirty="0">
-              <a:solidFill>
-                <a:schemeClr val="tx1"/>
-              </a:solidFill>
-            </a:endParaRPr>
-          </a:p>
-          <a:p>
-            <a:pPr marL="285750" indent="-285750">
-              <a:buFont typeface="Arial" panose="020B0604020202020204" pitchFamily="34" charset="0"/>
-              <a:buChar char="•"/>
-            </a:pPr>
-            <a:r>
-              <a:rPr lang="en-US" sz="1400" dirty="0">
-                <a:solidFill>
-                  <a:schemeClr val="tx1"/>
-                </a:solidFill>
-              </a:rPr>
-              <a:t>How to estimate time better</a:t>
-            </a:r>
-          </a:p>
-          <a:p>
-            <a:pPr marL="285750" indent="-285750">
-              <a:buFont typeface="Arial" panose="020B0604020202020204" pitchFamily="34" charset="0"/>
-              <a:buChar char="•"/>
-            </a:pPr>
-            <a:r>
-              <a:rPr lang="en-US" sz="1400" dirty="0">
-                <a:solidFill>
-                  <a:schemeClr val="tx1"/>
-                </a:solidFill>
-              </a:rPr>
-              <a:t>Log our work </a:t>
-            </a:r>
-          </a:p>
-        </p:txBody>
-      </p:sp>
-    </p:spTree>
-    <p:extLst>
-      <p:ext uri="{BB962C8B-B14F-4D97-AF65-F5344CB8AC3E}">
-        <p14:creationId xmlns:p14="http://schemas.microsoft.com/office/powerpoint/2010/main" val="3250254882"/>
       </p:ext>
     </p:extLst>
   </p:cSld>
@@ -13502,15 +18692,6 @@
 </file>
 
 <file path=customXml/item2.xml><?xml version="1.0" encoding="utf-8"?>
-<?mso-contentType ?>
-<FormTemplates xmlns="http://schemas.microsoft.com/sharepoint/v3/contenttype/forms">
-  <Display>DocumentLibraryForm</Display>
-  <Edit>DocumentLibraryForm</Edit>
-  <New>DocumentLibraryForm</New>
-</FormTemplates>
-</file>
-
-<file path=customXml/item3.xml><?xml version="1.0" encoding="utf-8"?>
 <ct:contentTypeSchema xmlns:ct="http://schemas.microsoft.com/office/2006/metadata/contentType" xmlns:ma="http://schemas.microsoft.com/office/2006/metadata/properties/metaAttributes" ct:_="" ma:_="" ma:contentTypeName="Document" ma:contentTypeID="0x0101005836243B3C47804EAF5FFDD9F066FCC7" ma:contentTypeVersion="2" ma:contentTypeDescription="Create a new document." ma:contentTypeScope="" ma:versionID="0469372245184f18195408053fbf9b6d">
   <xsd:schema xmlns:xsd="http://www.w3.org/2001/XMLSchema" xmlns:xs="http://www.w3.org/2001/XMLSchema" xmlns:p="http://schemas.microsoft.com/office/2006/metadata/properties" xmlns:ns2="a1e3ca88-8ae5-4fd0-ba37-40ce669fcbb0" targetNamespace="http://schemas.microsoft.com/office/2006/metadata/properties" ma:root="true" ma:fieldsID="15cd5fdf54d7c5df31b4840e959455b1" ns2:_="">
     <xsd:import namespace="a1e3ca88-8ae5-4fd0-ba37-40ce669fcbb0"/>
@@ -13642,6 +18823,15 @@
 </ct:contentTypeSchema>
 </file>
 
+<file path=customXml/item3.xml><?xml version="1.0" encoding="utf-8"?>
+<?mso-contentType ?>
+<FormTemplates xmlns="http://schemas.microsoft.com/sharepoint/v3/contenttype/forms">
+  <Display>DocumentLibraryForm</Display>
+  <Edit>DocumentLibraryForm</Edit>
+  <New>DocumentLibraryForm</New>
+</FormTemplates>
+</file>
+
 <file path=customXml/itemProps1.xml><?xml version="1.0" encoding="utf-8"?>
 <ds:datastoreItem xmlns:ds="http://schemas.openxmlformats.org/officeDocument/2006/customXml" ds:itemID="{E9B87164-EF5F-43C8-917E-48B38ACAFD1E}">
   <ds:schemaRefs>
@@ -13659,14 +18849,6 @@
 </file>
 
 <file path=customXml/itemProps2.xml><?xml version="1.0" encoding="utf-8"?>
-<ds:datastoreItem xmlns:ds="http://schemas.openxmlformats.org/officeDocument/2006/customXml" ds:itemID="{4F984168-AABC-4753-B4EC-59CA9D08839F}">
-  <ds:schemaRefs>
-    <ds:schemaRef ds:uri="http://schemas.microsoft.com/sharepoint/v3/contenttype/forms"/>
-  </ds:schemaRefs>
-</ds:datastoreItem>
-</file>
-
-<file path=customXml/itemProps3.xml><?xml version="1.0" encoding="utf-8"?>
 <ds:datastoreItem xmlns:ds="http://schemas.openxmlformats.org/officeDocument/2006/customXml" ds:itemID="{2092E48C-C6FF-44AE-8C78-D9681B66D30B}">
   <ds:schemaRefs>
     <ds:schemaRef ds:uri="http://schemas.microsoft.com/office/2006/metadata/contentType"/>
@@ -13682,4 +18864,12 @@
     <ds:schemaRef ds:uri="http://schemas.microsoft.com/internal/obd"/>
   </ds:schemaRefs>
 </ds:datastoreItem>
+</file>
+
+<file path=customXml/itemProps3.xml><?xml version="1.0" encoding="utf-8"?>
+<ds:datastoreItem xmlns:ds="http://schemas.openxmlformats.org/officeDocument/2006/customXml" ds:itemID="{4F984168-AABC-4753-B4EC-59CA9D08839F}">
+  <ds:schemaRefs>
+    <ds:schemaRef ds:uri="http://schemas.microsoft.com/sharepoint/v3/contenttype/forms"/>
+  </ds:schemaRefs>
+</ds:datastoreItem>
 </file>